--- a/clases/Cap04_Sistemas_Lineales/presentations/IMG04_TransformadaDCT.pptx
+++ b/clases/Cap04_Sistemas_Lineales/presentations/IMG04_TransformadaDCT.pptx
@@ -236,7 +236,7 @@
           <a:p>
             <a:fld id="{73374526-E489-9040-BC8D-0EF8BCD5C226}" type="datetimeFigureOut">
               <a:rPr lang="en-US" smtClean="0"/>
-              <a:t>10/13/21</a:t>
+              <a:t>10/14/21</a:t>
             </a:fld>
             <a:endParaRPr lang="en-US"/>
           </a:p>
@@ -746,7 +746,7 @@
           <a:p>
             <a:fld id="{30CE4D77-8EC7-0743-8304-7459B6842D56}" type="datetimeFigureOut">
               <a:rPr lang="en-US" smtClean="0"/>
-              <a:t>10/13/21</a:t>
+              <a:t>10/14/21</a:t>
             </a:fld>
             <a:endParaRPr lang="en-US"/>
           </a:p>
@@ -946,7 +946,7 @@
           <a:p>
             <a:fld id="{30CE4D77-8EC7-0743-8304-7459B6842D56}" type="datetimeFigureOut">
               <a:rPr lang="en-US" smtClean="0"/>
-              <a:t>10/13/21</a:t>
+              <a:t>10/14/21</a:t>
             </a:fld>
             <a:endParaRPr lang="en-US"/>
           </a:p>
@@ -1156,7 +1156,7 @@
           <a:p>
             <a:fld id="{30CE4D77-8EC7-0743-8304-7459B6842D56}" type="datetimeFigureOut">
               <a:rPr lang="en-US" smtClean="0"/>
-              <a:t>10/13/21</a:t>
+              <a:t>10/14/21</a:t>
             </a:fld>
             <a:endParaRPr lang="en-US"/>
           </a:p>
@@ -1356,7 +1356,7 @@
           <a:p>
             <a:fld id="{30CE4D77-8EC7-0743-8304-7459B6842D56}" type="datetimeFigureOut">
               <a:rPr lang="en-US" smtClean="0"/>
-              <a:t>10/13/21</a:t>
+              <a:t>10/14/21</a:t>
             </a:fld>
             <a:endParaRPr lang="en-US"/>
           </a:p>
@@ -1632,7 +1632,7 @@
           <a:p>
             <a:fld id="{30CE4D77-8EC7-0743-8304-7459B6842D56}" type="datetimeFigureOut">
               <a:rPr lang="en-US" smtClean="0"/>
-              <a:t>10/13/21</a:t>
+              <a:t>10/14/21</a:t>
             </a:fld>
             <a:endParaRPr lang="en-US"/>
           </a:p>
@@ -1900,7 +1900,7 @@
           <a:p>
             <a:fld id="{30CE4D77-8EC7-0743-8304-7459B6842D56}" type="datetimeFigureOut">
               <a:rPr lang="en-US" smtClean="0"/>
-              <a:t>10/13/21</a:t>
+              <a:t>10/14/21</a:t>
             </a:fld>
             <a:endParaRPr lang="en-US"/>
           </a:p>
@@ -2315,7 +2315,7 @@
           <a:p>
             <a:fld id="{30CE4D77-8EC7-0743-8304-7459B6842D56}" type="datetimeFigureOut">
               <a:rPr lang="en-US" smtClean="0"/>
-              <a:t>10/13/21</a:t>
+              <a:t>10/14/21</a:t>
             </a:fld>
             <a:endParaRPr lang="en-US"/>
           </a:p>
@@ -2457,7 +2457,7 @@
           <a:p>
             <a:fld id="{30CE4D77-8EC7-0743-8304-7459B6842D56}" type="datetimeFigureOut">
               <a:rPr lang="en-US" smtClean="0"/>
-              <a:t>10/13/21</a:t>
+              <a:t>10/14/21</a:t>
             </a:fld>
             <a:endParaRPr lang="en-US"/>
           </a:p>
@@ -2570,7 +2570,7 @@
           <a:p>
             <a:fld id="{30CE4D77-8EC7-0743-8304-7459B6842D56}" type="datetimeFigureOut">
               <a:rPr lang="en-US" smtClean="0"/>
-              <a:t>10/13/21</a:t>
+              <a:t>10/14/21</a:t>
             </a:fld>
             <a:endParaRPr lang="en-US"/>
           </a:p>
@@ -2883,7 +2883,7 @@
           <a:p>
             <a:fld id="{30CE4D77-8EC7-0743-8304-7459B6842D56}" type="datetimeFigureOut">
               <a:rPr lang="en-US" smtClean="0"/>
-              <a:t>10/13/21</a:t>
+              <a:t>10/14/21</a:t>
             </a:fld>
             <a:endParaRPr lang="en-US"/>
           </a:p>
@@ -3172,7 +3172,7 @@
           <a:p>
             <a:fld id="{30CE4D77-8EC7-0743-8304-7459B6842D56}" type="datetimeFigureOut">
               <a:rPr lang="en-US" smtClean="0"/>
-              <a:t>10/13/21</a:t>
+              <a:t>10/14/21</a:t>
             </a:fld>
             <a:endParaRPr lang="en-US"/>
           </a:p>
@@ -3415,7 +3415,7 @@
           <a:p>
             <a:fld id="{30CE4D77-8EC7-0743-8304-7459B6842D56}" type="datetimeFigureOut">
               <a:rPr lang="en-US" smtClean="0"/>
-              <a:t>10/13/21</a:t>
+              <a:t>10/14/21</a:t>
             </a:fld>
             <a:endParaRPr lang="en-US"/>
           </a:p>
@@ -17505,6 +17505,7 @@
               <a:srgbClr val="FF0000"/>
             </a:solidFill>
             <a:prstDash val="dash"/>
+            <a:tailEnd type="arrow" w="sm" len="sm"/>
           </a:ln>
         </p:spPr>
         <p:style>
@@ -17528,7 +17529,7 @@
           <a:lstStyle/>
           <a:p>
             <a:pPr algn="ctr"/>
-            <a:endParaRPr lang="es-ES_tradnl"/>
+            <a:endParaRPr lang="es-ES_tradnl" dirty="0"/>
           </a:p>
         </p:txBody>
       </p:sp>
@@ -18927,6 +18928,7 @@
               <a:srgbClr val="FF0000"/>
             </a:solidFill>
             <a:prstDash val="dash"/>
+            <a:tailEnd type="triangle"/>
           </a:ln>
         </p:spPr>
         <p:style>
@@ -20636,6 +20638,7 @@
               <a:srgbClr val="FF0000"/>
             </a:solidFill>
             <a:prstDash val="dash"/>
+            <a:tailEnd type="triangle"/>
           </a:ln>
         </p:spPr>
         <p:style>
@@ -20659,7 +20662,7 @@
           <a:lstStyle/>
           <a:p>
             <a:pPr algn="ctr"/>
-            <a:endParaRPr lang="es-ES_tradnl"/>
+            <a:endParaRPr lang="es-ES_tradnl" dirty="0"/>
           </a:p>
         </p:txBody>
       </p:sp>
@@ -22052,6 +22055,7 @@
               <a:srgbClr val="FF0000"/>
             </a:solidFill>
             <a:prstDash val="dash"/>
+            <a:tailEnd type="triangle"/>
           </a:ln>
         </p:spPr>
         <p:style>

--- a/clases/Cap04_Sistemas_Lineales/presentations/IMG04_TransformadaDCT.pptx
+++ b/clases/Cap04_Sistemas_Lineales/presentations/IMG04_TransformadaDCT.pptx
@@ -236,7 +236,7 @@
           <a:p>
             <a:fld id="{73374526-E489-9040-BC8D-0EF8BCD5C226}" type="datetimeFigureOut">
               <a:rPr lang="en-US" smtClean="0"/>
-              <a:t>10/14/21</a:t>
+              <a:t>10/6/22</a:t>
             </a:fld>
             <a:endParaRPr lang="en-US"/>
           </a:p>
@@ -746,7 +746,7 @@
           <a:p>
             <a:fld id="{30CE4D77-8EC7-0743-8304-7459B6842D56}" type="datetimeFigureOut">
               <a:rPr lang="en-US" smtClean="0"/>
-              <a:t>10/14/21</a:t>
+              <a:t>10/6/22</a:t>
             </a:fld>
             <a:endParaRPr lang="en-US"/>
           </a:p>
@@ -946,7 +946,7 @@
           <a:p>
             <a:fld id="{30CE4D77-8EC7-0743-8304-7459B6842D56}" type="datetimeFigureOut">
               <a:rPr lang="en-US" smtClean="0"/>
-              <a:t>10/14/21</a:t>
+              <a:t>10/6/22</a:t>
             </a:fld>
             <a:endParaRPr lang="en-US"/>
           </a:p>
@@ -1156,7 +1156,7 @@
           <a:p>
             <a:fld id="{30CE4D77-8EC7-0743-8304-7459B6842D56}" type="datetimeFigureOut">
               <a:rPr lang="en-US" smtClean="0"/>
-              <a:t>10/14/21</a:t>
+              <a:t>10/6/22</a:t>
             </a:fld>
             <a:endParaRPr lang="en-US"/>
           </a:p>
@@ -1356,7 +1356,7 @@
           <a:p>
             <a:fld id="{30CE4D77-8EC7-0743-8304-7459B6842D56}" type="datetimeFigureOut">
               <a:rPr lang="en-US" smtClean="0"/>
-              <a:t>10/14/21</a:t>
+              <a:t>10/6/22</a:t>
             </a:fld>
             <a:endParaRPr lang="en-US"/>
           </a:p>
@@ -1632,7 +1632,7 @@
           <a:p>
             <a:fld id="{30CE4D77-8EC7-0743-8304-7459B6842D56}" type="datetimeFigureOut">
               <a:rPr lang="en-US" smtClean="0"/>
-              <a:t>10/14/21</a:t>
+              <a:t>10/6/22</a:t>
             </a:fld>
             <a:endParaRPr lang="en-US"/>
           </a:p>
@@ -1900,7 +1900,7 @@
           <a:p>
             <a:fld id="{30CE4D77-8EC7-0743-8304-7459B6842D56}" type="datetimeFigureOut">
               <a:rPr lang="en-US" smtClean="0"/>
-              <a:t>10/14/21</a:t>
+              <a:t>10/6/22</a:t>
             </a:fld>
             <a:endParaRPr lang="en-US"/>
           </a:p>
@@ -2315,7 +2315,7 @@
           <a:p>
             <a:fld id="{30CE4D77-8EC7-0743-8304-7459B6842D56}" type="datetimeFigureOut">
               <a:rPr lang="en-US" smtClean="0"/>
-              <a:t>10/14/21</a:t>
+              <a:t>10/6/22</a:t>
             </a:fld>
             <a:endParaRPr lang="en-US"/>
           </a:p>
@@ -2457,7 +2457,7 @@
           <a:p>
             <a:fld id="{30CE4D77-8EC7-0743-8304-7459B6842D56}" type="datetimeFigureOut">
               <a:rPr lang="en-US" smtClean="0"/>
-              <a:t>10/14/21</a:t>
+              <a:t>10/6/22</a:t>
             </a:fld>
             <a:endParaRPr lang="en-US"/>
           </a:p>
@@ -2570,7 +2570,7 @@
           <a:p>
             <a:fld id="{30CE4D77-8EC7-0743-8304-7459B6842D56}" type="datetimeFigureOut">
               <a:rPr lang="en-US" smtClean="0"/>
-              <a:t>10/14/21</a:t>
+              <a:t>10/6/22</a:t>
             </a:fld>
             <a:endParaRPr lang="en-US"/>
           </a:p>
@@ -2883,7 +2883,7 @@
           <a:p>
             <a:fld id="{30CE4D77-8EC7-0743-8304-7459B6842D56}" type="datetimeFigureOut">
               <a:rPr lang="en-US" smtClean="0"/>
-              <a:t>10/14/21</a:t>
+              <a:t>10/6/22</a:t>
             </a:fld>
             <a:endParaRPr lang="en-US"/>
           </a:p>
@@ -3172,7 +3172,7 @@
           <a:p>
             <a:fld id="{30CE4D77-8EC7-0743-8304-7459B6842D56}" type="datetimeFigureOut">
               <a:rPr lang="en-US" smtClean="0"/>
-              <a:t>10/14/21</a:t>
+              <a:t>10/6/22</a:t>
             </a:fld>
             <a:endParaRPr lang="en-US"/>
           </a:p>
@@ -3415,7 +3415,7 @@
           <a:p>
             <a:fld id="{30CE4D77-8EC7-0743-8304-7459B6842D56}" type="datetimeFigureOut">
               <a:rPr lang="en-US" smtClean="0"/>
-              <a:t>10/14/21</a:t>
+              <a:t>10/6/22</a:t>
             </a:fld>
             <a:endParaRPr lang="en-US"/>
           </a:p>
@@ -16101,28 +16101,314 @@
           </a:p>
         </p:txBody>
       </p:sp>
-      <p:cxnSp>
-        <p:nvCxnSpPr>
-          <p:cNvPr id="29" name="Straight Arrow Connector 28">
-            <a:extLst>
-              <a:ext uri="{FF2B5EF4-FFF2-40B4-BE49-F238E27FC236}">
-                <a16:creationId xmlns:a16="http://schemas.microsoft.com/office/drawing/2014/main" id="{45EFF853-E4BD-ED44-8A79-F791200BAAAA}"/>
-              </a:ext>
-            </a:extLst>
-          </p:cNvPr>
-          <p:cNvCxnSpPr>
-            <a:cxnSpLocks/>
-          </p:cNvCxnSpPr>
-          <p:nvPr/>
-        </p:nvCxnSpPr>
-        <p:spPr>
-          <a:xfrm flipH="1">
-            <a:off x="4177387" y="3028997"/>
-            <a:ext cx="5631247" cy="54249"/>
-          </a:xfrm>
-          <a:prstGeom prst="straightConnector1">
-            <a:avLst/>
-          </a:prstGeom>
+      <p:sp>
+        <p:nvSpPr>
+          <p:cNvPr id="30" name="Oval 29">
+            <a:extLst>
+              <a:ext uri="{FF2B5EF4-FFF2-40B4-BE49-F238E27FC236}">
+                <a16:creationId xmlns:a16="http://schemas.microsoft.com/office/drawing/2014/main" id="{3F848F91-54F4-7A4A-A3C0-39305A91C5CE}"/>
+              </a:ext>
+            </a:extLst>
+          </p:cNvPr>
+          <p:cNvSpPr/>
+          <p:nvPr/>
+        </p:nvSpPr>
+        <p:spPr>
+          <a:xfrm>
+            <a:off x="8328737" y="2956205"/>
+            <a:ext cx="748005" cy="614662"/>
+          </a:xfrm>
+          <a:prstGeom prst="ellipse">
+            <a:avLst/>
+          </a:prstGeom>
+          <a:noFill/>
+          <a:ln w="25400"/>
+        </p:spPr>
+        <p:style>
+          <a:lnRef idx="2">
+            <a:schemeClr val="accent1">
+              <a:shade val="50000"/>
+            </a:schemeClr>
+          </a:lnRef>
+          <a:fillRef idx="1">
+            <a:schemeClr val="accent1"/>
+          </a:fillRef>
+          <a:effectRef idx="0">
+            <a:schemeClr val="accent1"/>
+          </a:effectRef>
+          <a:fontRef idx="minor">
+            <a:schemeClr val="lt1"/>
+          </a:fontRef>
+        </p:style>
+        <p:txBody>
+          <a:bodyPr rtlCol="0" anchor="ctr"/>
+          <a:lstStyle/>
+          <a:p>
+            <a:pPr algn="ctr"/>
+            <a:endParaRPr lang="es-ES_tradnl"/>
+          </a:p>
+        </p:txBody>
+      </p:sp>
+      <p:sp>
+        <p:nvSpPr>
+          <p:cNvPr id="31" name="Oval 30">
+            <a:extLst>
+              <a:ext uri="{FF2B5EF4-FFF2-40B4-BE49-F238E27FC236}">
+                <a16:creationId xmlns:a16="http://schemas.microsoft.com/office/drawing/2014/main" id="{B227179F-062A-1846-AC46-3711C8AB580B}"/>
+              </a:ext>
+            </a:extLst>
+          </p:cNvPr>
+          <p:cNvSpPr/>
+          <p:nvPr/>
+        </p:nvSpPr>
+        <p:spPr>
+          <a:xfrm>
+            <a:off x="6454257" y="2953436"/>
+            <a:ext cx="748005" cy="614662"/>
+          </a:xfrm>
+          <a:prstGeom prst="ellipse">
+            <a:avLst/>
+          </a:prstGeom>
+          <a:noFill/>
+          <a:ln w="25400"/>
+        </p:spPr>
+        <p:style>
+          <a:lnRef idx="2">
+            <a:schemeClr val="accent1">
+              <a:shade val="50000"/>
+            </a:schemeClr>
+          </a:lnRef>
+          <a:fillRef idx="1">
+            <a:schemeClr val="accent1"/>
+          </a:fillRef>
+          <a:effectRef idx="0">
+            <a:schemeClr val="accent1"/>
+          </a:effectRef>
+          <a:fontRef idx="minor">
+            <a:schemeClr val="lt1"/>
+          </a:fontRef>
+        </p:style>
+        <p:txBody>
+          <a:bodyPr rtlCol="0" anchor="ctr"/>
+          <a:lstStyle/>
+          <a:p>
+            <a:pPr algn="ctr"/>
+            <a:endParaRPr lang="es-ES_tradnl"/>
+          </a:p>
+        </p:txBody>
+      </p:sp>
+      <p:sp>
+        <p:nvSpPr>
+          <p:cNvPr id="32" name="Oval 31">
+            <a:extLst>
+              <a:ext uri="{FF2B5EF4-FFF2-40B4-BE49-F238E27FC236}">
+                <a16:creationId xmlns:a16="http://schemas.microsoft.com/office/drawing/2014/main" id="{D1B5C56F-CD55-8F42-AE17-8591897EDB00}"/>
+              </a:ext>
+            </a:extLst>
+          </p:cNvPr>
+          <p:cNvSpPr/>
+          <p:nvPr/>
+        </p:nvSpPr>
+        <p:spPr>
+          <a:xfrm>
+            <a:off x="3942459" y="2949058"/>
+            <a:ext cx="748005" cy="614662"/>
+          </a:xfrm>
+          <a:prstGeom prst="ellipse">
+            <a:avLst/>
+          </a:prstGeom>
+          <a:noFill/>
+          <a:ln w="25400"/>
+        </p:spPr>
+        <p:style>
+          <a:lnRef idx="2">
+            <a:schemeClr val="accent1">
+              <a:shade val="50000"/>
+            </a:schemeClr>
+          </a:lnRef>
+          <a:fillRef idx="1">
+            <a:schemeClr val="accent1"/>
+          </a:fillRef>
+          <a:effectRef idx="0">
+            <a:schemeClr val="accent1"/>
+          </a:effectRef>
+          <a:fontRef idx="minor">
+            <a:schemeClr val="lt1"/>
+          </a:fontRef>
+        </p:style>
+        <p:txBody>
+          <a:bodyPr rtlCol="0" anchor="ctr"/>
+          <a:lstStyle/>
+          <a:p>
+            <a:pPr algn="ctr"/>
+            <a:endParaRPr lang="es-ES_tradnl"/>
+          </a:p>
+        </p:txBody>
+      </p:sp>
+      <p:sp>
+        <p:nvSpPr>
+          <p:cNvPr id="33" name="Rectangle 32">
+            <a:extLst>
+              <a:ext uri="{FF2B5EF4-FFF2-40B4-BE49-F238E27FC236}">
+                <a16:creationId xmlns:a16="http://schemas.microsoft.com/office/drawing/2014/main" id="{81063C37-1BC2-D844-90BE-931654627481}"/>
+              </a:ext>
+            </a:extLst>
+          </p:cNvPr>
+          <p:cNvSpPr/>
+          <p:nvPr/>
+        </p:nvSpPr>
+        <p:spPr>
+          <a:xfrm>
+            <a:off x="4186235" y="4527971"/>
+            <a:ext cx="301686" cy="369332"/>
+          </a:xfrm>
+          <a:prstGeom prst="rect">
+            <a:avLst/>
+          </a:prstGeom>
+        </p:spPr>
+        <p:txBody>
+          <a:bodyPr wrap="none">
+            <a:spAutoFit/>
+          </a:bodyPr>
+          <a:lstStyle/>
+          <a:p>
+            <a:r>
+              <a:rPr lang="en-AU" dirty="0">
+                <a:solidFill>
+                  <a:schemeClr val="accent2"/>
+                </a:solidFill>
+              </a:rPr>
+              <a:t>0</a:t>
+            </a:r>
+            <a:endParaRPr lang="es-ES_tradnl" dirty="0">
+              <a:solidFill>
+                <a:schemeClr val="accent2"/>
+              </a:solidFill>
+            </a:endParaRPr>
+          </a:p>
+        </p:txBody>
+      </p:sp>
+      <p:sp>
+        <p:nvSpPr>
+          <p:cNvPr id="8" name="Freeform 7">
+            <a:extLst>
+              <a:ext uri="{FF2B5EF4-FFF2-40B4-BE49-F238E27FC236}">
+                <a16:creationId xmlns:a16="http://schemas.microsoft.com/office/drawing/2014/main" id="{885AEC9E-668E-82B0-B3F5-B0F93BDFD945}"/>
+              </a:ext>
+            </a:extLst>
+          </p:cNvPr>
+          <p:cNvSpPr/>
+          <p:nvPr/>
+        </p:nvSpPr>
+        <p:spPr>
+          <a:xfrm rot="21259671">
+            <a:off x="4300255" y="2892002"/>
+            <a:ext cx="4849174" cy="285675"/>
+          </a:xfrm>
+          <a:custGeom>
+            <a:avLst/>
+            <a:gdLst>
+              <a:gd name="connsiteX0" fmla="*/ 5572125 w 5572125"/>
+              <a:gd name="connsiteY0" fmla="*/ 0 h 1414463"/>
+              <a:gd name="connsiteX1" fmla="*/ 4729162 w 5572125"/>
+              <a:gd name="connsiteY1" fmla="*/ 785813 h 1414463"/>
+              <a:gd name="connsiteX2" fmla="*/ 1343025 w 5572125"/>
+              <a:gd name="connsiteY2" fmla="*/ 757238 h 1414463"/>
+              <a:gd name="connsiteX3" fmla="*/ 42862 w 5572125"/>
+              <a:gd name="connsiteY3" fmla="*/ 1357313 h 1414463"/>
+              <a:gd name="connsiteX4" fmla="*/ 42862 w 5572125"/>
+              <a:gd name="connsiteY4" fmla="*/ 1357313 h 1414463"/>
+              <a:gd name="connsiteX5" fmla="*/ 0 w 5572125"/>
+              <a:gd name="connsiteY5" fmla="*/ 1414463 h 1414463"/>
+              <a:gd name="connsiteX0" fmla="*/ 5572125 w 5572125"/>
+              <a:gd name="connsiteY0" fmla="*/ 0 h 1414463"/>
+              <a:gd name="connsiteX1" fmla="*/ 4682660 w 5572125"/>
+              <a:gd name="connsiteY1" fmla="*/ 527903 h 1414463"/>
+              <a:gd name="connsiteX2" fmla="*/ 1343025 w 5572125"/>
+              <a:gd name="connsiteY2" fmla="*/ 757238 h 1414463"/>
+              <a:gd name="connsiteX3" fmla="*/ 42862 w 5572125"/>
+              <a:gd name="connsiteY3" fmla="*/ 1357313 h 1414463"/>
+              <a:gd name="connsiteX4" fmla="*/ 42862 w 5572125"/>
+              <a:gd name="connsiteY4" fmla="*/ 1357313 h 1414463"/>
+              <a:gd name="connsiteX5" fmla="*/ 0 w 5572125"/>
+              <a:gd name="connsiteY5" fmla="*/ 1414463 h 1414463"/>
+              <a:gd name="connsiteX0" fmla="*/ 5572125 w 5572125"/>
+              <a:gd name="connsiteY0" fmla="*/ 0 h 1414463"/>
+              <a:gd name="connsiteX1" fmla="*/ 4682660 w 5572125"/>
+              <a:gd name="connsiteY1" fmla="*/ 527903 h 1414463"/>
+              <a:gd name="connsiteX2" fmla="*/ 3125585 w 5572125"/>
+              <a:gd name="connsiteY2" fmla="*/ 1084586 h 1414463"/>
+              <a:gd name="connsiteX3" fmla="*/ 42862 w 5572125"/>
+              <a:gd name="connsiteY3" fmla="*/ 1357313 h 1414463"/>
+              <a:gd name="connsiteX4" fmla="*/ 42862 w 5572125"/>
+              <a:gd name="connsiteY4" fmla="*/ 1357313 h 1414463"/>
+              <a:gd name="connsiteX5" fmla="*/ 0 w 5572125"/>
+              <a:gd name="connsiteY5" fmla="*/ 1414463 h 1414463"/>
+              <a:gd name="connsiteX0" fmla="*/ 5572125 w 5572125"/>
+              <a:gd name="connsiteY0" fmla="*/ 0 h 1414463"/>
+              <a:gd name="connsiteX1" fmla="*/ 4806664 w 5572125"/>
+              <a:gd name="connsiteY1" fmla="*/ 587421 h 1414463"/>
+              <a:gd name="connsiteX2" fmla="*/ 3125585 w 5572125"/>
+              <a:gd name="connsiteY2" fmla="*/ 1084586 h 1414463"/>
+              <a:gd name="connsiteX3" fmla="*/ 42862 w 5572125"/>
+              <a:gd name="connsiteY3" fmla="*/ 1357313 h 1414463"/>
+              <a:gd name="connsiteX4" fmla="*/ 42862 w 5572125"/>
+              <a:gd name="connsiteY4" fmla="*/ 1357313 h 1414463"/>
+              <a:gd name="connsiteX5" fmla="*/ 0 w 5572125"/>
+              <a:gd name="connsiteY5" fmla="*/ 1414463 h 1414463"/>
+            </a:gdLst>
+            <a:ahLst/>
+            <a:cxnLst>
+              <a:cxn ang="0">
+                <a:pos x="connsiteX0" y="connsiteY0"/>
+              </a:cxn>
+              <a:cxn ang="0">
+                <a:pos x="connsiteX1" y="connsiteY1"/>
+              </a:cxn>
+              <a:cxn ang="0">
+                <a:pos x="connsiteX2" y="connsiteY2"/>
+              </a:cxn>
+              <a:cxn ang="0">
+                <a:pos x="connsiteX3" y="connsiteY3"/>
+              </a:cxn>
+              <a:cxn ang="0">
+                <a:pos x="connsiteX4" y="connsiteY4"/>
+              </a:cxn>
+              <a:cxn ang="0">
+                <a:pos x="connsiteX5" y="connsiteY5"/>
+              </a:cxn>
+            </a:cxnLst>
+            <a:rect l="l" t="t" r="r" b="b"/>
+            <a:pathLst>
+              <a:path w="5572125" h="1414463">
+                <a:moveTo>
+                  <a:pt x="5572125" y="0"/>
+                </a:moveTo>
+                <a:cubicBezTo>
+                  <a:pt x="5503068" y="329803"/>
+                  <a:pt x="5214421" y="406657"/>
+                  <a:pt x="4806664" y="587421"/>
+                </a:cubicBezTo>
+                <a:cubicBezTo>
+                  <a:pt x="4398907" y="768185"/>
+                  <a:pt x="3919552" y="956271"/>
+                  <a:pt x="3125585" y="1084586"/>
+                </a:cubicBezTo>
+                <a:cubicBezTo>
+                  <a:pt x="2331618" y="1212901"/>
+                  <a:pt x="42862" y="1357313"/>
+                  <a:pt x="42862" y="1357313"/>
+                </a:cubicBezTo>
+                <a:lnTo>
+                  <a:pt x="42862" y="1357313"/>
+                </a:lnTo>
+                <a:lnTo>
+                  <a:pt x="0" y="1414463"/>
+                </a:lnTo>
+              </a:path>
+            </a:pathLst>
+          </a:custGeom>
+          <a:noFill/>
           <a:ln w="38100">
             <a:solidFill>
               <a:srgbClr val="FF0000"/>
@@ -16132,44 +16418,6 @@
           </a:ln>
         </p:spPr>
         <p:style>
-          <a:lnRef idx="1">
-            <a:schemeClr val="accent1"/>
-          </a:lnRef>
-          <a:fillRef idx="0">
-            <a:schemeClr val="accent1"/>
-          </a:fillRef>
-          <a:effectRef idx="0">
-            <a:schemeClr val="accent1"/>
-          </a:effectRef>
-          <a:fontRef idx="minor">
-            <a:schemeClr val="tx1"/>
-          </a:fontRef>
-        </p:style>
-      </p:cxnSp>
-      <p:sp>
-        <p:nvSpPr>
-          <p:cNvPr id="30" name="Oval 29">
-            <a:extLst>
-              <a:ext uri="{FF2B5EF4-FFF2-40B4-BE49-F238E27FC236}">
-                <a16:creationId xmlns:a16="http://schemas.microsoft.com/office/drawing/2014/main" id="{3F848F91-54F4-7A4A-A3C0-39305A91C5CE}"/>
-              </a:ext>
-            </a:extLst>
-          </p:cNvPr>
-          <p:cNvSpPr/>
-          <p:nvPr/>
-        </p:nvSpPr>
-        <p:spPr>
-          <a:xfrm>
-            <a:off x="8328737" y="2956205"/>
-            <a:ext cx="748005" cy="614662"/>
-          </a:xfrm>
-          <a:prstGeom prst="ellipse">
-            <a:avLst/>
-          </a:prstGeom>
-          <a:noFill/>
-          <a:ln w="25400"/>
-        </p:spPr>
-        <p:style>
           <a:lnRef idx="2">
             <a:schemeClr val="accent1">
               <a:shade val="50000"/>
@@ -16190,146 +16438,7 @@
           <a:lstStyle/>
           <a:p>
             <a:pPr algn="ctr"/>
-            <a:endParaRPr lang="es-ES_tradnl"/>
-          </a:p>
-        </p:txBody>
-      </p:sp>
-      <p:sp>
-        <p:nvSpPr>
-          <p:cNvPr id="31" name="Oval 30">
-            <a:extLst>
-              <a:ext uri="{FF2B5EF4-FFF2-40B4-BE49-F238E27FC236}">
-                <a16:creationId xmlns:a16="http://schemas.microsoft.com/office/drawing/2014/main" id="{B227179F-062A-1846-AC46-3711C8AB580B}"/>
-              </a:ext>
-            </a:extLst>
-          </p:cNvPr>
-          <p:cNvSpPr/>
-          <p:nvPr/>
-        </p:nvSpPr>
-        <p:spPr>
-          <a:xfrm>
-            <a:off x="6454257" y="2953436"/>
-            <a:ext cx="748005" cy="614662"/>
-          </a:xfrm>
-          <a:prstGeom prst="ellipse">
-            <a:avLst/>
-          </a:prstGeom>
-          <a:noFill/>
-          <a:ln w="25400"/>
-        </p:spPr>
-        <p:style>
-          <a:lnRef idx="2">
-            <a:schemeClr val="accent1">
-              <a:shade val="50000"/>
-            </a:schemeClr>
-          </a:lnRef>
-          <a:fillRef idx="1">
-            <a:schemeClr val="accent1"/>
-          </a:fillRef>
-          <a:effectRef idx="0">
-            <a:schemeClr val="accent1"/>
-          </a:effectRef>
-          <a:fontRef idx="minor">
-            <a:schemeClr val="lt1"/>
-          </a:fontRef>
-        </p:style>
-        <p:txBody>
-          <a:bodyPr rtlCol="0" anchor="ctr"/>
-          <a:lstStyle/>
-          <a:p>
-            <a:pPr algn="ctr"/>
-            <a:endParaRPr lang="es-ES_tradnl"/>
-          </a:p>
-        </p:txBody>
-      </p:sp>
-      <p:sp>
-        <p:nvSpPr>
-          <p:cNvPr id="32" name="Oval 31">
-            <a:extLst>
-              <a:ext uri="{FF2B5EF4-FFF2-40B4-BE49-F238E27FC236}">
-                <a16:creationId xmlns:a16="http://schemas.microsoft.com/office/drawing/2014/main" id="{D1B5C56F-CD55-8F42-AE17-8591897EDB00}"/>
-              </a:ext>
-            </a:extLst>
-          </p:cNvPr>
-          <p:cNvSpPr/>
-          <p:nvPr/>
-        </p:nvSpPr>
-        <p:spPr>
-          <a:xfrm>
-            <a:off x="3942459" y="2949058"/>
-            <a:ext cx="748005" cy="614662"/>
-          </a:xfrm>
-          <a:prstGeom prst="ellipse">
-            <a:avLst/>
-          </a:prstGeom>
-          <a:noFill/>
-          <a:ln w="25400"/>
-        </p:spPr>
-        <p:style>
-          <a:lnRef idx="2">
-            <a:schemeClr val="accent1">
-              <a:shade val="50000"/>
-            </a:schemeClr>
-          </a:lnRef>
-          <a:fillRef idx="1">
-            <a:schemeClr val="accent1"/>
-          </a:fillRef>
-          <a:effectRef idx="0">
-            <a:schemeClr val="accent1"/>
-          </a:effectRef>
-          <a:fontRef idx="minor">
-            <a:schemeClr val="lt1"/>
-          </a:fontRef>
-        </p:style>
-        <p:txBody>
-          <a:bodyPr rtlCol="0" anchor="ctr"/>
-          <a:lstStyle/>
-          <a:p>
-            <a:pPr algn="ctr"/>
-            <a:endParaRPr lang="es-ES_tradnl"/>
-          </a:p>
-        </p:txBody>
-      </p:sp>
-      <p:sp>
-        <p:nvSpPr>
-          <p:cNvPr id="33" name="Rectangle 32">
-            <a:extLst>
-              <a:ext uri="{FF2B5EF4-FFF2-40B4-BE49-F238E27FC236}">
-                <a16:creationId xmlns:a16="http://schemas.microsoft.com/office/drawing/2014/main" id="{81063C37-1BC2-D844-90BE-931654627481}"/>
-              </a:ext>
-            </a:extLst>
-          </p:cNvPr>
-          <p:cNvSpPr/>
-          <p:nvPr/>
-        </p:nvSpPr>
-        <p:spPr>
-          <a:xfrm>
-            <a:off x="4186235" y="4527971"/>
-            <a:ext cx="301686" cy="369332"/>
-          </a:xfrm>
-          <a:prstGeom prst="rect">
-            <a:avLst/>
-          </a:prstGeom>
-        </p:spPr>
-        <p:txBody>
-          <a:bodyPr wrap="none">
-            <a:spAutoFit/>
-          </a:bodyPr>
-          <a:lstStyle/>
-          <a:p>
-            <a:r>
-              <a:rPr lang="en-AU" dirty="0">
-                <a:solidFill>
-                  <a:schemeClr val="accent2"/>
-                </a:solidFill>
-              </a:rPr>
-              <a:t>0</a:t>
-            </a:r>
-            <a:endParaRPr lang="es-ES_tradnl" dirty="0">
-              <a:solidFill>
-                <a:schemeClr val="accent2"/>
-              </a:solidFill>
-            </a:endParaRPr>
+            <a:endParaRPr lang="es-ES_tradnl" dirty="0"/>
           </a:p>
         </p:txBody>
       </p:sp>

--- a/clases/Cap04_Sistemas_Lineales/presentations/IMG04_TransformadaDCT.pptx
+++ b/clases/Cap04_Sistemas_Lineales/presentations/IMG04_TransformadaDCT.pptx
@@ -5,7 +5,7 @@
     <p:sldMasterId id="2147483648" r:id="rId1"/>
   </p:sldMasterIdLst>
   <p:notesMasterIdLst>
-    <p:notesMasterId r:id="rId42"/>
+    <p:notesMasterId r:id="rId44"/>
   </p:notesMasterIdLst>
   <p:sldIdLst>
     <p:sldId id="368" r:id="rId2"/>
@@ -47,7 +47,9 @@
     <p:sldId id="391" r:id="rId38"/>
     <p:sldId id="392" r:id="rId39"/>
     <p:sldId id="387" r:id="rId40"/>
-    <p:sldId id="367" r:id="rId41"/>
+    <p:sldId id="394" r:id="rId41"/>
+    <p:sldId id="395" r:id="rId42"/>
+    <p:sldId id="367" r:id="rId43"/>
   </p:sldIdLst>
   <p:sldSz cx="12192000" cy="6858000"/>
   <p:notesSz cx="6858000" cy="9144000"/>
@@ -236,7 +238,7 @@
           <a:p>
             <a:fld id="{73374526-E489-9040-BC8D-0EF8BCD5C226}" type="datetimeFigureOut">
               <a:rPr lang="en-US" smtClean="0"/>
-              <a:t>10/6/22</a:t>
+              <a:t>10/15/24</a:t>
             </a:fld>
             <a:endParaRPr lang="en-US"/>
           </a:p>
@@ -746,7 +748,7 @@
           <a:p>
             <a:fld id="{30CE4D77-8EC7-0743-8304-7459B6842D56}" type="datetimeFigureOut">
               <a:rPr lang="en-US" smtClean="0"/>
-              <a:t>10/6/22</a:t>
+              <a:t>10/15/24</a:t>
             </a:fld>
             <a:endParaRPr lang="en-US"/>
           </a:p>
@@ -946,7 +948,7 @@
           <a:p>
             <a:fld id="{30CE4D77-8EC7-0743-8304-7459B6842D56}" type="datetimeFigureOut">
               <a:rPr lang="en-US" smtClean="0"/>
-              <a:t>10/6/22</a:t>
+              <a:t>10/15/24</a:t>
             </a:fld>
             <a:endParaRPr lang="en-US"/>
           </a:p>
@@ -1156,7 +1158,7 @@
           <a:p>
             <a:fld id="{30CE4D77-8EC7-0743-8304-7459B6842D56}" type="datetimeFigureOut">
               <a:rPr lang="en-US" smtClean="0"/>
-              <a:t>10/6/22</a:t>
+              <a:t>10/15/24</a:t>
             </a:fld>
             <a:endParaRPr lang="en-US"/>
           </a:p>
@@ -1356,7 +1358,7 @@
           <a:p>
             <a:fld id="{30CE4D77-8EC7-0743-8304-7459B6842D56}" type="datetimeFigureOut">
               <a:rPr lang="en-US" smtClean="0"/>
-              <a:t>10/6/22</a:t>
+              <a:t>10/15/24</a:t>
             </a:fld>
             <a:endParaRPr lang="en-US"/>
           </a:p>
@@ -1632,7 +1634,7 @@
           <a:p>
             <a:fld id="{30CE4D77-8EC7-0743-8304-7459B6842D56}" type="datetimeFigureOut">
               <a:rPr lang="en-US" smtClean="0"/>
-              <a:t>10/6/22</a:t>
+              <a:t>10/15/24</a:t>
             </a:fld>
             <a:endParaRPr lang="en-US"/>
           </a:p>
@@ -1900,7 +1902,7 @@
           <a:p>
             <a:fld id="{30CE4D77-8EC7-0743-8304-7459B6842D56}" type="datetimeFigureOut">
               <a:rPr lang="en-US" smtClean="0"/>
-              <a:t>10/6/22</a:t>
+              <a:t>10/15/24</a:t>
             </a:fld>
             <a:endParaRPr lang="en-US"/>
           </a:p>
@@ -2315,7 +2317,7 @@
           <a:p>
             <a:fld id="{30CE4D77-8EC7-0743-8304-7459B6842D56}" type="datetimeFigureOut">
               <a:rPr lang="en-US" smtClean="0"/>
-              <a:t>10/6/22</a:t>
+              <a:t>10/15/24</a:t>
             </a:fld>
             <a:endParaRPr lang="en-US"/>
           </a:p>
@@ -2457,7 +2459,7 @@
           <a:p>
             <a:fld id="{30CE4D77-8EC7-0743-8304-7459B6842D56}" type="datetimeFigureOut">
               <a:rPr lang="en-US" smtClean="0"/>
-              <a:t>10/6/22</a:t>
+              <a:t>10/15/24</a:t>
             </a:fld>
             <a:endParaRPr lang="en-US"/>
           </a:p>
@@ -2570,7 +2572,7 @@
           <a:p>
             <a:fld id="{30CE4D77-8EC7-0743-8304-7459B6842D56}" type="datetimeFigureOut">
               <a:rPr lang="en-US" smtClean="0"/>
-              <a:t>10/6/22</a:t>
+              <a:t>10/15/24</a:t>
             </a:fld>
             <a:endParaRPr lang="en-US"/>
           </a:p>
@@ -2883,7 +2885,7 @@
           <a:p>
             <a:fld id="{30CE4D77-8EC7-0743-8304-7459B6842D56}" type="datetimeFigureOut">
               <a:rPr lang="en-US" smtClean="0"/>
-              <a:t>10/6/22</a:t>
+              <a:t>10/15/24</a:t>
             </a:fld>
             <a:endParaRPr lang="en-US"/>
           </a:p>
@@ -3172,7 +3174,7 @@
           <a:p>
             <a:fld id="{30CE4D77-8EC7-0743-8304-7459B6842D56}" type="datetimeFigureOut">
               <a:rPr lang="en-US" smtClean="0"/>
-              <a:t>10/6/22</a:t>
+              <a:t>10/15/24</a:t>
             </a:fld>
             <a:endParaRPr lang="en-US"/>
           </a:p>
@@ -3415,7 +3417,7 @@
           <a:p>
             <a:fld id="{30CE4D77-8EC7-0743-8304-7459B6842D56}" type="datetimeFigureOut">
               <a:rPr lang="en-US" smtClean="0"/>
-              <a:t>10/6/22</a:t>
+              <a:t>10/15/24</a:t>
             </a:fld>
             <a:endParaRPr lang="en-US"/>
           </a:p>
@@ -7189,14 +7191,14 @@
             <a:pPr algn="r"/>
             <a:r>
               <a:rPr lang="en-AU" dirty="0"/>
-              <a:t>A Standard </a:t>
+              <a:t>A Standard</a:t>
             </a:r>
           </a:p>
           <a:p>
             <a:pPr algn="r"/>
             <a:r>
               <a:rPr lang="en-AU" dirty="0"/>
-              <a:t>Quantization </a:t>
+              <a:t>Quantization</a:t>
             </a:r>
           </a:p>
           <a:p>
@@ -28235,6 +28237,3064 @@
 </file>
 
 <file path=ppt/slides/slide40.xml><?xml version="1.0" encoding="utf-8"?>
+<p:sld xmlns:a="http://schemas.openxmlformats.org/drawingml/2006/main" xmlns:r="http://schemas.openxmlformats.org/officeDocument/2006/relationships" xmlns:p="http://schemas.openxmlformats.org/presentationml/2006/main">
+  <p:cSld>
+    <p:spTree>
+      <p:nvGrpSpPr>
+        <p:cNvPr id="1" name="">
+          <a:extLst>
+            <a:ext uri="{FF2B5EF4-FFF2-40B4-BE49-F238E27FC236}">
+              <a16:creationId xmlns:a16="http://schemas.microsoft.com/office/drawing/2014/main" id="{709EC729-1EAB-11A3-1444-233A3FA35C86}"/>
+            </a:ext>
+          </a:extLst>
+        </p:cNvPr>
+        <p:cNvGrpSpPr/>
+        <p:nvPr/>
+      </p:nvGrpSpPr>
+      <p:grpSpPr>
+        <a:xfrm>
+          <a:off x="0" y="0"/>
+          <a:ext cx="0" cy="0"/>
+          <a:chOff x="0" y="0"/>
+          <a:chExt cx="0" cy="0"/>
+        </a:xfrm>
+      </p:grpSpPr>
+      <p:pic>
+        <p:nvPicPr>
+          <p:cNvPr id="6" name="Picture 5" descr="A number with numbers and digits&#10;&#10;Description automatically generated with medium confidence">
+            <a:extLst>
+              <a:ext uri="{FF2B5EF4-FFF2-40B4-BE49-F238E27FC236}">
+                <a16:creationId xmlns:a16="http://schemas.microsoft.com/office/drawing/2014/main" id="{330E1FC6-8545-08CD-D80E-64CABE86F318}"/>
+              </a:ext>
+            </a:extLst>
+          </p:cNvPr>
+          <p:cNvPicPr>
+            <a:picLocks noChangeAspect="1"/>
+          </p:cNvPicPr>
+          <p:nvPr/>
+        </p:nvPicPr>
+        <p:blipFill>
+          <a:blip r:embed="rId2"/>
+          <a:stretch>
+            <a:fillRect/>
+          </a:stretch>
+        </p:blipFill>
+        <p:spPr>
+          <a:xfrm>
+            <a:off x="653344" y="2172076"/>
+            <a:ext cx="5181600" cy="2844800"/>
+          </a:xfrm>
+          <a:prstGeom prst="rect">
+            <a:avLst/>
+          </a:prstGeom>
+        </p:spPr>
+      </p:pic>
+      <p:sp>
+        <p:nvSpPr>
+          <p:cNvPr id="2" name="Title 1">
+            <a:extLst>
+              <a:ext uri="{FF2B5EF4-FFF2-40B4-BE49-F238E27FC236}">
+                <a16:creationId xmlns:a16="http://schemas.microsoft.com/office/drawing/2014/main" id="{F62B98ED-1FCE-B759-4A0E-6B6C06BDBC9A}"/>
+              </a:ext>
+            </a:extLst>
+          </p:cNvPr>
+          <p:cNvSpPr>
+            <a:spLocks noGrp="1"/>
+          </p:cNvSpPr>
+          <p:nvPr>
+            <p:ph type="title"/>
+          </p:nvPr>
+        </p:nvSpPr>
+        <p:spPr/>
+        <p:txBody>
+          <a:bodyPr/>
+          <a:lstStyle/>
+          <a:p>
+            <a:r>
+              <a:rPr lang="en-US" dirty="0">
+                <a:latin typeface="+mn-lt"/>
+              </a:rPr>
+              <a:t>5. Huffman encoding</a:t>
+            </a:r>
+          </a:p>
+        </p:txBody>
+      </p:sp>
+      <p:sp>
+        <p:nvSpPr>
+          <p:cNvPr id="7" name="Freeform 6">
+            <a:extLst>
+              <a:ext uri="{FF2B5EF4-FFF2-40B4-BE49-F238E27FC236}">
+                <a16:creationId xmlns:a16="http://schemas.microsoft.com/office/drawing/2014/main" id="{7544C98D-9BCB-C4E9-E7BB-09903456DEEC}"/>
+              </a:ext>
+            </a:extLst>
+          </p:cNvPr>
+          <p:cNvSpPr/>
+          <p:nvPr/>
+        </p:nvSpPr>
+        <p:spPr>
+          <a:xfrm>
+            <a:off x="1830733" y="2382982"/>
+            <a:ext cx="3711085" cy="2452254"/>
+          </a:xfrm>
+          <a:custGeom>
+            <a:avLst/>
+            <a:gdLst>
+              <a:gd name="connsiteX0" fmla="*/ 42531 w 6943061"/>
+              <a:gd name="connsiteY0" fmla="*/ 10633 h 2509284"/>
+              <a:gd name="connsiteX1" fmla="*/ 946298 w 6943061"/>
+              <a:gd name="connsiteY1" fmla="*/ 10633 h 2509284"/>
+              <a:gd name="connsiteX2" fmla="*/ 0 w 6943061"/>
+              <a:gd name="connsiteY2" fmla="*/ 361507 h 2509284"/>
+              <a:gd name="connsiteX3" fmla="*/ 21266 w 6943061"/>
+              <a:gd name="connsiteY3" fmla="*/ 733647 h 2509284"/>
+              <a:gd name="connsiteX4" fmla="*/ 1924493 w 6943061"/>
+              <a:gd name="connsiteY4" fmla="*/ 31898 h 2509284"/>
+              <a:gd name="connsiteX5" fmla="*/ 2966484 w 6943061"/>
+              <a:gd name="connsiteY5" fmla="*/ 10633 h 2509284"/>
+              <a:gd name="connsiteX6" fmla="*/ 21266 w 6943061"/>
+              <a:gd name="connsiteY6" fmla="*/ 1148317 h 2509284"/>
+              <a:gd name="connsiteX7" fmla="*/ 31898 w 6943061"/>
+              <a:gd name="connsiteY7" fmla="*/ 1477926 h 2509284"/>
+              <a:gd name="connsiteX8" fmla="*/ 3944680 w 6943061"/>
+              <a:gd name="connsiteY8" fmla="*/ 0 h 2509284"/>
+              <a:gd name="connsiteX9" fmla="*/ 4922875 w 6943061"/>
+              <a:gd name="connsiteY9" fmla="*/ 0 h 2509284"/>
+              <a:gd name="connsiteX10" fmla="*/ 21266 w 6943061"/>
+              <a:gd name="connsiteY10" fmla="*/ 1839433 h 2509284"/>
+              <a:gd name="connsiteX11" fmla="*/ 42531 w 6943061"/>
+              <a:gd name="connsiteY11" fmla="*/ 2158410 h 2509284"/>
+              <a:gd name="connsiteX12" fmla="*/ 5954233 w 6943061"/>
+              <a:gd name="connsiteY12" fmla="*/ 31898 h 2509284"/>
+              <a:gd name="connsiteX13" fmla="*/ 6868633 w 6943061"/>
+              <a:gd name="connsiteY13" fmla="*/ 21265 h 2509284"/>
+              <a:gd name="connsiteX14" fmla="*/ 10633 w 6943061"/>
+              <a:gd name="connsiteY14" fmla="*/ 2488019 h 2509284"/>
+              <a:gd name="connsiteX15" fmla="*/ 1052624 w 6943061"/>
+              <a:gd name="connsiteY15" fmla="*/ 2477386 h 2509284"/>
+              <a:gd name="connsiteX16" fmla="*/ 6921796 w 6943061"/>
+              <a:gd name="connsiteY16" fmla="*/ 361507 h 2509284"/>
+              <a:gd name="connsiteX17" fmla="*/ 6943061 w 6943061"/>
+              <a:gd name="connsiteY17" fmla="*/ 712382 h 2509284"/>
+              <a:gd name="connsiteX18" fmla="*/ 2030819 w 6943061"/>
+              <a:gd name="connsiteY18" fmla="*/ 2477386 h 2509284"/>
+              <a:gd name="connsiteX19" fmla="*/ 3009014 w 6943061"/>
+              <a:gd name="connsiteY19" fmla="*/ 2488019 h 2509284"/>
+              <a:gd name="connsiteX20" fmla="*/ 6921796 w 6943061"/>
+              <a:gd name="connsiteY20" fmla="*/ 1105786 h 2509284"/>
+              <a:gd name="connsiteX21" fmla="*/ 6943061 w 6943061"/>
+              <a:gd name="connsiteY21" fmla="*/ 1477926 h 2509284"/>
+              <a:gd name="connsiteX22" fmla="*/ 4029740 w 6943061"/>
+              <a:gd name="connsiteY22" fmla="*/ 2477386 h 2509284"/>
+              <a:gd name="connsiteX23" fmla="*/ 4976038 w 6943061"/>
+              <a:gd name="connsiteY23" fmla="*/ 2509284 h 2509284"/>
+              <a:gd name="connsiteX24" fmla="*/ 6900531 w 6943061"/>
+              <a:gd name="connsiteY24" fmla="*/ 1786270 h 2509284"/>
+              <a:gd name="connsiteX25" fmla="*/ 6921796 w 6943061"/>
+              <a:gd name="connsiteY25" fmla="*/ 2126512 h 2509284"/>
+              <a:gd name="connsiteX26" fmla="*/ 5954233 w 6943061"/>
+              <a:gd name="connsiteY26" fmla="*/ 2477386 h 2509284"/>
+              <a:gd name="connsiteX27" fmla="*/ 6943061 w 6943061"/>
+              <a:gd name="connsiteY27" fmla="*/ 2477386 h 2509284"/>
+            </a:gdLst>
+            <a:ahLst/>
+            <a:cxnLst>
+              <a:cxn ang="0">
+                <a:pos x="connsiteX0" y="connsiteY0"/>
+              </a:cxn>
+              <a:cxn ang="0">
+                <a:pos x="connsiteX1" y="connsiteY1"/>
+              </a:cxn>
+              <a:cxn ang="0">
+                <a:pos x="connsiteX2" y="connsiteY2"/>
+              </a:cxn>
+              <a:cxn ang="0">
+                <a:pos x="connsiteX3" y="connsiteY3"/>
+              </a:cxn>
+              <a:cxn ang="0">
+                <a:pos x="connsiteX4" y="connsiteY4"/>
+              </a:cxn>
+              <a:cxn ang="0">
+                <a:pos x="connsiteX5" y="connsiteY5"/>
+              </a:cxn>
+              <a:cxn ang="0">
+                <a:pos x="connsiteX6" y="connsiteY6"/>
+              </a:cxn>
+              <a:cxn ang="0">
+                <a:pos x="connsiteX7" y="connsiteY7"/>
+              </a:cxn>
+              <a:cxn ang="0">
+                <a:pos x="connsiteX8" y="connsiteY8"/>
+              </a:cxn>
+              <a:cxn ang="0">
+                <a:pos x="connsiteX9" y="connsiteY9"/>
+              </a:cxn>
+              <a:cxn ang="0">
+                <a:pos x="connsiteX10" y="connsiteY10"/>
+              </a:cxn>
+              <a:cxn ang="0">
+                <a:pos x="connsiteX11" y="connsiteY11"/>
+              </a:cxn>
+              <a:cxn ang="0">
+                <a:pos x="connsiteX12" y="connsiteY12"/>
+              </a:cxn>
+              <a:cxn ang="0">
+                <a:pos x="connsiteX13" y="connsiteY13"/>
+              </a:cxn>
+              <a:cxn ang="0">
+                <a:pos x="connsiteX14" y="connsiteY14"/>
+              </a:cxn>
+              <a:cxn ang="0">
+                <a:pos x="connsiteX15" y="connsiteY15"/>
+              </a:cxn>
+              <a:cxn ang="0">
+                <a:pos x="connsiteX16" y="connsiteY16"/>
+              </a:cxn>
+              <a:cxn ang="0">
+                <a:pos x="connsiteX17" y="connsiteY17"/>
+              </a:cxn>
+              <a:cxn ang="0">
+                <a:pos x="connsiteX18" y="connsiteY18"/>
+              </a:cxn>
+              <a:cxn ang="0">
+                <a:pos x="connsiteX19" y="connsiteY19"/>
+              </a:cxn>
+              <a:cxn ang="0">
+                <a:pos x="connsiteX20" y="connsiteY20"/>
+              </a:cxn>
+              <a:cxn ang="0">
+                <a:pos x="connsiteX21" y="connsiteY21"/>
+              </a:cxn>
+              <a:cxn ang="0">
+                <a:pos x="connsiteX22" y="connsiteY22"/>
+              </a:cxn>
+              <a:cxn ang="0">
+                <a:pos x="connsiteX23" y="connsiteY23"/>
+              </a:cxn>
+              <a:cxn ang="0">
+                <a:pos x="connsiteX24" y="connsiteY24"/>
+              </a:cxn>
+              <a:cxn ang="0">
+                <a:pos x="connsiteX25" y="connsiteY25"/>
+              </a:cxn>
+              <a:cxn ang="0">
+                <a:pos x="connsiteX26" y="connsiteY26"/>
+              </a:cxn>
+              <a:cxn ang="0">
+                <a:pos x="connsiteX27" y="connsiteY27"/>
+              </a:cxn>
+            </a:cxnLst>
+            <a:rect l="l" t="t" r="r" b="b"/>
+            <a:pathLst>
+              <a:path w="6943061" h="2509284">
+                <a:moveTo>
+                  <a:pt x="42531" y="10633"/>
+                </a:moveTo>
+                <a:lnTo>
+                  <a:pt x="946298" y="10633"/>
+                </a:lnTo>
+                <a:lnTo>
+                  <a:pt x="0" y="361507"/>
+                </a:lnTo>
+                <a:lnTo>
+                  <a:pt x="21266" y="733647"/>
+                </a:lnTo>
+                <a:lnTo>
+                  <a:pt x="1924493" y="31898"/>
+                </a:lnTo>
+                <a:lnTo>
+                  <a:pt x="2966484" y="10633"/>
+                </a:lnTo>
+                <a:lnTo>
+                  <a:pt x="21266" y="1148317"/>
+                </a:lnTo>
+                <a:lnTo>
+                  <a:pt x="31898" y="1477926"/>
+                </a:lnTo>
+                <a:lnTo>
+                  <a:pt x="3944680" y="0"/>
+                </a:lnTo>
+                <a:lnTo>
+                  <a:pt x="4922875" y="0"/>
+                </a:lnTo>
+                <a:lnTo>
+                  <a:pt x="21266" y="1839433"/>
+                </a:lnTo>
+                <a:lnTo>
+                  <a:pt x="42531" y="2158410"/>
+                </a:lnTo>
+                <a:lnTo>
+                  <a:pt x="5954233" y="31898"/>
+                </a:lnTo>
+                <a:lnTo>
+                  <a:pt x="6868633" y="21265"/>
+                </a:lnTo>
+                <a:lnTo>
+                  <a:pt x="10633" y="2488019"/>
+                </a:lnTo>
+                <a:lnTo>
+                  <a:pt x="1052624" y="2477386"/>
+                </a:lnTo>
+                <a:lnTo>
+                  <a:pt x="6921796" y="361507"/>
+                </a:lnTo>
+                <a:lnTo>
+                  <a:pt x="6943061" y="712382"/>
+                </a:lnTo>
+                <a:lnTo>
+                  <a:pt x="2030819" y="2477386"/>
+                </a:lnTo>
+                <a:lnTo>
+                  <a:pt x="3009014" y="2488019"/>
+                </a:lnTo>
+                <a:lnTo>
+                  <a:pt x="6921796" y="1105786"/>
+                </a:lnTo>
+                <a:lnTo>
+                  <a:pt x="6943061" y="1477926"/>
+                </a:lnTo>
+                <a:lnTo>
+                  <a:pt x="4029740" y="2477386"/>
+                </a:lnTo>
+                <a:lnTo>
+                  <a:pt x="4976038" y="2509284"/>
+                </a:lnTo>
+                <a:lnTo>
+                  <a:pt x="6900531" y="1786270"/>
+                </a:lnTo>
+                <a:lnTo>
+                  <a:pt x="6921796" y="2126512"/>
+                </a:lnTo>
+                <a:lnTo>
+                  <a:pt x="5954233" y="2477386"/>
+                </a:lnTo>
+                <a:lnTo>
+                  <a:pt x="6943061" y="2477386"/>
+                </a:lnTo>
+              </a:path>
+            </a:pathLst>
+          </a:custGeom>
+          <a:noFill/>
+          <a:ln w="25400">
+            <a:solidFill>
+              <a:srgbClr val="FF0000"/>
+            </a:solidFill>
+          </a:ln>
+        </p:spPr>
+        <p:style>
+          <a:lnRef idx="2">
+            <a:schemeClr val="accent1">
+              <a:shade val="50000"/>
+            </a:schemeClr>
+          </a:lnRef>
+          <a:fillRef idx="1">
+            <a:schemeClr val="accent1"/>
+          </a:fillRef>
+          <a:effectRef idx="0">
+            <a:schemeClr val="accent1"/>
+          </a:effectRef>
+          <a:fontRef idx="minor">
+            <a:schemeClr val="lt1"/>
+          </a:fontRef>
+        </p:style>
+        <p:txBody>
+          <a:bodyPr rtlCol="0" anchor="ctr"/>
+          <a:lstStyle/>
+          <a:p>
+            <a:pPr algn="ctr"/>
+            <a:endParaRPr lang="en-US"/>
+          </a:p>
+        </p:txBody>
+      </p:sp>
+      <p:sp>
+        <p:nvSpPr>
+          <p:cNvPr id="11" name="Right Arrow 10">
+            <a:extLst>
+              <a:ext uri="{FF2B5EF4-FFF2-40B4-BE49-F238E27FC236}">
+                <a16:creationId xmlns:a16="http://schemas.microsoft.com/office/drawing/2014/main" id="{2B1990ED-EB09-02EC-1FD3-C112903D3855}"/>
+              </a:ext>
+            </a:extLst>
+          </p:cNvPr>
+          <p:cNvSpPr/>
+          <p:nvPr/>
+        </p:nvSpPr>
+        <p:spPr>
+          <a:xfrm>
+            <a:off x="10499602" y="3263134"/>
+            <a:ext cx="390418" cy="331342"/>
+          </a:xfrm>
+          <a:prstGeom prst="rightArrow">
+            <a:avLst/>
+          </a:prstGeom>
+        </p:spPr>
+        <p:style>
+          <a:lnRef idx="2">
+            <a:schemeClr val="accent1">
+              <a:shade val="15000"/>
+            </a:schemeClr>
+          </a:lnRef>
+          <a:fillRef idx="1">
+            <a:schemeClr val="accent1"/>
+          </a:fillRef>
+          <a:effectRef idx="0">
+            <a:schemeClr val="accent1"/>
+          </a:effectRef>
+          <a:fontRef idx="minor">
+            <a:schemeClr val="lt1"/>
+          </a:fontRef>
+        </p:style>
+        <p:txBody>
+          <a:bodyPr rtlCol="0" anchor="ctr"/>
+          <a:lstStyle/>
+          <a:p>
+            <a:pPr algn="ctr"/>
+            <a:endParaRPr lang="en-CL"/>
+          </a:p>
+        </p:txBody>
+      </p:sp>
+      <p:pic>
+        <p:nvPicPr>
+          <p:cNvPr id="12" name="Picture 11" descr="A diagram of numbers and symbols&#10;&#10;Description automatically generated">
+            <a:extLst>
+              <a:ext uri="{FF2B5EF4-FFF2-40B4-BE49-F238E27FC236}">
+                <a16:creationId xmlns:a16="http://schemas.microsoft.com/office/drawing/2014/main" id="{F5580805-4DAE-7A1A-6F0A-8B27EDAF70D5}"/>
+              </a:ext>
+            </a:extLst>
+          </p:cNvPr>
+          <p:cNvPicPr>
+            <a:picLocks noChangeAspect="1"/>
+          </p:cNvPicPr>
+          <p:nvPr/>
+        </p:nvPicPr>
+        <p:blipFill>
+          <a:blip r:embed="rId3"/>
+          <a:stretch>
+            <a:fillRect/>
+          </a:stretch>
+        </p:blipFill>
+        <p:spPr>
+          <a:xfrm>
+            <a:off x="6247940" y="571500"/>
+            <a:ext cx="4178300" cy="5715000"/>
+          </a:xfrm>
+          <a:prstGeom prst="rect">
+            <a:avLst/>
+          </a:prstGeom>
+        </p:spPr>
+      </p:pic>
+      <p:sp>
+        <p:nvSpPr>
+          <p:cNvPr id="14" name="TextBox 13">
+            <a:extLst>
+              <a:ext uri="{FF2B5EF4-FFF2-40B4-BE49-F238E27FC236}">
+                <a16:creationId xmlns:a16="http://schemas.microsoft.com/office/drawing/2014/main" id="{D869C666-287A-949B-709B-C45D39410CD2}"/>
+              </a:ext>
+            </a:extLst>
+          </p:cNvPr>
+          <p:cNvSpPr txBox="1"/>
+          <p:nvPr/>
+        </p:nvSpPr>
+        <p:spPr>
+          <a:xfrm>
+            <a:off x="2272380" y="5128932"/>
+            <a:ext cx="2549002" cy="369332"/>
+          </a:xfrm>
+          <a:prstGeom prst="rect">
+            <a:avLst/>
+          </a:prstGeom>
+          <a:noFill/>
+        </p:spPr>
+        <p:txBody>
+          <a:bodyPr wrap="square">
+            <a:spAutoFit/>
+          </a:bodyPr>
+          <a:lstStyle/>
+          <a:p>
+            <a:r>
+              <a:rPr lang="en-US" dirty="0" err="1">
+                <a:latin typeface="+mn-lt"/>
+              </a:rPr>
+              <a:t>Vectorización</a:t>
+            </a:r>
+            <a:r>
+              <a:rPr lang="en-US" dirty="0">
+                <a:latin typeface="+mn-lt"/>
+              </a:rPr>
+              <a:t> </a:t>
+            </a:r>
+            <a:r>
+              <a:rPr lang="en-US" dirty="0" err="1">
+                <a:latin typeface="+mn-lt"/>
+              </a:rPr>
+              <a:t>en</a:t>
+            </a:r>
+            <a:r>
+              <a:rPr lang="en-US" dirty="0">
+                <a:latin typeface="+mn-lt"/>
+              </a:rPr>
+              <a:t> zig-zag</a:t>
+            </a:r>
+            <a:endParaRPr lang="en-CL" dirty="0"/>
+          </a:p>
+        </p:txBody>
+      </p:sp>
+    </p:spTree>
+    <p:extLst>
+      <p:ext uri="{BB962C8B-B14F-4D97-AF65-F5344CB8AC3E}">
+        <p14:creationId xmlns:p14="http://schemas.microsoft.com/office/powerpoint/2010/main" val="3134734083"/>
+      </p:ext>
+    </p:extLst>
+  </p:cSld>
+  <p:clrMapOvr>
+    <a:masterClrMapping/>
+  </p:clrMapOvr>
+  <p:timing>
+    <p:tnLst>
+      <p:par>
+        <p:cTn id="1" dur="indefinite" restart="never" nodeType="tmRoot">
+          <p:childTnLst>
+            <p:seq concurrent="1" nextAc="seek">
+              <p:cTn id="2" dur="indefinite" nodeType="mainSeq">
+                <p:childTnLst>
+                  <p:par>
+                    <p:cTn id="3" fill="hold">
+                      <p:stCondLst>
+                        <p:cond delay="indefinite"/>
+                      </p:stCondLst>
+                      <p:childTnLst>
+                        <p:par>
+                          <p:cTn id="4" fill="hold">
+                            <p:stCondLst>
+                              <p:cond delay="0"/>
+                            </p:stCondLst>
+                            <p:childTnLst>
+                              <p:par>
+                                <p:cTn id="5" presetID="1" presetClass="entr" presetSubtype="0" fill="hold" nodeType="clickEffect">
+                                  <p:stCondLst>
+                                    <p:cond delay="0"/>
+                                  </p:stCondLst>
+                                  <p:childTnLst>
+                                    <p:set>
+                                      <p:cBhvr>
+                                        <p:cTn id="6" dur="1" fill="hold">
+                                          <p:stCondLst>
+                                            <p:cond delay="0"/>
+                                          </p:stCondLst>
+                                        </p:cTn>
+                                        <p:tgtEl>
+                                          <p:spTgt spid="6"/>
+                                        </p:tgtEl>
+                                        <p:attrNameLst>
+                                          <p:attrName>style.visibility</p:attrName>
+                                        </p:attrNameLst>
+                                      </p:cBhvr>
+                                      <p:to>
+                                        <p:strVal val="visible"/>
+                                      </p:to>
+                                    </p:set>
+                                  </p:childTnLst>
+                                </p:cTn>
+                              </p:par>
+                              <p:par>
+                                <p:cTn id="7" presetID="1" presetClass="entr" presetSubtype="0" fill="hold" grpId="0" nodeType="withEffect">
+                                  <p:stCondLst>
+                                    <p:cond delay="0"/>
+                                  </p:stCondLst>
+                                  <p:childTnLst>
+                                    <p:set>
+                                      <p:cBhvr>
+                                        <p:cTn id="8" dur="1" fill="hold">
+                                          <p:stCondLst>
+                                            <p:cond delay="0"/>
+                                          </p:stCondLst>
+                                        </p:cTn>
+                                        <p:tgtEl>
+                                          <p:spTgt spid="14"/>
+                                        </p:tgtEl>
+                                        <p:attrNameLst>
+                                          <p:attrName>style.visibility</p:attrName>
+                                        </p:attrNameLst>
+                                      </p:cBhvr>
+                                      <p:to>
+                                        <p:strVal val="visible"/>
+                                      </p:to>
+                                    </p:set>
+                                  </p:childTnLst>
+                                </p:cTn>
+                              </p:par>
+                            </p:childTnLst>
+                          </p:cTn>
+                        </p:par>
+                      </p:childTnLst>
+                    </p:cTn>
+                  </p:par>
+                  <p:par>
+                    <p:cTn id="9" fill="hold">
+                      <p:stCondLst>
+                        <p:cond delay="indefinite"/>
+                      </p:stCondLst>
+                      <p:childTnLst>
+                        <p:par>
+                          <p:cTn id="10" fill="hold">
+                            <p:stCondLst>
+                              <p:cond delay="0"/>
+                            </p:stCondLst>
+                            <p:childTnLst>
+                              <p:par>
+                                <p:cTn id="11" presetID="22" presetClass="entr" presetSubtype="8" fill="hold" grpId="1" nodeType="clickEffect">
+                                  <p:stCondLst>
+                                    <p:cond delay="0"/>
+                                  </p:stCondLst>
+                                  <p:childTnLst>
+                                    <p:set>
+                                      <p:cBhvr>
+                                        <p:cTn id="12" dur="1" fill="hold">
+                                          <p:stCondLst>
+                                            <p:cond delay="0"/>
+                                          </p:stCondLst>
+                                        </p:cTn>
+                                        <p:tgtEl>
+                                          <p:spTgt spid="7"/>
+                                        </p:tgtEl>
+                                        <p:attrNameLst>
+                                          <p:attrName>style.visibility</p:attrName>
+                                        </p:attrNameLst>
+                                      </p:cBhvr>
+                                      <p:to>
+                                        <p:strVal val="visible"/>
+                                      </p:to>
+                                    </p:set>
+                                    <p:animEffect transition="in" filter="wipe(left)">
+                                      <p:cBhvr>
+                                        <p:cTn id="13" dur="500"/>
+                                        <p:tgtEl>
+                                          <p:spTgt spid="7"/>
+                                        </p:tgtEl>
+                                      </p:cBhvr>
+                                    </p:animEffect>
+                                  </p:childTnLst>
+                                </p:cTn>
+                              </p:par>
+                            </p:childTnLst>
+                          </p:cTn>
+                        </p:par>
+                      </p:childTnLst>
+                    </p:cTn>
+                  </p:par>
+                  <p:par>
+                    <p:cTn id="14" fill="hold">
+                      <p:stCondLst>
+                        <p:cond delay="indefinite"/>
+                      </p:stCondLst>
+                      <p:childTnLst>
+                        <p:par>
+                          <p:cTn id="15" fill="hold">
+                            <p:stCondLst>
+                              <p:cond delay="0"/>
+                            </p:stCondLst>
+                            <p:childTnLst>
+                              <p:par>
+                                <p:cTn id="16" presetID="1" presetClass="entr" presetSubtype="0" fill="hold" nodeType="clickEffect">
+                                  <p:stCondLst>
+                                    <p:cond delay="0"/>
+                                  </p:stCondLst>
+                                  <p:childTnLst>
+                                    <p:set>
+                                      <p:cBhvr>
+                                        <p:cTn id="17" dur="1" fill="hold">
+                                          <p:stCondLst>
+                                            <p:cond delay="0"/>
+                                          </p:stCondLst>
+                                        </p:cTn>
+                                        <p:tgtEl>
+                                          <p:spTgt spid="12"/>
+                                        </p:tgtEl>
+                                        <p:attrNameLst>
+                                          <p:attrName>style.visibility</p:attrName>
+                                        </p:attrNameLst>
+                                      </p:cBhvr>
+                                      <p:to>
+                                        <p:strVal val="visible"/>
+                                      </p:to>
+                                    </p:set>
+                                  </p:childTnLst>
+                                </p:cTn>
+                              </p:par>
+                            </p:childTnLst>
+                          </p:cTn>
+                        </p:par>
+                      </p:childTnLst>
+                    </p:cTn>
+                  </p:par>
+                  <p:par>
+                    <p:cTn id="18" fill="hold">
+                      <p:stCondLst>
+                        <p:cond delay="indefinite"/>
+                      </p:stCondLst>
+                      <p:childTnLst>
+                        <p:par>
+                          <p:cTn id="19" fill="hold">
+                            <p:stCondLst>
+                              <p:cond delay="0"/>
+                            </p:stCondLst>
+                            <p:childTnLst>
+                              <p:par>
+                                <p:cTn id="20" presetID="1" presetClass="entr" presetSubtype="0" fill="hold" grpId="0" nodeType="clickEffect">
+                                  <p:stCondLst>
+                                    <p:cond delay="0"/>
+                                  </p:stCondLst>
+                                  <p:childTnLst>
+                                    <p:set>
+                                      <p:cBhvr>
+                                        <p:cTn id="21" dur="1" fill="hold">
+                                          <p:stCondLst>
+                                            <p:cond delay="0"/>
+                                          </p:stCondLst>
+                                        </p:cTn>
+                                        <p:tgtEl>
+                                          <p:spTgt spid="11"/>
+                                        </p:tgtEl>
+                                        <p:attrNameLst>
+                                          <p:attrName>style.visibility</p:attrName>
+                                        </p:attrNameLst>
+                                      </p:cBhvr>
+                                      <p:to>
+                                        <p:strVal val="visible"/>
+                                      </p:to>
+                                    </p:set>
+                                  </p:childTnLst>
+                                </p:cTn>
+                              </p:par>
+                            </p:childTnLst>
+                          </p:cTn>
+                        </p:par>
+                      </p:childTnLst>
+                    </p:cTn>
+                  </p:par>
+                </p:childTnLst>
+              </p:cTn>
+              <p:prevCondLst>
+                <p:cond evt="onPrev" delay="0">
+                  <p:tgtEl>
+                    <p:sldTgt/>
+                  </p:tgtEl>
+                </p:cond>
+              </p:prevCondLst>
+              <p:nextCondLst>
+                <p:cond evt="onNext" delay="0">
+                  <p:tgtEl>
+                    <p:sldTgt/>
+                  </p:tgtEl>
+                </p:cond>
+              </p:nextCondLst>
+            </p:seq>
+          </p:childTnLst>
+        </p:cTn>
+      </p:par>
+    </p:tnLst>
+    <p:bldLst>
+      <p:bldP spid="7" grpId="1" animBg="1"/>
+      <p:bldP spid="11" grpId="0" animBg="1"/>
+      <p:bldP spid="14" grpId="0"/>
+    </p:bldLst>
+  </p:timing>
+</p:sld>
+</file>
+
+<file path=ppt/slides/slide41.xml><?xml version="1.0" encoding="utf-8"?>
+<p:sld xmlns:a="http://schemas.openxmlformats.org/drawingml/2006/main" xmlns:r="http://schemas.openxmlformats.org/officeDocument/2006/relationships" xmlns:p="http://schemas.openxmlformats.org/presentationml/2006/main">
+  <p:cSld>
+    <p:spTree>
+      <p:nvGrpSpPr>
+        <p:cNvPr id="1" name="">
+          <a:extLst>
+            <a:ext uri="{FF2B5EF4-FFF2-40B4-BE49-F238E27FC236}">
+              <a16:creationId xmlns:a16="http://schemas.microsoft.com/office/drawing/2014/main" id="{37BDEED3-8EE7-13F9-5F35-D6ACF938A7AE}"/>
+            </a:ext>
+          </a:extLst>
+        </p:cNvPr>
+        <p:cNvGrpSpPr/>
+        <p:nvPr/>
+      </p:nvGrpSpPr>
+      <p:grpSpPr>
+        <a:xfrm>
+          <a:off x="0" y="0"/>
+          <a:ext cx="0" cy="0"/>
+          <a:chOff x="0" y="0"/>
+          <a:chExt cx="0" cy="0"/>
+        </a:xfrm>
+      </p:grpSpPr>
+      <p:sp>
+        <p:nvSpPr>
+          <p:cNvPr id="2" name="Title 1">
+            <a:extLst>
+              <a:ext uri="{FF2B5EF4-FFF2-40B4-BE49-F238E27FC236}">
+                <a16:creationId xmlns:a16="http://schemas.microsoft.com/office/drawing/2014/main" id="{3FE8FC87-8599-B6E5-6777-01DACD52D25E}"/>
+              </a:ext>
+            </a:extLst>
+          </p:cNvPr>
+          <p:cNvSpPr>
+            <a:spLocks noGrp="1"/>
+          </p:cNvSpPr>
+          <p:nvPr>
+            <p:ph type="title"/>
+          </p:nvPr>
+        </p:nvSpPr>
+        <p:spPr/>
+        <p:txBody>
+          <a:bodyPr/>
+          <a:lstStyle/>
+          <a:p>
+            <a:r>
+              <a:rPr lang="en-US" dirty="0">
+                <a:latin typeface="+mn-lt"/>
+              </a:rPr>
+              <a:t>5. Huffman encoding</a:t>
+            </a:r>
+          </a:p>
+        </p:txBody>
+      </p:sp>
+      <p:sp>
+        <p:nvSpPr>
+          <p:cNvPr id="11" name="Right Arrow 10">
+            <a:extLst>
+              <a:ext uri="{FF2B5EF4-FFF2-40B4-BE49-F238E27FC236}">
+                <a16:creationId xmlns:a16="http://schemas.microsoft.com/office/drawing/2014/main" id="{FEA6A9A2-EB57-F7E7-8040-B2EA31FB85FB}"/>
+              </a:ext>
+            </a:extLst>
+          </p:cNvPr>
+          <p:cNvSpPr/>
+          <p:nvPr/>
+        </p:nvSpPr>
+        <p:spPr>
+          <a:xfrm>
+            <a:off x="4652627" y="3656885"/>
+            <a:ext cx="390418" cy="331342"/>
+          </a:xfrm>
+          <a:prstGeom prst="rightArrow">
+            <a:avLst/>
+          </a:prstGeom>
+        </p:spPr>
+        <p:style>
+          <a:lnRef idx="2">
+            <a:schemeClr val="accent1">
+              <a:shade val="15000"/>
+            </a:schemeClr>
+          </a:lnRef>
+          <a:fillRef idx="1">
+            <a:schemeClr val="accent1"/>
+          </a:fillRef>
+          <a:effectRef idx="0">
+            <a:schemeClr val="accent1"/>
+          </a:effectRef>
+          <a:fontRef idx="minor">
+            <a:schemeClr val="lt1"/>
+          </a:fontRef>
+        </p:style>
+        <p:txBody>
+          <a:bodyPr rtlCol="0" anchor="ctr"/>
+          <a:lstStyle/>
+          <a:p>
+            <a:pPr algn="ctr"/>
+            <a:endParaRPr lang="en-CL"/>
+          </a:p>
+        </p:txBody>
+      </p:sp>
+      <p:pic>
+        <p:nvPicPr>
+          <p:cNvPr id="3" name="Picture 2" descr="A diagram of numbers and symbols&#10;&#10;Description automatically generated">
+            <a:extLst>
+              <a:ext uri="{FF2B5EF4-FFF2-40B4-BE49-F238E27FC236}">
+                <a16:creationId xmlns:a16="http://schemas.microsoft.com/office/drawing/2014/main" id="{819D1BEC-46E3-B022-E70E-614EAADB6798}"/>
+              </a:ext>
+            </a:extLst>
+          </p:cNvPr>
+          <p:cNvPicPr>
+            <a:picLocks noChangeAspect="1"/>
+          </p:cNvPicPr>
+          <p:nvPr/>
+        </p:nvPicPr>
+        <p:blipFill>
+          <a:blip r:embed="rId2"/>
+          <a:stretch>
+            <a:fillRect/>
+          </a:stretch>
+        </p:blipFill>
+        <p:spPr>
+          <a:xfrm>
+            <a:off x="1535362" y="1690688"/>
+            <a:ext cx="3117265" cy="4263736"/>
+          </a:xfrm>
+          <a:prstGeom prst="rect">
+            <a:avLst/>
+          </a:prstGeom>
+        </p:spPr>
+      </p:pic>
+      <p:graphicFrame>
+        <p:nvGraphicFramePr>
+          <p:cNvPr id="8" name="Table 7">
+            <a:extLst>
+              <a:ext uri="{FF2B5EF4-FFF2-40B4-BE49-F238E27FC236}">
+                <a16:creationId xmlns:a16="http://schemas.microsoft.com/office/drawing/2014/main" id="{9B94C76C-57F4-C495-06BB-001C85DFAE4D}"/>
+              </a:ext>
+            </a:extLst>
+          </p:cNvPr>
+          <p:cNvGraphicFramePr>
+            <a:graphicFrameLocks noGrp="1"/>
+          </p:cNvGraphicFramePr>
+          <p:nvPr>
+            <p:extLst>
+              <p:ext uri="{D42A27DB-BD31-4B8C-83A1-F6EECF244321}">
+                <p14:modId xmlns:p14="http://schemas.microsoft.com/office/powerpoint/2010/main" val="2511650716"/>
+              </p:ext>
+            </p:extLst>
+          </p:nvPr>
+        </p:nvGraphicFramePr>
+        <p:xfrm>
+          <a:off x="6314290" y="1262236"/>
+          <a:ext cx="3489813" cy="5120640"/>
+        </p:xfrm>
+        <a:graphic>
+          <a:graphicData uri="http://schemas.openxmlformats.org/drawingml/2006/table">
+            <a:tbl>
+              <a:tblPr firstRow="1" firstCol="1" bandRow="1">
+                <a:tableStyleId>{5C22544A-7EE6-4342-B048-85BDC9FD1C3A}</a:tableStyleId>
+              </a:tblPr>
+              <a:tblGrid>
+                <a:gridCol w="1043245">
+                  <a:extLst>
+                    <a:ext uri="{9D8B030D-6E8A-4147-A177-3AD203B41FA5}">
+                      <a16:colId xmlns:a16="http://schemas.microsoft.com/office/drawing/2014/main" val="32178549"/>
+                    </a:ext>
+                  </a:extLst>
+                </a:gridCol>
+                <a:gridCol w="1223284">
+                  <a:extLst>
+                    <a:ext uri="{9D8B030D-6E8A-4147-A177-3AD203B41FA5}">
+                      <a16:colId xmlns:a16="http://schemas.microsoft.com/office/drawing/2014/main" val="4223180878"/>
+                    </a:ext>
+                  </a:extLst>
+                </a:gridCol>
+                <a:gridCol w="1223284">
+                  <a:extLst>
+                    <a:ext uri="{9D8B030D-6E8A-4147-A177-3AD203B41FA5}">
+                      <a16:colId xmlns:a16="http://schemas.microsoft.com/office/drawing/2014/main" val="2987206806"/>
+                    </a:ext>
+                  </a:extLst>
+                </a:gridCol>
+              </a:tblGrid>
+              <a:tr h="0">
+                <a:tc>
+                  <a:txBody>
+                    <a:bodyPr/>
+                    <a:lstStyle/>
+                    <a:p>
+                      <a:pPr algn="ctr"/>
+                      <a:r>
+                        <a:rPr lang="en-CL" sz="1600" kern="100">
+                          <a:effectLst/>
+                        </a:rPr>
+                        <a:t>Length</a:t>
+                      </a:r>
+                      <a:endParaRPr lang="en-CL" sz="1600" kern="100">
+                        <a:effectLst/>
+                        <a:latin typeface="Aptos" panose="020B0004020202020204" pitchFamily="34" charset="0"/>
+                        <a:ea typeface="Aptos" panose="020B0004020202020204" pitchFamily="34" charset="0"/>
+                        <a:cs typeface="Times New Roman" panose="02020603050405020304" pitchFamily="18" charset="0"/>
+                      </a:endParaRPr>
+                    </a:p>
+                  </a:txBody>
+                  <a:tcPr marL="68580" marR="68580" marT="0" marB="0"/>
+                </a:tc>
+                <a:tc>
+                  <a:txBody>
+                    <a:bodyPr/>
+                    <a:lstStyle/>
+                    <a:p>
+                      <a:pPr algn="ctr"/>
+                      <a:r>
+                        <a:rPr lang="en-CL" sz="1600" kern="100">
+                          <a:effectLst/>
+                        </a:rPr>
+                        <a:t>Size</a:t>
+                      </a:r>
+                      <a:endParaRPr lang="en-CL" sz="1600" kern="100">
+                        <a:effectLst/>
+                        <a:latin typeface="Aptos" panose="020B0004020202020204" pitchFamily="34" charset="0"/>
+                        <a:ea typeface="Aptos" panose="020B0004020202020204" pitchFamily="34" charset="0"/>
+                        <a:cs typeface="Times New Roman" panose="02020603050405020304" pitchFamily="18" charset="0"/>
+                      </a:endParaRPr>
+                    </a:p>
+                  </a:txBody>
+                  <a:tcPr marL="68580" marR="68580" marT="0" marB="0"/>
+                </a:tc>
+                <a:tc>
+                  <a:txBody>
+                    <a:bodyPr/>
+                    <a:lstStyle/>
+                    <a:p>
+                      <a:pPr algn="ctr"/>
+                      <a:r>
+                        <a:rPr lang="en-CL" sz="1600" kern="100">
+                          <a:effectLst/>
+                        </a:rPr>
+                        <a:t>Number</a:t>
+                      </a:r>
+                      <a:endParaRPr lang="en-CL" sz="1600" kern="100">
+                        <a:effectLst/>
+                        <a:latin typeface="Aptos" panose="020B0004020202020204" pitchFamily="34" charset="0"/>
+                        <a:ea typeface="Aptos" panose="020B0004020202020204" pitchFamily="34" charset="0"/>
+                        <a:cs typeface="Times New Roman" panose="02020603050405020304" pitchFamily="18" charset="0"/>
+                      </a:endParaRPr>
+                    </a:p>
+                  </a:txBody>
+                  <a:tcPr marL="68580" marR="68580" marT="0" marB="0"/>
+                </a:tc>
+                <a:extLst>
+                  <a:ext uri="{0D108BD9-81ED-4DB2-BD59-A6C34878D82A}">
+                    <a16:rowId xmlns:a16="http://schemas.microsoft.com/office/drawing/2014/main" val="3703169575"/>
+                  </a:ext>
+                </a:extLst>
+              </a:tr>
+              <a:tr h="0">
+                <a:tc>
+                  <a:txBody>
+                    <a:bodyPr/>
+                    <a:lstStyle/>
+                    <a:p>
+                      <a:pPr algn="ctr"/>
+                      <a:r>
+                        <a:rPr lang="en-CL" sz="1600" kern="100">
+                          <a:effectLst/>
+                        </a:rPr>
+                        <a:t>0</a:t>
+                      </a:r>
+                      <a:endParaRPr lang="en-CL" sz="1600" kern="100">
+                        <a:effectLst/>
+                        <a:latin typeface="Aptos" panose="020B0004020202020204" pitchFamily="34" charset="0"/>
+                        <a:ea typeface="Aptos" panose="020B0004020202020204" pitchFamily="34" charset="0"/>
+                        <a:cs typeface="Times New Roman" panose="02020603050405020304" pitchFamily="18" charset="0"/>
+                      </a:endParaRPr>
+                    </a:p>
+                  </a:txBody>
+                  <a:tcPr marL="68580" marR="68580" marT="0" marB="0"/>
+                </a:tc>
+                <a:tc>
+                  <a:txBody>
+                    <a:bodyPr/>
+                    <a:lstStyle/>
+                    <a:p>
+                      <a:pPr algn="ctr"/>
+                      <a:r>
+                        <a:rPr lang="en-CL" sz="1600" kern="100">
+                          <a:effectLst/>
+                        </a:rPr>
+                        <a:t> 2</a:t>
+                      </a:r>
+                      <a:endParaRPr lang="en-CL" sz="1600" kern="100">
+                        <a:effectLst/>
+                        <a:latin typeface="Aptos" panose="020B0004020202020204" pitchFamily="34" charset="0"/>
+                        <a:ea typeface="Aptos" panose="020B0004020202020204" pitchFamily="34" charset="0"/>
+                        <a:cs typeface="Times New Roman" panose="02020603050405020304" pitchFamily="18" charset="0"/>
+                      </a:endParaRPr>
+                    </a:p>
+                  </a:txBody>
+                  <a:tcPr marL="68580" marR="68580" marT="0" marB="0"/>
+                </a:tc>
+                <a:tc>
+                  <a:txBody>
+                    <a:bodyPr/>
+                    <a:lstStyle/>
+                    <a:p>
+                      <a:pPr algn="ctr"/>
+                      <a:r>
+                        <a:rPr lang="en-CL" sz="1600" kern="100">
+                          <a:effectLst/>
+                        </a:rPr>
+                        <a:t> -3</a:t>
+                      </a:r>
+                      <a:endParaRPr lang="en-CL" sz="1600" kern="100">
+                        <a:effectLst/>
+                        <a:latin typeface="Aptos" panose="020B0004020202020204" pitchFamily="34" charset="0"/>
+                        <a:ea typeface="Aptos" panose="020B0004020202020204" pitchFamily="34" charset="0"/>
+                        <a:cs typeface="Times New Roman" panose="02020603050405020304" pitchFamily="18" charset="0"/>
+                      </a:endParaRPr>
+                    </a:p>
+                  </a:txBody>
+                  <a:tcPr marL="68580" marR="68580" marT="0" marB="0"/>
+                </a:tc>
+                <a:extLst>
+                  <a:ext uri="{0D108BD9-81ED-4DB2-BD59-A6C34878D82A}">
+                    <a16:rowId xmlns:a16="http://schemas.microsoft.com/office/drawing/2014/main" val="4150110535"/>
+                  </a:ext>
+                </a:extLst>
+              </a:tr>
+              <a:tr h="0">
+                <a:tc>
+                  <a:txBody>
+                    <a:bodyPr/>
+                    <a:lstStyle/>
+                    <a:p>
+                      <a:pPr algn="ctr"/>
+                      <a:r>
+                        <a:rPr lang="en-CL" sz="1600" kern="100">
+                          <a:effectLst/>
+                        </a:rPr>
+                        <a:t>1</a:t>
+                      </a:r>
+                      <a:endParaRPr lang="en-CL" sz="1600" kern="100">
+                        <a:effectLst/>
+                        <a:latin typeface="Aptos" panose="020B0004020202020204" pitchFamily="34" charset="0"/>
+                        <a:ea typeface="Aptos" panose="020B0004020202020204" pitchFamily="34" charset="0"/>
+                        <a:cs typeface="Times New Roman" panose="02020603050405020304" pitchFamily="18" charset="0"/>
+                      </a:endParaRPr>
+                    </a:p>
+                  </a:txBody>
+                  <a:tcPr marL="68580" marR="68580" marT="0" marB="0"/>
+                </a:tc>
+                <a:tc>
+                  <a:txBody>
+                    <a:bodyPr/>
+                    <a:lstStyle/>
+                    <a:p>
+                      <a:pPr algn="ctr"/>
+                      <a:r>
+                        <a:rPr lang="en-CL" sz="1600" kern="100">
+                          <a:effectLst/>
+                        </a:rPr>
+                        <a:t> 2</a:t>
+                      </a:r>
+                      <a:endParaRPr lang="en-CL" sz="1600" kern="100">
+                        <a:effectLst/>
+                        <a:latin typeface="Aptos" panose="020B0004020202020204" pitchFamily="34" charset="0"/>
+                        <a:ea typeface="Aptos" panose="020B0004020202020204" pitchFamily="34" charset="0"/>
+                        <a:cs typeface="Times New Roman" panose="02020603050405020304" pitchFamily="18" charset="0"/>
+                      </a:endParaRPr>
+                    </a:p>
+                  </a:txBody>
+                  <a:tcPr marL="68580" marR="68580" marT="0" marB="0"/>
+                </a:tc>
+                <a:tc>
+                  <a:txBody>
+                    <a:bodyPr/>
+                    <a:lstStyle/>
+                    <a:p>
+                      <a:pPr algn="ctr"/>
+                      <a:r>
+                        <a:rPr lang="en-CL" sz="1600" kern="100">
+                          <a:effectLst/>
+                        </a:rPr>
+                        <a:t> -3</a:t>
+                      </a:r>
+                      <a:endParaRPr lang="en-CL" sz="1600" kern="100">
+                        <a:effectLst/>
+                        <a:latin typeface="Aptos" panose="020B0004020202020204" pitchFamily="34" charset="0"/>
+                        <a:ea typeface="Aptos" panose="020B0004020202020204" pitchFamily="34" charset="0"/>
+                        <a:cs typeface="Times New Roman" panose="02020603050405020304" pitchFamily="18" charset="0"/>
+                      </a:endParaRPr>
+                    </a:p>
+                  </a:txBody>
+                  <a:tcPr marL="68580" marR="68580" marT="0" marB="0"/>
+                </a:tc>
+                <a:extLst>
+                  <a:ext uri="{0D108BD9-81ED-4DB2-BD59-A6C34878D82A}">
+                    <a16:rowId xmlns:a16="http://schemas.microsoft.com/office/drawing/2014/main" val="2644384303"/>
+                  </a:ext>
+                </a:extLst>
+              </a:tr>
+              <a:tr h="0">
+                <a:tc>
+                  <a:txBody>
+                    <a:bodyPr/>
+                    <a:lstStyle/>
+                    <a:p>
+                      <a:pPr algn="ctr"/>
+                      <a:r>
+                        <a:rPr lang="en-CL" sz="1600" kern="100">
+                          <a:effectLst/>
+                        </a:rPr>
+                        <a:t>0</a:t>
+                      </a:r>
+                      <a:endParaRPr lang="en-CL" sz="1600" kern="100">
+                        <a:effectLst/>
+                        <a:latin typeface="Aptos" panose="020B0004020202020204" pitchFamily="34" charset="0"/>
+                        <a:ea typeface="Aptos" panose="020B0004020202020204" pitchFamily="34" charset="0"/>
+                        <a:cs typeface="Times New Roman" panose="02020603050405020304" pitchFamily="18" charset="0"/>
+                      </a:endParaRPr>
+                    </a:p>
+                  </a:txBody>
+                  <a:tcPr marL="68580" marR="68580" marT="0" marB="0"/>
+                </a:tc>
+                <a:tc>
+                  <a:txBody>
+                    <a:bodyPr/>
+                    <a:lstStyle/>
+                    <a:p>
+                      <a:pPr algn="ctr"/>
+                      <a:r>
+                        <a:rPr lang="en-CL" sz="1600" kern="100">
+                          <a:effectLst/>
+                        </a:rPr>
+                        <a:t> 2</a:t>
+                      </a:r>
+                      <a:endParaRPr lang="en-CL" sz="1600" kern="100">
+                        <a:effectLst/>
+                        <a:latin typeface="Aptos" panose="020B0004020202020204" pitchFamily="34" charset="0"/>
+                        <a:ea typeface="Aptos" panose="020B0004020202020204" pitchFamily="34" charset="0"/>
+                        <a:cs typeface="Times New Roman" panose="02020603050405020304" pitchFamily="18" charset="0"/>
+                      </a:endParaRPr>
+                    </a:p>
+                  </a:txBody>
+                  <a:tcPr marL="68580" marR="68580" marT="0" marB="0"/>
+                </a:tc>
+                <a:tc>
+                  <a:txBody>
+                    <a:bodyPr/>
+                    <a:lstStyle/>
+                    <a:p>
+                      <a:pPr algn="ctr"/>
+                      <a:r>
+                        <a:rPr lang="en-CL" sz="1600" kern="100">
+                          <a:effectLst/>
+                        </a:rPr>
+                        <a:t> -2</a:t>
+                      </a:r>
+                      <a:endParaRPr lang="en-CL" sz="1600" kern="100">
+                        <a:effectLst/>
+                        <a:latin typeface="Aptos" panose="020B0004020202020204" pitchFamily="34" charset="0"/>
+                        <a:ea typeface="Aptos" panose="020B0004020202020204" pitchFamily="34" charset="0"/>
+                        <a:cs typeface="Times New Roman" panose="02020603050405020304" pitchFamily="18" charset="0"/>
+                      </a:endParaRPr>
+                    </a:p>
+                  </a:txBody>
+                  <a:tcPr marL="68580" marR="68580" marT="0" marB="0"/>
+                </a:tc>
+                <a:extLst>
+                  <a:ext uri="{0D108BD9-81ED-4DB2-BD59-A6C34878D82A}">
+                    <a16:rowId xmlns:a16="http://schemas.microsoft.com/office/drawing/2014/main" val="2817543189"/>
+                  </a:ext>
+                </a:extLst>
+              </a:tr>
+              <a:tr h="0">
+                <a:tc>
+                  <a:txBody>
+                    <a:bodyPr/>
+                    <a:lstStyle/>
+                    <a:p>
+                      <a:pPr algn="ctr"/>
+                      <a:r>
+                        <a:rPr lang="en-CL" sz="1600" kern="100">
+                          <a:effectLst/>
+                        </a:rPr>
+                        <a:t>0</a:t>
+                      </a:r>
+                      <a:endParaRPr lang="en-CL" sz="1600" kern="100">
+                        <a:effectLst/>
+                        <a:latin typeface="Aptos" panose="020B0004020202020204" pitchFamily="34" charset="0"/>
+                        <a:ea typeface="Aptos" panose="020B0004020202020204" pitchFamily="34" charset="0"/>
+                        <a:cs typeface="Times New Roman" panose="02020603050405020304" pitchFamily="18" charset="0"/>
+                      </a:endParaRPr>
+                    </a:p>
+                  </a:txBody>
+                  <a:tcPr marL="68580" marR="68580" marT="0" marB="0"/>
+                </a:tc>
+                <a:tc>
+                  <a:txBody>
+                    <a:bodyPr/>
+                    <a:lstStyle/>
+                    <a:p>
+                      <a:pPr algn="ctr"/>
+                      <a:r>
+                        <a:rPr lang="en-CL" sz="1600" kern="100">
+                          <a:effectLst/>
+                        </a:rPr>
+                        <a:t> 3</a:t>
+                      </a:r>
+                      <a:endParaRPr lang="en-CL" sz="1600" kern="100">
+                        <a:effectLst/>
+                        <a:latin typeface="Aptos" panose="020B0004020202020204" pitchFamily="34" charset="0"/>
+                        <a:ea typeface="Aptos" panose="020B0004020202020204" pitchFamily="34" charset="0"/>
+                        <a:cs typeface="Times New Roman" panose="02020603050405020304" pitchFamily="18" charset="0"/>
+                      </a:endParaRPr>
+                    </a:p>
+                  </a:txBody>
+                  <a:tcPr marL="68580" marR="68580" marT="0" marB="0"/>
+                </a:tc>
+                <a:tc>
+                  <a:txBody>
+                    <a:bodyPr/>
+                    <a:lstStyle/>
+                    <a:p>
+                      <a:pPr algn="ctr"/>
+                      <a:r>
+                        <a:rPr lang="en-CL" sz="1600" kern="100">
+                          <a:effectLst/>
+                        </a:rPr>
+                        <a:t> -6</a:t>
+                      </a:r>
+                      <a:endParaRPr lang="en-CL" sz="1600" kern="100">
+                        <a:effectLst/>
+                        <a:latin typeface="Aptos" panose="020B0004020202020204" pitchFamily="34" charset="0"/>
+                        <a:ea typeface="Aptos" panose="020B0004020202020204" pitchFamily="34" charset="0"/>
+                        <a:cs typeface="Times New Roman" panose="02020603050405020304" pitchFamily="18" charset="0"/>
+                      </a:endParaRPr>
+                    </a:p>
+                  </a:txBody>
+                  <a:tcPr marL="68580" marR="68580" marT="0" marB="0"/>
+                </a:tc>
+                <a:extLst>
+                  <a:ext uri="{0D108BD9-81ED-4DB2-BD59-A6C34878D82A}">
+                    <a16:rowId xmlns:a16="http://schemas.microsoft.com/office/drawing/2014/main" val="3530554539"/>
+                  </a:ext>
+                </a:extLst>
+              </a:tr>
+              <a:tr h="0">
+                <a:tc>
+                  <a:txBody>
+                    <a:bodyPr/>
+                    <a:lstStyle/>
+                    <a:p>
+                      <a:pPr algn="ctr"/>
+                      <a:r>
+                        <a:rPr lang="en-CL" sz="1600" kern="100">
+                          <a:effectLst/>
+                        </a:rPr>
+                        <a:t>0</a:t>
+                      </a:r>
+                      <a:endParaRPr lang="en-CL" sz="1600" kern="100">
+                        <a:effectLst/>
+                        <a:latin typeface="Aptos" panose="020B0004020202020204" pitchFamily="34" charset="0"/>
+                        <a:ea typeface="Aptos" panose="020B0004020202020204" pitchFamily="34" charset="0"/>
+                        <a:cs typeface="Times New Roman" panose="02020603050405020304" pitchFamily="18" charset="0"/>
+                      </a:endParaRPr>
+                    </a:p>
+                  </a:txBody>
+                  <a:tcPr marL="68580" marR="68580" marT="0" marB="0"/>
+                </a:tc>
+                <a:tc>
+                  <a:txBody>
+                    <a:bodyPr/>
+                    <a:lstStyle/>
+                    <a:p>
+                      <a:pPr algn="ctr"/>
+                      <a:r>
+                        <a:rPr lang="en-CL" sz="1600" kern="100">
+                          <a:effectLst/>
+                        </a:rPr>
+                        <a:t> 2</a:t>
+                      </a:r>
+                      <a:endParaRPr lang="en-CL" sz="1600" kern="100">
+                        <a:effectLst/>
+                        <a:latin typeface="Aptos" panose="020B0004020202020204" pitchFamily="34" charset="0"/>
+                        <a:ea typeface="Aptos" panose="020B0004020202020204" pitchFamily="34" charset="0"/>
+                        <a:cs typeface="Times New Roman" panose="02020603050405020304" pitchFamily="18" charset="0"/>
+                      </a:endParaRPr>
+                    </a:p>
+                  </a:txBody>
+                  <a:tcPr marL="68580" marR="68580" marT="0" marB="0"/>
+                </a:tc>
+                <a:tc>
+                  <a:txBody>
+                    <a:bodyPr/>
+                    <a:lstStyle/>
+                    <a:p>
+                      <a:pPr algn="ctr"/>
+                      <a:r>
+                        <a:rPr lang="en-CL" sz="1600" kern="100">
+                          <a:effectLst/>
+                        </a:rPr>
+                        <a:t>  2</a:t>
+                      </a:r>
+                      <a:endParaRPr lang="en-CL" sz="1600" kern="100">
+                        <a:effectLst/>
+                        <a:latin typeface="Aptos" panose="020B0004020202020204" pitchFamily="34" charset="0"/>
+                        <a:ea typeface="Aptos" panose="020B0004020202020204" pitchFamily="34" charset="0"/>
+                        <a:cs typeface="Times New Roman" panose="02020603050405020304" pitchFamily="18" charset="0"/>
+                      </a:endParaRPr>
+                    </a:p>
+                  </a:txBody>
+                  <a:tcPr marL="68580" marR="68580" marT="0" marB="0"/>
+                </a:tc>
+                <a:extLst>
+                  <a:ext uri="{0D108BD9-81ED-4DB2-BD59-A6C34878D82A}">
+                    <a16:rowId xmlns:a16="http://schemas.microsoft.com/office/drawing/2014/main" val="1207785970"/>
+                  </a:ext>
+                </a:extLst>
+              </a:tr>
+              <a:tr h="0">
+                <a:tc>
+                  <a:txBody>
+                    <a:bodyPr/>
+                    <a:lstStyle/>
+                    <a:p>
+                      <a:pPr algn="ctr"/>
+                      <a:r>
+                        <a:rPr lang="en-CL" sz="1600" kern="100">
+                          <a:effectLst/>
+                        </a:rPr>
+                        <a:t>0</a:t>
+                      </a:r>
+                      <a:endParaRPr lang="en-CL" sz="1600" kern="100">
+                        <a:effectLst/>
+                        <a:latin typeface="Aptos" panose="020B0004020202020204" pitchFamily="34" charset="0"/>
+                        <a:ea typeface="Aptos" panose="020B0004020202020204" pitchFamily="34" charset="0"/>
+                        <a:cs typeface="Times New Roman" panose="02020603050405020304" pitchFamily="18" charset="0"/>
+                      </a:endParaRPr>
+                    </a:p>
+                  </a:txBody>
+                  <a:tcPr marL="68580" marR="68580" marT="0" marB="0"/>
+                </a:tc>
+                <a:tc>
+                  <a:txBody>
+                    <a:bodyPr/>
+                    <a:lstStyle/>
+                    <a:p>
+                      <a:pPr algn="ctr"/>
+                      <a:r>
+                        <a:rPr lang="en-CL" sz="1600" kern="100">
+                          <a:effectLst/>
+                        </a:rPr>
+                        <a:t> 3</a:t>
+                      </a:r>
+                      <a:endParaRPr lang="en-CL" sz="1600" kern="100">
+                        <a:effectLst/>
+                        <a:latin typeface="Aptos" panose="020B0004020202020204" pitchFamily="34" charset="0"/>
+                        <a:ea typeface="Aptos" panose="020B0004020202020204" pitchFamily="34" charset="0"/>
+                        <a:cs typeface="Times New Roman" panose="02020603050405020304" pitchFamily="18" charset="0"/>
+                      </a:endParaRPr>
+                    </a:p>
+                  </a:txBody>
+                  <a:tcPr marL="68580" marR="68580" marT="0" marB="0"/>
+                </a:tc>
+                <a:tc>
+                  <a:txBody>
+                    <a:bodyPr/>
+                    <a:lstStyle/>
+                    <a:p>
+                      <a:pPr algn="ctr"/>
+                      <a:r>
+                        <a:rPr lang="en-CL" sz="1600" kern="100">
+                          <a:effectLst/>
+                        </a:rPr>
+                        <a:t> -4</a:t>
+                      </a:r>
+                      <a:endParaRPr lang="en-CL" sz="1600" kern="100">
+                        <a:effectLst/>
+                        <a:latin typeface="Aptos" panose="020B0004020202020204" pitchFamily="34" charset="0"/>
+                        <a:ea typeface="Aptos" panose="020B0004020202020204" pitchFamily="34" charset="0"/>
+                        <a:cs typeface="Times New Roman" panose="02020603050405020304" pitchFamily="18" charset="0"/>
+                      </a:endParaRPr>
+                    </a:p>
+                  </a:txBody>
+                  <a:tcPr marL="68580" marR="68580" marT="0" marB="0"/>
+                </a:tc>
+                <a:extLst>
+                  <a:ext uri="{0D108BD9-81ED-4DB2-BD59-A6C34878D82A}">
+                    <a16:rowId xmlns:a16="http://schemas.microsoft.com/office/drawing/2014/main" val="122749495"/>
+                  </a:ext>
+                </a:extLst>
+              </a:tr>
+              <a:tr h="0">
+                <a:tc>
+                  <a:txBody>
+                    <a:bodyPr/>
+                    <a:lstStyle/>
+                    <a:p>
+                      <a:pPr algn="ctr"/>
+                      <a:r>
+                        <a:rPr lang="en-CL" sz="1600" kern="100">
+                          <a:effectLst/>
+                        </a:rPr>
+                        <a:t>0</a:t>
+                      </a:r>
+                      <a:endParaRPr lang="en-CL" sz="1600" kern="100">
+                        <a:effectLst/>
+                        <a:latin typeface="Aptos" panose="020B0004020202020204" pitchFamily="34" charset="0"/>
+                        <a:ea typeface="Aptos" panose="020B0004020202020204" pitchFamily="34" charset="0"/>
+                        <a:cs typeface="Times New Roman" panose="02020603050405020304" pitchFamily="18" charset="0"/>
+                      </a:endParaRPr>
+                    </a:p>
+                  </a:txBody>
+                  <a:tcPr marL="68580" marR="68580" marT="0" marB="0"/>
+                </a:tc>
+                <a:tc>
+                  <a:txBody>
+                    <a:bodyPr/>
+                    <a:lstStyle/>
+                    <a:p>
+                      <a:pPr algn="ctr"/>
+                      <a:r>
+                        <a:rPr lang="en-CL" sz="1600" kern="100">
+                          <a:effectLst/>
+                        </a:rPr>
+                        <a:t> 1</a:t>
+                      </a:r>
+                      <a:endParaRPr lang="en-CL" sz="1600" kern="100">
+                        <a:effectLst/>
+                        <a:latin typeface="Aptos" panose="020B0004020202020204" pitchFamily="34" charset="0"/>
+                        <a:ea typeface="Aptos" panose="020B0004020202020204" pitchFamily="34" charset="0"/>
+                        <a:cs typeface="Times New Roman" panose="02020603050405020304" pitchFamily="18" charset="0"/>
+                      </a:endParaRPr>
+                    </a:p>
+                  </a:txBody>
+                  <a:tcPr marL="68580" marR="68580" marT="0" marB="0"/>
+                </a:tc>
+                <a:tc>
+                  <a:txBody>
+                    <a:bodyPr/>
+                    <a:lstStyle/>
+                    <a:p>
+                      <a:pPr algn="ctr"/>
+                      <a:r>
+                        <a:rPr lang="en-CL" sz="1600" kern="100">
+                          <a:effectLst/>
+                        </a:rPr>
+                        <a:t>  1</a:t>
+                      </a:r>
+                      <a:endParaRPr lang="en-CL" sz="1600" kern="100">
+                        <a:effectLst/>
+                        <a:latin typeface="Aptos" panose="020B0004020202020204" pitchFamily="34" charset="0"/>
+                        <a:ea typeface="Aptos" panose="020B0004020202020204" pitchFamily="34" charset="0"/>
+                        <a:cs typeface="Times New Roman" panose="02020603050405020304" pitchFamily="18" charset="0"/>
+                      </a:endParaRPr>
+                    </a:p>
+                  </a:txBody>
+                  <a:tcPr marL="68580" marR="68580" marT="0" marB="0"/>
+                </a:tc>
+                <a:extLst>
+                  <a:ext uri="{0D108BD9-81ED-4DB2-BD59-A6C34878D82A}">
+                    <a16:rowId xmlns:a16="http://schemas.microsoft.com/office/drawing/2014/main" val="2264245604"/>
+                  </a:ext>
+                </a:extLst>
+              </a:tr>
+              <a:tr h="0">
+                <a:tc>
+                  <a:txBody>
+                    <a:bodyPr/>
+                    <a:lstStyle/>
+                    <a:p>
+                      <a:pPr algn="ctr"/>
+                      <a:r>
+                        <a:rPr lang="en-CL" sz="1600" kern="100">
+                          <a:effectLst/>
+                        </a:rPr>
+                        <a:t>0</a:t>
+                      </a:r>
+                      <a:endParaRPr lang="en-CL" sz="1600" kern="100">
+                        <a:effectLst/>
+                        <a:latin typeface="Aptos" panose="020B0004020202020204" pitchFamily="34" charset="0"/>
+                        <a:ea typeface="Aptos" panose="020B0004020202020204" pitchFamily="34" charset="0"/>
+                        <a:cs typeface="Times New Roman" panose="02020603050405020304" pitchFamily="18" charset="0"/>
+                      </a:endParaRPr>
+                    </a:p>
+                  </a:txBody>
+                  <a:tcPr marL="68580" marR="68580" marT="0" marB="0"/>
+                </a:tc>
+                <a:tc>
+                  <a:txBody>
+                    <a:bodyPr/>
+                    <a:lstStyle/>
+                    <a:p>
+                      <a:pPr algn="ctr"/>
+                      <a:r>
+                        <a:rPr lang="en-CL" sz="1600" kern="100">
+                          <a:effectLst/>
+                        </a:rPr>
+                        <a:t> 2</a:t>
+                      </a:r>
+                      <a:endParaRPr lang="en-CL" sz="1600" kern="100">
+                        <a:effectLst/>
+                        <a:latin typeface="Aptos" panose="020B0004020202020204" pitchFamily="34" charset="0"/>
+                        <a:ea typeface="Aptos" panose="020B0004020202020204" pitchFamily="34" charset="0"/>
+                        <a:cs typeface="Times New Roman" panose="02020603050405020304" pitchFamily="18" charset="0"/>
+                      </a:endParaRPr>
+                    </a:p>
+                  </a:txBody>
+                  <a:tcPr marL="68580" marR="68580" marT="0" marB="0"/>
+                </a:tc>
+                <a:tc>
+                  <a:txBody>
+                    <a:bodyPr/>
+                    <a:lstStyle/>
+                    <a:p>
+                      <a:pPr algn="ctr"/>
+                      <a:r>
+                        <a:rPr lang="en-CL" sz="1600" kern="100">
+                          <a:effectLst/>
+                        </a:rPr>
+                        <a:t> -3</a:t>
+                      </a:r>
+                      <a:endParaRPr lang="en-CL" sz="1600" kern="100">
+                        <a:effectLst/>
+                        <a:latin typeface="Aptos" panose="020B0004020202020204" pitchFamily="34" charset="0"/>
+                        <a:ea typeface="Aptos" panose="020B0004020202020204" pitchFamily="34" charset="0"/>
+                        <a:cs typeface="Times New Roman" panose="02020603050405020304" pitchFamily="18" charset="0"/>
+                      </a:endParaRPr>
+                    </a:p>
+                  </a:txBody>
+                  <a:tcPr marL="68580" marR="68580" marT="0" marB="0"/>
+                </a:tc>
+                <a:extLst>
+                  <a:ext uri="{0D108BD9-81ED-4DB2-BD59-A6C34878D82A}">
+                    <a16:rowId xmlns:a16="http://schemas.microsoft.com/office/drawing/2014/main" val="1514473056"/>
+                  </a:ext>
+                </a:extLst>
+              </a:tr>
+              <a:tr h="0">
+                <a:tc>
+                  <a:txBody>
+                    <a:bodyPr/>
+                    <a:lstStyle/>
+                    <a:p>
+                      <a:pPr algn="ctr"/>
+                      <a:r>
+                        <a:rPr lang="en-CL" sz="1600" kern="100">
+                          <a:effectLst/>
+                        </a:rPr>
+                        <a:t>0</a:t>
+                      </a:r>
+                      <a:endParaRPr lang="en-CL" sz="1600" kern="100">
+                        <a:effectLst/>
+                        <a:latin typeface="Aptos" panose="020B0004020202020204" pitchFamily="34" charset="0"/>
+                        <a:ea typeface="Aptos" panose="020B0004020202020204" pitchFamily="34" charset="0"/>
+                        <a:cs typeface="Times New Roman" panose="02020603050405020304" pitchFamily="18" charset="0"/>
+                      </a:endParaRPr>
+                    </a:p>
+                  </a:txBody>
+                  <a:tcPr marL="68580" marR="68580" marT="0" marB="0"/>
+                </a:tc>
+                <a:tc>
+                  <a:txBody>
+                    <a:bodyPr/>
+                    <a:lstStyle/>
+                    <a:p>
+                      <a:pPr algn="ctr"/>
+                      <a:r>
+                        <a:rPr lang="en-CL" sz="1600" kern="100">
+                          <a:effectLst/>
+                        </a:rPr>
+                        <a:t> 1</a:t>
+                      </a:r>
+                      <a:endParaRPr lang="en-CL" sz="1600" kern="100">
+                        <a:effectLst/>
+                        <a:latin typeface="Aptos" panose="020B0004020202020204" pitchFamily="34" charset="0"/>
+                        <a:ea typeface="Aptos" panose="020B0004020202020204" pitchFamily="34" charset="0"/>
+                        <a:cs typeface="Times New Roman" panose="02020603050405020304" pitchFamily="18" charset="0"/>
+                      </a:endParaRPr>
+                    </a:p>
+                  </a:txBody>
+                  <a:tcPr marL="68580" marR="68580" marT="0" marB="0"/>
+                </a:tc>
+                <a:tc>
+                  <a:txBody>
+                    <a:bodyPr/>
+                    <a:lstStyle/>
+                    <a:p>
+                      <a:pPr algn="ctr"/>
+                      <a:r>
+                        <a:rPr lang="en-CL" sz="1600" kern="100">
+                          <a:effectLst/>
+                        </a:rPr>
+                        <a:t>  1</a:t>
+                      </a:r>
+                      <a:endParaRPr lang="en-CL" sz="1600" kern="100">
+                        <a:effectLst/>
+                        <a:latin typeface="Aptos" panose="020B0004020202020204" pitchFamily="34" charset="0"/>
+                        <a:ea typeface="Aptos" panose="020B0004020202020204" pitchFamily="34" charset="0"/>
+                        <a:cs typeface="Times New Roman" panose="02020603050405020304" pitchFamily="18" charset="0"/>
+                      </a:endParaRPr>
+                    </a:p>
+                  </a:txBody>
+                  <a:tcPr marL="68580" marR="68580" marT="0" marB="0"/>
+                </a:tc>
+                <a:extLst>
+                  <a:ext uri="{0D108BD9-81ED-4DB2-BD59-A6C34878D82A}">
+                    <a16:rowId xmlns:a16="http://schemas.microsoft.com/office/drawing/2014/main" val="879344620"/>
+                  </a:ext>
+                </a:extLst>
+              </a:tr>
+              <a:tr h="0">
+                <a:tc>
+                  <a:txBody>
+                    <a:bodyPr/>
+                    <a:lstStyle/>
+                    <a:p>
+                      <a:pPr algn="ctr"/>
+                      <a:r>
+                        <a:rPr lang="en-CL" sz="1600" kern="100">
+                          <a:effectLst/>
+                        </a:rPr>
+                        <a:t>0</a:t>
+                      </a:r>
+                      <a:endParaRPr lang="en-CL" sz="1600" kern="100">
+                        <a:effectLst/>
+                        <a:latin typeface="Aptos" panose="020B0004020202020204" pitchFamily="34" charset="0"/>
+                        <a:ea typeface="Aptos" panose="020B0004020202020204" pitchFamily="34" charset="0"/>
+                        <a:cs typeface="Times New Roman" panose="02020603050405020304" pitchFamily="18" charset="0"/>
+                      </a:endParaRPr>
+                    </a:p>
+                  </a:txBody>
+                  <a:tcPr marL="68580" marR="68580" marT="0" marB="0"/>
+                </a:tc>
+                <a:tc>
+                  <a:txBody>
+                    <a:bodyPr/>
+                    <a:lstStyle/>
+                    <a:p>
+                      <a:pPr algn="ctr"/>
+                      <a:r>
+                        <a:rPr lang="en-CL" sz="1600" kern="100">
+                          <a:effectLst/>
+                        </a:rPr>
+                        <a:t> 1</a:t>
+                      </a:r>
+                      <a:endParaRPr lang="en-CL" sz="1600" kern="100">
+                        <a:effectLst/>
+                        <a:latin typeface="Aptos" panose="020B0004020202020204" pitchFamily="34" charset="0"/>
+                        <a:ea typeface="Aptos" panose="020B0004020202020204" pitchFamily="34" charset="0"/>
+                        <a:cs typeface="Times New Roman" panose="02020603050405020304" pitchFamily="18" charset="0"/>
+                      </a:endParaRPr>
+                    </a:p>
+                  </a:txBody>
+                  <a:tcPr marL="68580" marR="68580" marT="0" marB="0"/>
+                </a:tc>
+                <a:tc>
+                  <a:txBody>
+                    <a:bodyPr/>
+                    <a:lstStyle/>
+                    <a:p>
+                      <a:pPr algn="ctr"/>
+                      <a:r>
+                        <a:rPr lang="en-CL" sz="1600" kern="100">
+                          <a:effectLst/>
+                        </a:rPr>
+                        <a:t>  1</a:t>
+                      </a:r>
+                      <a:endParaRPr lang="en-CL" sz="1600" kern="100">
+                        <a:effectLst/>
+                        <a:latin typeface="Aptos" panose="020B0004020202020204" pitchFamily="34" charset="0"/>
+                        <a:ea typeface="Aptos" panose="020B0004020202020204" pitchFamily="34" charset="0"/>
+                        <a:cs typeface="Times New Roman" panose="02020603050405020304" pitchFamily="18" charset="0"/>
+                      </a:endParaRPr>
+                    </a:p>
+                  </a:txBody>
+                  <a:tcPr marL="68580" marR="68580" marT="0" marB="0"/>
+                </a:tc>
+                <a:extLst>
+                  <a:ext uri="{0D108BD9-81ED-4DB2-BD59-A6C34878D82A}">
+                    <a16:rowId xmlns:a16="http://schemas.microsoft.com/office/drawing/2014/main" val="65189225"/>
+                  </a:ext>
+                </a:extLst>
+              </a:tr>
+              <a:tr h="0">
+                <a:tc>
+                  <a:txBody>
+                    <a:bodyPr/>
+                    <a:lstStyle/>
+                    <a:p>
+                      <a:pPr algn="ctr"/>
+                      <a:r>
+                        <a:rPr lang="en-CL" sz="1600" kern="100">
+                          <a:effectLst/>
+                        </a:rPr>
+                        <a:t>0</a:t>
+                      </a:r>
+                      <a:endParaRPr lang="en-CL" sz="1600" kern="100">
+                        <a:effectLst/>
+                        <a:latin typeface="Aptos" panose="020B0004020202020204" pitchFamily="34" charset="0"/>
+                        <a:ea typeface="Aptos" panose="020B0004020202020204" pitchFamily="34" charset="0"/>
+                        <a:cs typeface="Times New Roman" panose="02020603050405020304" pitchFamily="18" charset="0"/>
+                      </a:endParaRPr>
+                    </a:p>
+                  </a:txBody>
+                  <a:tcPr marL="68580" marR="68580" marT="0" marB="0"/>
+                </a:tc>
+                <a:tc>
+                  <a:txBody>
+                    <a:bodyPr/>
+                    <a:lstStyle/>
+                    <a:p>
+                      <a:pPr algn="ctr"/>
+                      <a:r>
+                        <a:rPr lang="en-CL" sz="1600" kern="100">
+                          <a:effectLst/>
+                        </a:rPr>
+                        <a:t> 3</a:t>
+                      </a:r>
+                      <a:endParaRPr lang="en-CL" sz="1600" kern="100">
+                        <a:effectLst/>
+                        <a:latin typeface="Aptos" panose="020B0004020202020204" pitchFamily="34" charset="0"/>
+                        <a:ea typeface="Aptos" panose="020B0004020202020204" pitchFamily="34" charset="0"/>
+                        <a:cs typeface="Times New Roman" panose="02020603050405020304" pitchFamily="18" charset="0"/>
+                      </a:endParaRPr>
+                    </a:p>
+                  </a:txBody>
+                  <a:tcPr marL="68580" marR="68580" marT="0" marB="0"/>
+                </a:tc>
+                <a:tc>
+                  <a:txBody>
+                    <a:bodyPr/>
+                    <a:lstStyle/>
+                    <a:p>
+                      <a:pPr algn="ctr"/>
+                      <a:r>
+                        <a:rPr lang="en-CL" sz="1600" kern="100">
+                          <a:effectLst/>
+                        </a:rPr>
+                        <a:t>  5</a:t>
+                      </a:r>
+                      <a:endParaRPr lang="en-CL" sz="1600" kern="100">
+                        <a:effectLst/>
+                        <a:latin typeface="Aptos" panose="020B0004020202020204" pitchFamily="34" charset="0"/>
+                        <a:ea typeface="Aptos" panose="020B0004020202020204" pitchFamily="34" charset="0"/>
+                        <a:cs typeface="Times New Roman" panose="02020603050405020304" pitchFamily="18" charset="0"/>
+                      </a:endParaRPr>
+                    </a:p>
+                  </a:txBody>
+                  <a:tcPr marL="68580" marR="68580" marT="0" marB="0"/>
+                </a:tc>
+                <a:extLst>
+                  <a:ext uri="{0D108BD9-81ED-4DB2-BD59-A6C34878D82A}">
+                    <a16:rowId xmlns:a16="http://schemas.microsoft.com/office/drawing/2014/main" val="2928607740"/>
+                  </a:ext>
+                </a:extLst>
+              </a:tr>
+              <a:tr h="0">
+                <a:tc>
+                  <a:txBody>
+                    <a:bodyPr/>
+                    <a:lstStyle/>
+                    <a:p>
+                      <a:pPr algn="ctr"/>
+                      <a:r>
+                        <a:rPr lang="en-CL" sz="1600" kern="100">
+                          <a:effectLst/>
+                        </a:rPr>
+                        <a:t>0</a:t>
+                      </a:r>
+                      <a:endParaRPr lang="en-CL" sz="1600" kern="100">
+                        <a:effectLst/>
+                        <a:latin typeface="Aptos" panose="020B0004020202020204" pitchFamily="34" charset="0"/>
+                        <a:ea typeface="Aptos" panose="020B0004020202020204" pitchFamily="34" charset="0"/>
+                        <a:cs typeface="Times New Roman" panose="02020603050405020304" pitchFamily="18" charset="0"/>
+                      </a:endParaRPr>
+                    </a:p>
+                  </a:txBody>
+                  <a:tcPr marL="68580" marR="68580" marT="0" marB="0"/>
+                </a:tc>
+                <a:tc>
+                  <a:txBody>
+                    <a:bodyPr/>
+                    <a:lstStyle/>
+                    <a:p>
+                      <a:pPr algn="ctr"/>
+                      <a:r>
+                        <a:rPr lang="en-CL" sz="1600" kern="100">
+                          <a:effectLst/>
+                        </a:rPr>
+                        <a:t> 1</a:t>
+                      </a:r>
+                      <a:endParaRPr lang="en-CL" sz="1600" kern="100">
+                        <a:effectLst/>
+                        <a:latin typeface="Aptos" panose="020B0004020202020204" pitchFamily="34" charset="0"/>
+                        <a:ea typeface="Aptos" panose="020B0004020202020204" pitchFamily="34" charset="0"/>
+                        <a:cs typeface="Times New Roman" panose="02020603050405020304" pitchFamily="18" charset="0"/>
+                      </a:endParaRPr>
+                    </a:p>
+                  </a:txBody>
+                  <a:tcPr marL="68580" marR="68580" marT="0" marB="0"/>
+                </a:tc>
+                <a:tc>
+                  <a:txBody>
+                    <a:bodyPr/>
+                    <a:lstStyle/>
+                    <a:p>
+                      <a:pPr algn="ctr"/>
+                      <a:r>
+                        <a:rPr lang="en-CL" sz="1600" kern="100">
+                          <a:effectLst/>
+                        </a:rPr>
+                        <a:t>  1</a:t>
+                      </a:r>
+                      <a:endParaRPr lang="en-CL" sz="1600" kern="100">
+                        <a:effectLst/>
+                        <a:latin typeface="Aptos" panose="020B0004020202020204" pitchFamily="34" charset="0"/>
+                        <a:ea typeface="Aptos" panose="020B0004020202020204" pitchFamily="34" charset="0"/>
+                        <a:cs typeface="Times New Roman" panose="02020603050405020304" pitchFamily="18" charset="0"/>
+                      </a:endParaRPr>
+                    </a:p>
+                  </a:txBody>
+                  <a:tcPr marL="68580" marR="68580" marT="0" marB="0"/>
+                </a:tc>
+                <a:extLst>
+                  <a:ext uri="{0D108BD9-81ED-4DB2-BD59-A6C34878D82A}">
+                    <a16:rowId xmlns:a16="http://schemas.microsoft.com/office/drawing/2014/main" val="1798418278"/>
+                  </a:ext>
+                </a:extLst>
+              </a:tr>
+              <a:tr h="0">
+                <a:tc>
+                  <a:txBody>
+                    <a:bodyPr/>
+                    <a:lstStyle/>
+                    <a:p>
+                      <a:pPr algn="ctr"/>
+                      <a:r>
+                        <a:rPr lang="en-CL" sz="1600" kern="100">
+                          <a:effectLst/>
+                        </a:rPr>
+                        <a:t>0</a:t>
+                      </a:r>
+                      <a:endParaRPr lang="en-CL" sz="1600" kern="100">
+                        <a:effectLst/>
+                        <a:latin typeface="Aptos" panose="020B0004020202020204" pitchFamily="34" charset="0"/>
+                        <a:ea typeface="Aptos" panose="020B0004020202020204" pitchFamily="34" charset="0"/>
+                        <a:cs typeface="Times New Roman" panose="02020603050405020304" pitchFamily="18" charset="0"/>
+                      </a:endParaRPr>
+                    </a:p>
+                  </a:txBody>
+                  <a:tcPr marL="68580" marR="68580" marT="0" marB="0"/>
+                </a:tc>
+                <a:tc>
+                  <a:txBody>
+                    <a:bodyPr/>
+                    <a:lstStyle/>
+                    <a:p>
+                      <a:pPr algn="ctr"/>
+                      <a:r>
+                        <a:rPr lang="en-CL" sz="1600" kern="100">
+                          <a:effectLst/>
+                        </a:rPr>
+                        <a:t> 2</a:t>
+                      </a:r>
+                      <a:endParaRPr lang="en-CL" sz="1600" kern="100">
+                        <a:effectLst/>
+                        <a:latin typeface="Aptos" panose="020B0004020202020204" pitchFamily="34" charset="0"/>
+                        <a:ea typeface="Aptos" panose="020B0004020202020204" pitchFamily="34" charset="0"/>
+                        <a:cs typeface="Times New Roman" panose="02020603050405020304" pitchFamily="18" charset="0"/>
+                      </a:endParaRPr>
+                    </a:p>
+                  </a:txBody>
+                  <a:tcPr marL="68580" marR="68580" marT="0" marB="0"/>
+                </a:tc>
+                <a:tc>
+                  <a:txBody>
+                    <a:bodyPr/>
+                    <a:lstStyle/>
+                    <a:p>
+                      <a:pPr algn="ctr"/>
+                      <a:r>
+                        <a:rPr lang="en-CL" sz="1600" kern="100">
+                          <a:effectLst/>
+                        </a:rPr>
+                        <a:t>  2</a:t>
+                      </a:r>
+                      <a:endParaRPr lang="en-CL" sz="1600" kern="100">
+                        <a:effectLst/>
+                        <a:latin typeface="Aptos" panose="020B0004020202020204" pitchFamily="34" charset="0"/>
+                        <a:ea typeface="Aptos" panose="020B0004020202020204" pitchFamily="34" charset="0"/>
+                        <a:cs typeface="Times New Roman" panose="02020603050405020304" pitchFamily="18" charset="0"/>
+                      </a:endParaRPr>
+                    </a:p>
+                  </a:txBody>
+                  <a:tcPr marL="68580" marR="68580" marT="0" marB="0"/>
+                </a:tc>
+                <a:extLst>
+                  <a:ext uri="{0D108BD9-81ED-4DB2-BD59-A6C34878D82A}">
+                    <a16:rowId xmlns:a16="http://schemas.microsoft.com/office/drawing/2014/main" val="2263980018"/>
+                  </a:ext>
+                </a:extLst>
+              </a:tr>
+              <a:tr h="0">
+                <a:tc>
+                  <a:txBody>
+                    <a:bodyPr/>
+                    <a:lstStyle/>
+                    <a:p>
+                      <a:pPr algn="ctr"/>
+                      <a:r>
+                        <a:rPr lang="en-CL" sz="1600" kern="100">
+                          <a:effectLst/>
+                        </a:rPr>
+                        <a:t>0</a:t>
+                      </a:r>
+                      <a:endParaRPr lang="en-CL" sz="1600" kern="100">
+                        <a:effectLst/>
+                        <a:latin typeface="Aptos" panose="020B0004020202020204" pitchFamily="34" charset="0"/>
+                        <a:ea typeface="Aptos" panose="020B0004020202020204" pitchFamily="34" charset="0"/>
+                        <a:cs typeface="Times New Roman" panose="02020603050405020304" pitchFamily="18" charset="0"/>
+                      </a:endParaRPr>
+                    </a:p>
+                  </a:txBody>
+                  <a:tcPr marL="68580" marR="68580" marT="0" marB="0"/>
+                </a:tc>
+                <a:tc>
+                  <a:txBody>
+                    <a:bodyPr/>
+                    <a:lstStyle/>
+                    <a:p>
+                      <a:pPr algn="ctr"/>
+                      <a:r>
+                        <a:rPr lang="en-CL" sz="1600" kern="100">
+                          <a:effectLst/>
+                        </a:rPr>
+                        <a:t> 1</a:t>
+                      </a:r>
+                      <a:endParaRPr lang="en-CL" sz="1600" kern="100">
+                        <a:effectLst/>
+                        <a:latin typeface="Aptos" panose="020B0004020202020204" pitchFamily="34" charset="0"/>
+                        <a:ea typeface="Aptos" panose="020B0004020202020204" pitchFamily="34" charset="0"/>
+                        <a:cs typeface="Times New Roman" panose="02020603050405020304" pitchFamily="18" charset="0"/>
+                      </a:endParaRPr>
+                    </a:p>
+                  </a:txBody>
+                  <a:tcPr marL="68580" marR="68580" marT="0" marB="0"/>
+                </a:tc>
+                <a:tc>
+                  <a:txBody>
+                    <a:bodyPr/>
+                    <a:lstStyle/>
+                    <a:p>
+                      <a:pPr algn="ctr"/>
+                      <a:r>
+                        <a:rPr lang="en-CL" sz="1600" kern="100">
+                          <a:effectLst/>
+                        </a:rPr>
+                        <a:t> -1</a:t>
+                      </a:r>
+                      <a:endParaRPr lang="en-CL" sz="1600" kern="100">
+                        <a:effectLst/>
+                        <a:latin typeface="Aptos" panose="020B0004020202020204" pitchFamily="34" charset="0"/>
+                        <a:ea typeface="Aptos" panose="020B0004020202020204" pitchFamily="34" charset="0"/>
+                        <a:cs typeface="Times New Roman" panose="02020603050405020304" pitchFamily="18" charset="0"/>
+                      </a:endParaRPr>
+                    </a:p>
+                  </a:txBody>
+                  <a:tcPr marL="68580" marR="68580" marT="0" marB="0"/>
+                </a:tc>
+                <a:extLst>
+                  <a:ext uri="{0D108BD9-81ED-4DB2-BD59-A6C34878D82A}">
+                    <a16:rowId xmlns:a16="http://schemas.microsoft.com/office/drawing/2014/main" val="600551530"/>
+                  </a:ext>
+                </a:extLst>
+              </a:tr>
+              <a:tr h="0">
+                <a:tc>
+                  <a:txBody>
+                    <a:bodyPr/>
+                    <a:lstStyle/>
+                    <a:p>
+                      <a:pPr algn="ctr"/>
+                      <a:r>
+                        <a:rPr lang="en-CL" sz="1600" kern="100">
+                          <a:effectLst/>
+                        </a:rPr>
+                        <a:t>0</a:t>
+                      </a:r>
+                      <a:endParaRPr lang="en-CL" sz="1600" kern="100">
+                        <a:effectLst/>
+                        <a:latin typeface="Aptos" panose="020B0004020202020204" pitchFamily="34" charset="0"/>
+                        <a:ea typeface="Aptos" panose="020B0004020202020204" pitchFamily="34" charset="0"/>
+                        <a:cs typeface="Times New Roman" panose="02020603050405020304" pitchFamily="18" charset="0"/>
+                      </a:endParaRPr>
+                    </a:p>
+                  </a:txBody>
+                  <a:tcPr marL="68580" marR="68580" marT="0" marB="0"/>
+                </a:tc>
+                <a:tc>
+                  <a:txBody>
+                    <a:bodyPr/>
+                    <a:lstStyle/>
+                    <a:p>
+                      <a:pPr algn="ctr"/>
+                      <a:r>
+                        <a:rPr lang="en-CL" sz="1600" kern="100">
+                          <a:effectLst/>
+                        </a:rPr>
+                        <a:t> 1</a:t>
+                      </a:r>
+                      <a:endParaRPr lang="en-CL" sz="1600" kern="100">
+                        <a:effectLst/>
+                        <a:latin typeface="Aptos" panose="020B0004020202020204" pitchFamily="34" charset="0"/>
+                        <a:ea typeface="Aptos" panose="020B0004020202020204" pitchFamily="34" charset="0"/>
+                        <a:cs typeface="Times New Roman" panose="02020603050405020304" pitchFamily="18" charset="0"/>
+                      </a:endParaRPr>
+                    </a:p>
+                  </a:txBody>
+                  <a:tcPr marL="68580" marR="68580" marT="0" marB="0"/>
+                </a:tc>
+                <a:tc>
+                  <a:txBody>
+                    <a:bodyPr/>
+                    <a:lstStyle/>
+                    <a:p>
+                      <a:pPr algn="ctr"/>
+                      <a:r>
+                        <a:rPr lang="en-CL" sz="1600" kern="100">
+                          <a:effectLst/>
+                        </a:rPr>
+                        <a:t>  1</a:t>
+                      </a:r>
+                      <a:endParaRPr lang="en-CL" sz="1600" kern="100">
+                        <a:effectLst/>
+                        <a:latin typeface="Aptos" panose="020B0004020202020204" pitchFamily="34" charset="0"/>
+                        <a:ea typeface="Aptos" panose="020B0004020202020204" pitchFamily="34" charset="0"/>
+                        <a:cs typeface="Times New Roman" panose="02020603050405020304" pitchFamily="18" charset="0"/>
+                      </a:endParaRPr>
+                    </a:p>
+                  </a:txBody>
+                  <a:tcPr marL="68580" marR="68580" marT="0" marB="0"/>
+                </a:tc>
+                <a:extLst>
+                  <a:ext uri="{0D108BD9-81ED-4DB2-BD59-A6C34878D82A}">
+                    <a16:rowId xmlns:a16="http://schemas.microsoft.com/office/drawing/2014/main" val="3630824358"/>
+                  </a:ext>
+                </a:extLst>
+              </a:tr>
+              <a:tr h="0">
+                <a:tc>
+                  <a:txBody>
+                    <a:bodyPr/>
+                    <a:lstStyle/>
+                    <a:p>
+                      <a:pPr algn="ctr"/>
+                      <a:r>
+                        <a:rPr lang="en-CL" sz="1600" kern="100">
+                          <a:effectLst/>
+                        </a:rPr>
+                        <a:t>0</a:t>
+                      </a:r>
+                      <a:endParaRPr lang="en-CL" sz="1600" kern="100">
+                        <a:effectLst/>
+                        <a:latin typeface="Aptos" panose="020B0004020202020204" pitchFamily="34" charset="0"/>
+                        <a:ea typeface="Aptos" panose="020B0004020202020204" pitchFamily="34" charset="0"/>
+                        <a:cs typeface="Times New Roman" panose="02020603050405020304" pitchFamily="18" charset="0"/>
+                      </a:endParaRPr>
+                    </a:p>
+                  </a:txBody>
+                  <a:tcPr marL="68580" marR="68580" marT="0" marB="0"/>
+                </a:tc>
+                <a:tc>
+                  <a:txBody>
+                    <a:bodyPr/>
+                    <a:lstStyle/>
+                    <a:p>
+                      <a:pPr algn="ctr"/>
+                      <a:r>
+                        <a:rPr lang="en-CL" sz="1600" kern="100">
+                          <a:effectLst/>
+                        </a:rPr>
+                        <a:t> 1</a:t>
+                      </a:r>
+                      <a:endParaRPr lang="en-CL" sz="1600" kern="100">
+                        <a:effectLst/>
+                        <a:latin typeface="Aptos" panose="020B0004020202020204" pitchFamily="34" charset="0"/>
+                        <a:ea typeface="Aptos" panose="020B0004020202020204" pitchFamily="34" charset="0"/>
+                        <a:cs typeface="Times New Roman" panose="02020603050405020304" pitchFamily="18" charset="0"/>
+                      </a:endParaRPr>
+                    </a:p>
+                  </a:txBody>
+                  <a:tcPr marL="68580" marR="68580" marT="0" marB="0"/>
+                </a:tc>
+                <a:tc>
+                  <a:txBody>
+                    <a:bodyPr/>
+                    <a:lstStyle/>
+                    <a:p>
+                      <a:pPr algn="ctr"/>
+                      <a:r>
+                        <a:rPr lang="en-CL" sz="1600" kern="100">
+                          <a:effectLst/>
+                        </a:rPr>
+                        <a:t> -1</a:t>
+                      </a:r>
+                      <a:endParaRPr lang="en-CL" sz="1600" kern="100">
+                        <a:effectLst/>
+                        <a:latin typeface="Aptos" panose="020B0004020202020204" pitchFamily="34" charset="0"/>
+                        <a:ea typeface="Aptos" panose="020B0004020202020204" pitchFamily="34" charset="0"/>
+                        <a:cs typeface="Times New Roman" panose="02020603050405020304" pitchFamily="18" charset="0"/>
+                      </a:endParaRPr>
+                    </a:p>
+                  </a:txBody>
+                  <a:tcPr marL="68580" marR="68580" marT="0" marB="0"/>
+                </a:tc>
+                <a:extLst>
+                  <a:ext uri="{0D108BD9-81ED-4DB2-BD59-A6C34878D82A}">
+                    <a16:rowId xmlns:a16="http://schemas.microsoft.com/office/drawing/2014/main" val="2840848092"/>
+                  </a:ext>
+                </a:extLst>
+              </a:tr>
+              <a:tr h="0">
+                <a:tc>
+                  <a:txBody>
+                    <a:bodyPr/>
+                    <a:lstStyle/>
+                    <a:p>
+                      <a:pPr algn="ctr"/>
+                      <a:r>
+                        <a:rPr lang="en-CL" sz="1600" kern="100">
+                          <a:effectLst/>
+                        </a:rPr>
+                        <a:t>0</a:t>
+                      </a:r>
+                      <a:endParaRPr lang="en-CL" sz="1600" kern="100">
+                        <a:effectLst/>
+                        <a:latin typeface="Aptos" panose="020B0004020202020204" pitchFamily="34" charset="0"/>
+                        <a:ea typeface="Aptos" panose="020B0004020202020204" pitchFamily="34" charset="0"/>
+                        <a:cs typeface="Times New Roman" panose="02020603050405020304" pitchFamily="18" charset="0"/>
+                      </a:endParaRPr>
+                    </a:p>
+                  </a:txBody>
+                  <a:tcPr marL="68580" marR="68580" marT="0" marB="0"/>
+                </a:tc>
+                <a:tc>
+                  <a:txBody>
+                    <a:bodyPr/>
+                    <a:lstStyle/>
+                    <a:p>
+                      <a:pPr algn="ctr"/>
+                      <a:r>
+                        <a:rPr lang="en-CL" sz="1600" kern="100">
+                          <a:effectLst/>
+                        </a:rPr>
+                        <a:t> 2</a:t>
+                      </a:r>
+                      <a:endParaRPr lang="en-CL" sz="1600" kern="100">
+                        <a:effectLst/>
+                        <a:latin typeface="Aptos" panose="020B0004020202020204" pitchFamily="34" charset="0"/>
+                        <a:ea typeface="Aptos" panose="020B0004020202020204" pitchFamily="34" charset="0"/>
+                        <a:cs typeface="Times New Roman" panose="02020603050405020304" pitchFamily="18" charset="0"/>
+                      </a:endParaRPr>
+                    </a:p>
+                  </a:txBody>
+                  <a:tcPr marL="68580" marR="68580" marT="0" marB="0"/>
+                </a:tc>
+                <a:tc>
+                  <a:txBody>
+                    <a:bodyPr/>
+                    <a:lstStyle/>
+                    <a:p>
+                      <a:pPr algn="ctr"/>
+                      <a:r>
+                        <a:rPr lang="en-CL" sz="1600" kern="100">
+                          <a:effectLst/>
+                        </a:rPr>
+                        <a:t>  2</a:t>
+                      </a:r>
+                      <a:endParaRPr lang="en-CL" sz="1600" kern="100">
+                        <a:effectLst/>
+                        <a:latin typeface="Aptos" panose="020B0004020202020204" pitchFamily="34" charset="0"/>
+                        <a:ea typeface="Aptos" panose="020B0004020202020204" pitchFamily="34" charset="0"/>
+                        <a:cs typeface="Times New Roman" panose="02020603050405020304" pitchFamily="18" charset="0"/>
+                      </a:endParaRPr>
+                    </a:p>
+                  </a:txBody>
+                  <a:tcPr marL="68580" marR="68580" marT="0" marB="0"/>
+                </a:tc>
+                <a:extLst>
+                  <a:ext uri="{0D108BD9-81ED-4DB2-BD59-A6C34878D82A}">
+                    <a16:rowId xmlns:a16="http://schemas.microsoft.com/office/drawing/2014/main" val="877810386"/>
+                  </a:ext>
+                </a:extLst>
+              </a:tr>
+              <a:tr h="0">
+                <a:tc>
+                  <a:txBody>
+                    <a:bodyPr/>
+                    <a:lstStyle/>
+                    <a:p>
+                      <a:pPr algn="ctr"/>
+                      <a:r>
+                        <a:rPr lang="en-CL" sz="1600" kern="100">
+                          <a:effectLst/>
+                        </a:rPr>
+                        <a:t>5</a:t>
+                      </a:r>
+                      <a:endParaRPr lang="en-CL" sz="1600" kern="100">
+                        <a:effectLst/>
+                        <a:latin typeface="Aptos" panose="020B0004020202020204" pitchFamily="34" charset="0"/>
+                        <a:ea typeface="Aptos" panose="020B0004020202020204" pitchFamily="34" charset="0"/>
+                        <a:cs typeface="Times New Roman" panose="02020603050405020304" pitchFamily="18" charset="0"/>
+                      </a:endParaRPr>
+                    </a:p>
+                  </a:txBody>
+                  <a:tcPr marL="68580" marR="68580" marT="0" marB="0"/>
+                </a:tc>
+                <a:tc>
+                  <a:txBody>
+                    <a:bodyPr/>
+                    <a:lstStyle/>
+                    <a:p>
+                      <a:pPr algn="ctr"/>
+                      <a:r>
+                        <a:rPr lang="en-CL" sz="1600" kern="100">
+                          <a:effectLst/>
+                        </a:rPr>
+                        <a:t> 1</a:t>
+                      </a:r>
+                      <a:endParaRPr lang="en-CL" sz="1600" kern="100">
+                        <a:effectLst/>
+                        <a:latin typeface="Aptos" panose="020B0004020202020204" pitchFamily="34" charset="0"/>
+                        <a:ea typeface="Aptos" panose="020B0004020202020204" pitchFamily="34" charset="0"/>
+                        <a:cs typeface="Times New Roman" panose="02020603050405020304" pitchFamily="18" charset="0"/>
+                      </a:endParaRPr>
+                    </a:p>
+                  </a:txBody>
+                  <a:tcPr marL="68580" marR="68580" marT="0" marB="0"/>
+                </a:tc>
+                <a:tc>
+                  <a:txBody>
+                    <a:bodyPr/>
+                    <a:lstStyle/>
+                    <a:p>
+                      <a:pPr algn="ctr"/>
+                      <a:r>
+                        <a:rPr lang="en-CL" sz="1600" kern="100">
+                          <a:effectLst/>
+                        </a:rPr>
+                        <a:t> -1</a:t>
+                      </a:r>
+                      <a:endParaRPr lang="en-CL" sz="1600" kern="100">
+                        <a:effectLst/>
+                        <a:latin typeface="Aptos" panose="020B0004020202020204" pitchFamily="34" charset="0"/>
+                        <a:ea typeface="Aptos" panose="020B0004020202020204" pitchFamily="34" charset="0"/>
+                        <a:cs typeface="Times New Roman" panose="02020603050405020304" pitchFamily="18" charset="0"/>
+                      </a:endParaRPr>
+                    </a:p>
+                  </a:txBody>
+                  <a:tcPr marL="68580" marR="68580" marT="0" marB="0"/>
+                </a:tc>
+                <a:extLst>
+                  <a:ext uri="{0D108BD9-81ED-4DB2-BD59-A6C34878D82A}">
+                    <a16:rowId xmlns:a16="http://schemas.microsoft.com/office/drawing/2014/main" val="1765829865"/>
+                  </a:ext>
+                </a:extLst>
+              </a:tr>
+              <a:tr h="0">
+                <a:tc>
+                  <a:txBody>
+                    <a:bodyPr/>
+                    <a:lstStyle/>
+                    <a:p>
+                      <a:pPr algn="ctr"/>
+                      <a:r>
+                        <a:rPr lang="en-CL" sz="1600" kern="100">
+                          <a:effectLst/>
+                        </a:rPr>
+                        <a:t>0</a:t>
+                      </a:r>
+                      <a:endParaRPr lang="en-CL" sz="1600" kern="100">
+                        <a:effectLst/>
+                        <a:latin typeface="Aptos" panose="020B0004020202020204" pitchFamily="34" charset="0"/>
+                        <a:ea typeface="Aptos" panose="020B0004020202020204" pitchFamily="34" charset="0"/>
+                        <a:cs typeface="Times New Roman" panose="02020603050405020304" pitchFamily="18" charset="0"/>
+                      </a:endParaRPr>
+                    </a:p>
+                  </a:txBody>
+                  <a:tcPr marL="68580" marR="68580" marT="0" marB="0"/>
+                </a:tc>
+                <a:tc>
+                  <a:txBody>
+                    <a:bodyPr/>
+                    <a:lstStyle/>
+                    <a:p>
+                      <a:pPr algn="ctr"/>
+                      <a:r>
+                        <a:rPr lang="en-CL" sz="1600" kern="100">
+                          <a:effectLst/>
+                        </a:rPr>
+                        <a:t> 1</a:t>
+                      </a:r>
+                      <a:endParaRPr lang="en-CL" sz="1600" kern="100">
+                        <a:effectLst/>
+                        <a:latin typeface="Aptos" panose="020B0004020202020204" pitchFamily="34" charset="0"/>
+                        <a:ea typeface="Aptos" panose="020B0004020202020204" pitchFamily="34" charset="0"/>
+                        <a:cs typeface="Times New Roman" panose="02020603050405020304" pitchFamily="18" charset="0"/>
+                      </a:endParaRPr>
+                    </a:p>
+                  </a:txBody>
+                  <a:tcPr marL="68580" marR="68580" marT="0" marB="0"/>
+                </a:tc>
+                <a:tc>
+                  <a:txBody>
+                    <a:bodyPr/>
+                    <a:lstStyle/>
+                    <a:p>
+                      <a:pPr algn="ctr"/>
+                      <a:r>
+                        <a:rPr lang="en-CL" sz="1600" kern="100">
+                          <a:effectLst/>
+                        </a:rPr>
+                        <a:t> -1</a:t>
+                      </a:r>
+                      <a:endParaRPr lang="en-CL" sz="1600" kern="100">
+                        <a:effectLst/>
+                        <a:latin typeface="Aptos" panose="020B0004020202020204" pitchFamily="34" charset="0"/>
+                        <a:ea typeface="Aptos" panose="020B0004020202020204" pitchFamily="34" charset="0"/>
+                        <a:cs typeface="Times New Roman" panose="02020603050405020304" pitchFamily="18" charset="0"/>
+                      </a:endParaRPr>
+                    </a:p>
+                  </a:txBody>
+                  <a:tcPr marL="68580" marR="68580" marT="0" marB="0"/>
+                </a:tc>
+                <a:extLst>
+                  <a:ext uri="{0D108BD9-81ED-4DB2-BD59-A6C34878D82A}">
+                    <a16:rowId xmlns:a16="http://schemas.microsoft.com/office/drawing/2014/main" val="2244948585"/>
+                  </a:ext>
+                </a:extLst>
+              </a:tr>
+              <a:tr h="0">
+                <a:tc>
+                  <a:txBody>
+                    <a:bodyPr/>
+                    <a:lstStyle/>
+                    <a:p>
+                      <a:pPr algn="ctr"/>
+                      <a:r>
+                        <a:rPr lang="en-CL" sz="1600" kern="100">
+                          <a:effectLst/>
+                        </a:rPr>
+                        <a:t>0</a:t>
+                      </a:r>
+                      <a:endParaRPr lang="en-CL" sz="1600" kern="100">
+                        <a:effectLst/>
+                        <a:latin typeface="Aptos" panose="020B0004020202020204" pitchFamily="34" charset="0"/>
+                        <a:ea typeface="Aptos" panose="020B0004020202020204" pitchFamily="34" charset="0"/>
+                        <a:cs typeface="Times New Roman" panose="02020603050405020304" pitchFamily="18" charset="0"/>
+                      </a:endParaRPr>
+                    </a:p>
+                  </a:txBody>
+                  <a:tcPr marL="68580" marR="68580" marT="0" marB="0"/>
+                </a:tc>
+                <a:tc>
+                  <a:txBody>
+                    <a:bodyPr/>
+                    <a:lstStyle/>
+                    <a:p>
+                      <a:pPr algn="ctr"/>
+                      <a:r>
+                        <a:rPr lang="en-CL" sz="1600" kern="100">
+                          <a:effectLst/>
+                        </a:rPr>
+                        <a:t> 0</a:t>
+                      </a:r>
+                      <a:endParaRPr lang="en-CL" sz="1600" kern="100">
+                        <a:effectLst/>
+                        <a:latin typeface="Aptos" panose="020B0004020202020204" pitchFamily="34" charset="0"/>
+                        <a:ea typeface="Aptos" panose="020B0004020202020204" pitchFamily="34" charset="0"/>
+                        <a:cs typeface="Times New Roman" panose="02020603050405020304" pitchFamily="18" charset="0"/>
+                      </a:endParaRPr>
+                    </a:p>
+                  </a:txBody>
+                  <a:tcPr marL="68580" marR="68580" marT="0" marB="0"/>
+                </a:tc>
+                <a:tc>
+                  <a:txBody>
+                    <a:bodyPr/>
+                    <a:lstStyle/>
+                    <a:p>
+                      <a:pPr algn="ctr"/>
+                      <a:r>
+                        <a:rPr lang="en-CL" sz="1600" kern="100" dirty="0">
+                          <a:effectLst/>
+                        </a:rPr>
+                        <a:t> </a:t>
+                      </a:r>
+                      <a:endParaRPr lang="en-CL" sz="1600" kern="100" dirty="0">
+                        <a:effectLst/>
+                        <a:latin typeface="Aptos" panose="020B0004020202020204" pitchFamily="34" charset="0"/>
+                        <a:ea typeface="Aptos" panose="020B0004020202020204" pitchFamily="34" charset="0"/>
+                        <a:cs typeface="Times New Roman" panose="02020603050405020304" pitchFamily="18" charset="0"/>
+                      </a:endParaRPr>
+                    </a:p>
+                  </a:txBody>
+                  <a:tcPr marL="68580" marR="68580" marT="0" marB="0"/>
+                </a:tc>
+                <a:extLst>
+                  <a:ext uri="{0D108BD9-81ED-4DB2-BD59-A6C34878D82A}">
+                    <a16:rowId xmlns:a16="http://schemas.microsoft.com/office/drawing/2014/main" val="2857681459"/>
+                  </a:ext>
+                </a:extLst>
+              </a:tr>
+            </a:tbl>
+          </a:graphicData>
+        </a:graphic>
+      </p:graphicFrame>
+      <p:sp>
+        <p:nvSpPr>
+          <p:cNvPr id="10" name="TextBox 9">
+            <a:extLst>
+              <a:ext uri="{FF2B5EF4-FFF2-40B4-BE49-F238E27FC236}">
+                <a16:creationId xmlns:a16="http://schemas.microsoft.com/office/drawing/2014/main" id="{3D9BEFBD-BFAF-3DF0-98D2-EAB031CE200D}"/>
+              </a:ext>
+            </a:extLst>
+          </p:cNvPr>
+          <p:cNvSpPr txBox="1"/>
+          <p:nvPr/>
+        </p:nvSpPr>
+        <p:spPr>
+          <a:xfrm>
+            <a:off x="6511636" y="221940"/>
+            <a:ext cx="4651723" cy="369332"/>
+          </a:xfrm>
+          <a:prstGeom prst="rect">
+            <a:avLst/>
+          </a:prstGeom>
+          <a:noFill/>
+        </p:spPr>
+        <p:txBody>
+          <a:bodyPr wrap="none" rtlCol="0">
+            <a:spAutoFit/>
+          </a:bodyPr>
+          <a:lstStyle/>
+          <a:p>
+            <a:r>
+              <a:rPr lang="en-CL" dirty="0"/>
+              <a:t>Cuántos ceros hay hasta el siguiente coeficiente</a:t>
+            </a:r>
+          </a:p>
+        </p:txBody>
+      </p:sp>
+      <p:cxnSp>
+        <p:nvCxnSpPr>
+          <p:cNvPr id="13" name="Straight Arrow Connector 12">
+            <a:extLst>
+              <a:ext uri="{FF2B5EF4-FFF2-40B4-BE49-F238E27FC236}">
+                <a16:creationId xmlns:a16="http://schemas.microsoft.com/office/drawing/2014/main" id="{0417E84B-5625-6404-C1F4-37CB6E79DC02}"/>
+              </a:ext>
+            </a:extLst>
+          </p:cNvPr>
+          <p:cNvCxnSpPr/>
+          <p:nvPr/>
+        </p:nvCxnSpPr>
+        <p:spPr>
+          <a:xfrm>
+            <a:off x="6816436" y="637303"/>
+            <a:ext cx="0" cy="540000"/>
+          </a:xfrm>
+          <a:prstGeom prst="straightConnector1">
+            <a:avLst/>
+          </a:prstGeom>
+          <a:ln>
+            <a:tailEnd type="triangle"/>
+          </a:ln>
+        </p:spPr>
+        <p:style>
+          <a:lnRef idx="1">
+            <a:schemeClr val="accent1"/>
+          </a:lnRef>
+          <a:fillRef idx="0">
+            <a:schemeClr val="accent1"/>
+          </a:fillRef>
+          <a:effectRef idx="0">
+            <a:schemeClr val="accent1"/>
+          </a:effectRef>
+          <a:fontRef idx="minor">
+            <a:schemeClr val="tx1"/>
+          </a:fontRef>
+        </p:style>
+      </p:cxnSp>
+      <p:sp>
+        <p:nvSpPr>
+          <p:cNvPr id="14" name="TextBox 13">
+            <a:extLst>
+              <a:ext uri="{FF2B5EF4-FFF2-40B4-BE49-F238E27FC236}">
+                <a16:creationId xmlns:a16="http://schemas.microsoft.com/office/drawing/2014/main" id="{A80CCAD7-44B8-A4EE-B82C-7CC3DEE0C0DD}"/>
+              </a:ext>
+            </a:extLst>
+          </p:cNvPr>
+          <p:cNvSpPr txBox="1"/>
+          <p:nvPr/>
+        </p:nvSpPr>
+        <p:spPr>
+          <a:xfrm>
+            <a:off x="7647709" y="629015"/>
+            <a:ext cx="4188775" cy="369332"/>
+          </a:xfrm>
+          <a:prstGeom prst="rect">
+            <a:avLst/>
+          </a:prstGeom>
+          <a:noFill/>
+        </p:spPr>
+        <p:txBody>
+          <a:bodyPr wrap="none" rtlCol="0">
+            <a:spAutoFit/>
+          </a:bodyPr>
+          <a:lstStyle/>
+          <a:p>
+            <a:r>
+              <a:rPr lang="en-CL" dirty="0"/>
+              <a:t>Número de bits de la codificación Huffman</a:t>
+            </a:r>
+          </a:p>
+        </p:txBody>
+      </p:sp>
+      <p:cxnSp>
+        <p:nvCxnSpPr>
+          <p:cNvPr id="15" name="Straight Arrow Connector 14">
+            <a:extLst>
+              <a:ext uri="{FF2B5EF4-FFF2-40B4-BE49-F238E27FC236}">
+                <a16:creationId xmlns:a16="http://schemas.microsoft.com/office/drawing/2014/main" id="{CB1AEED0-BE06-6F3F-8BFB-4478AEBB9629}"/>
+              </a:ext>
+            </a:extLst>
+          </p:cNvPr>
+          <p:cNvCxnSpPr/>
+          <p:nvPr/>
+        </p:nvCxnSpPr>
+        <p:spPr>
+          <a:xfrm>
+            <a:off x="7952509" y="1002813"/>
+            <a:ext cx="0" cy="216000"/>
+          </a:xfrm>
+          <a:prstGeom prst="straightConnector1">
+            <a:avLst/>
+          </a:prstGeom>
+          <a:ln>
+            <a:tailEnd type="triangle"/>
+          </a:ln>
+        </p:spPr>
+        <p:style>
+          <a:lnRef idx="1">
+            <a:schemeClr val="accent1"/>
+          </a:lnRef>
+          <a:fillRef idx="0">
+            <a:schemeClr val="accent1"/>
+          </a:fillRef>
+          <a:effectRef idx="0">
+            <a:schemeClr val="accent1"/>
+          </a:effectRef>
+          <a:fontRef idx="minor">
+            <a:schemeClr val="tx1"/>
+          </a:fontRef>
+        </p:style>
+      </p:cxnSp>
+      <p:grpSp>
+        <p:nvGrpSpPr>
+          <p:cNvPr id="24" name="Group 23">
+            <a:extLst>
+              <a:ext uri="{FF2B5EF4-FFF2-40B4-BE49-F238E27FC236}">
+                <a16:creationId xmlns:a16="http://schemas.microsoft.com/office/drawing/2014/main" id="{5E1D377B-7C0B-6273-0DC6-E8858EA12CDE}"/>
+              </a:ext>
+            </a:extLst>
+          </p:cNvPr>
+          <p:cNvGrpSpPr/>
+          <p:nvPr/>
+        </p:nvGrpSpPr>
+        <p:grpSpPr>
+          <a:xfrm>
+            <a:off x="1948333" y="3387435"/>
+            <a:ext cx="5075922" cy="2566989"/>
+            <a:chOff x="1948333" y="3387435"/>
+            <a:chExt cx="5075922" cy="2566989"/>
+          </a:xfrm>
+        </p:grpSpPr>
+        <p:sp>
+          <p:nvSpPr>
+            <p:cNvPr id="16" name="Oval 15">
+              <a:extLst>
+                <a:ext uri="{FF2B5EF4-FFF2-40B4-BE49-F238E27FC236}">
+                  <a16:creationId xmlns:a16="http://schemas.microsoft.com/office/drawing/2014/main" id="{5C57260F-F49E-3C35-3702-E36853C95B58}"/>
+                </a:ext>
+              </a:extLst>
+            </p:cNvPr>
+            <p:cNvSpPr/>
+            <p:nvPr/>
+          </p:nvSpPr>
+          <p:spPr>
+            <a:xfrm>
+              <a:off x="6622473" y="5583382"/>
+              <a:ext cx="401782" cy="371042"/>
+            </a:xfrm>
+            <a:prstGeom prst="ellipse">
+              <a:avLst/>
+            </a:prstGeom>
+            <a:noFill/>
+            <a:ln>
+              <a:solidFill>
+                <a:srgbClr val="FF0000"/>
+              </a:solidFill>
+            </a:ln>
+          </p:spPr>
+          <p:style>
+            <a:lnRef idx="2">
+              <a:schemeClr val="accent1">
+                <a:shade val="15000"/>
+              </a:schemeClr>
+            </a:lnRef>
+            <a:fillRef idx="1">
+              <a:schemeClr val="accent1"/>
+            </a:fillRef>
+            <a:effectRef idx="0">
+              <a:schemeClr val="accent1"/>
+            </a:effectRef>
+            <a:fontRef idx="minor">
+              <a:schemeClr val="lt1"/>
+            </a:fontRef>
+          </p:style>
+          <p:txBody>
+            <a:bodyPr rtlCol="0" anchor="ctr"/>
+            <a:lstStyle/>
+            <a:p>
+              <a:pPr algn="ctr"/>
+              <a:endParaRPr lang="en-CL"/>
+            </a:p>
+          </p:txBody>
+        </p:sp>
+        <p:cxnSp>
+          <p:nvCxnSpPr>
+            <p:cNvPr id="18" name="Straight Connector 17">
+              <a:extLst>
+                <a:ext uri="{FF2B5EF4-FFF2-40B4-BE49-F238E27FC236}">
+                  <a16:creationId xmlns:a16="http://schemas.microsoft.com/office/drawing/2014/main" id="{215BBAEE-EC01-43CF-F859-157D119AD6A0}"/>
+                </a:ext>
+              </a:extLst>
+            </p:cNvPr>
+            <p:cNvCxnSpPr/>
+            <p:nvPr/>
+          </p:nvCxnSpPr>
+          <p:spPr>
+            <a:xfrm>
+              <a:off x="3306079" y="3387435"/>
+              <a:ext cx="462355" cy="0"/>
+            </a:xfrm>
+            <a:prstGeom prst="line">
+              <a:avLst/>
+            </a:prstGeom>
+            <a:ln w="19050">
+              <a:solidFill>
+                <a:srgbClr val="FF0000"/>
+              </a:solidFill>
+            </a:ln>
+          </p:spPr>
+          <p:style>
+            <a:lnRef idx="1">
+              <a:schemeClr val="accent1"/>
+            </a:lnRef>
+            <a:fillRef idx="0">
+              <a:schemeClr val="accent1"/>
+            </a:fillRef>
+            <a:effectRef idx="0">
+              <a:schemeClr val="accent1"/>
+            </a:effectRef>
+            <a:fontRef idx="minor">
+              <a:schemeClr val="tx1"/>
+            </a:fontRef>
+          </p:style>
+        </p:cxnSp>
+        <p:cxnSp>
+          <p:nvCxnSpPr>
+            <p:cNvPr id="19" name="Straight Connector 18">
+              <a:extLst>
+                <a:ext uri="{FF2B5EF4-FFF2-40B4-BE49-F238E27FC236}">
+                  <a16:creationId xmlns:a16="http://schemas.microsoft.com/office/drawing/2014/main" id="{F921CDA2-FDAA-A2FB-FE19-E9375EE8C17D}"/>
+                </a:ext>
+              </a:extLst>
+            </p:cNvPr>
+            <p:cNvCxnSpPr>
+              <a:cxnSpLocks/>
+            </p:cNvCxnSpPr>
+            <p:nvPr/>
+          </p:nvCxnSpPr>
+          <p:spPr>
+            <a:xfrm>
+              <a:off x="1948333" y="3656885"/>
+              <a:ext cx="850285" cy="0"/>
+            </a:xfrm>
+            <a:prstGeom prst="line">
+              <a:avLst/>
+            </a:prstGeom>
+            <a:ln w="19050">
+              <a:solidFill>
+                <a:srgbClr val="FF0000"/>
+              </a:solidFill>
+            </a:ln>
+          </p:spPr>
+          <p:style>
+            <a:lnRef idx="1">
+              <a:schemeClr val="accent1"/>
+            </a:lnRef>
+            <a:fillRef idx="0">
+              <a:schemeClr val="accent1"/>
+            </a:fillRef>
+            <a:effectRef idx="0">
+              <a:schemeClr val="accent1"/>
+            </a:effectRef>
+            <a:fontRef idx="minor">
+              <a:schemeClr val="tx1"/>
+            </a:fontRef>
+          </p:style>
+        </p:cxnSp>
+      </p:grpSp>
+      <p:grpSp>
+        <p:nvGrpSpPr>
+          <p:cNvPr id="23" name="Group 22">
+            <a:extLst>
+              <a:ext uri="{FF2B5EF4-FFF2-40B4-BE49-F238E27FC236}">
+                <a16:creationId xmlns:a16="http://schemas.microsoft.com/office/drawing/2014/main" id="{7F350F0A-4188-C99F-2BE7-0D825C14506F}"/>
+              </a:ext>
+            </a:extLst>
+          </p:cNvPr>
+          <p:cNvGrpSpPr/>
+          <p:nvPr/>
+        </p:nvGrpSpPr>
+        <p:grpSpPr>
+          <a:xfrm>
+            <a:off x="2854049" y="3089555"/>
+            <a:ext cx="6580901" cy="2629341"/>
+            <a:chOff x="2854049" y="3089555"/>
+            <a:chExt cx="6580901" cy="2629341"/>
+          </a:xfrm>
+        </p:grpSpPr>
+        <p:sp>
+          <p:nvSpPr>
+            <p:cNvPr id="21" name="Oval 20">
+              <a:extLst>
+                <a:ext uri="{FF2B5EF4-FFF2-40B4-BE49-F238E27FC236}">
+                  <a16:creationId xmlns:a16="http://schemas.microsoft.com/office/drawing/2014/main" id="{076F6538-3EFE-2B87-CB0E-52B888FC28C8}"/>
+                </a:ext>
+              </a:extLst>
+            </p:cNvPr>
+            <p:cNvSpPr/>
+            <p:nvPr/>
+          </p:nvSpPr>
+          <p:spPr>
+            <a:xfrm>
+              <a:off x="9033168" y="5347854"/>
+              <a:ext cx="401782" cy="371042"/>
+            </a:xfrm>
+            <a:prstGeom prst="ellipse">
+              <a:avLst/>
+            </a:prstGeom>
+            <a:noFill/>
+            <a:ln>
+              <a:solidFill>
+                <a:srgbClr val="00B050"/>
+              </a:solidFill>
+            </a:ln>
+          </p:spPr>
+          <p:style>
+            <a:lnRef idx="2">
+              <a:schemeClr val="accent1">
+                <a:shade val="15000"/>
+              </a:schemeClr>
+            </a:lnRef>
+            <a:fillRef idx="1">
+              <a:schemeClr val="accent1"/>
+            </a:fillRef>
+            <a:effectRef idx="0">
+              <a:schemeClr val="accent1"/>
+            </a:effectRef>
+            <a:fontRef idx="minor">
+              <a:schemeClr val="lt1"/>
+            </a:fontRef>
+          </p:style>
+          <p:txBody>
+            <a:bodyPr rtlCol="0" anchor="ctr"/>
+            <a:lstStyle/>
+            <a:p>
+              <a:pPr algn="ctr"/>
+              <a:endParaRPr lang="en-CL"/>
+            </a:p>
+          </p:txBody>
+        </p:sp>
+        <p:sp>
+          <p:nvSpPr>
+            <p:cNvPr id="22" name="Oval 21">
+              <a:extLst>
+                <a:ext uri="{FF2B5EF4-FFF2-40B4-BE49-F238E27FC236}">
+                  <a16:creationId xmlns:a16="http://schemas.microsoft.com/office/drawing/2014/main" id="{32730C03-064D-E868-4DC2-E007CE5D3BBB}"/>
+                </a:ext>
+              </a:extLst>
+            </p:cNvPr>
+            <p:cNvSpPr/>
+            <p:nvPr/>
+          </p:nvSpPr>
+          <p:spPr>
+            <a:xfrm>
+              <a:off x="2854049" y="3089555"/>
+              <a:ext cx="401782" cy="371042"/>
+            </a:xfrm>
+            <a:prstGeom prst="ellipse">
+              <a:avLst/>
+            </a:prstGeom>
+            <a:noFill/>
+            <a:ln>
+              <a:solidFill>
+                <a:srgbClr val="00B050"/>
+              </a:solidFill>
+            </a:ln>
+          </p:spPr>
+          <p:style>
+            <a:lnRef idx="2">
+              <a:schemeClr val="accent1">
+                <a:shade val="15000"/>
+              </a:schemeClr>
+            </a:lnRef>
+            <a:fillRef idx="1">
+              <a:schemeClr val="accent1"/>
+            </a:fillRef>
+            <a:effectRef idx="0">
+              <a:schemeClr val="accent1"/>
+            </a:effectRef>
+            <a:fontRef idx="minor">
+              <a:schemeClr val="lt1"/>
+            </a:fontRef>
+          </p:style>
+          <p:txBody>
+            <a:bodyPr rtlCol="0" anchor="ctr"/>
+            <a:lstStyle/>
+            <a:p>
+              <a:pPr algn="ctr"/>
+              <a:endParaRPr lang="en-CL"/>
+            </a:p>
+          </p:txBody>
+        </p:sp>
+      </p:grpSp>
+    </p:spTree>
+    <p:extLst>
+      <p:ext uri="{BB962C8B-B14F-4D97-AF65-F5344CB8AC3E}">
+        <p14:creationId xmlns:p14="http://schemas.microsoft.com/office/powerpoint/2010/main" val="126466878"/>
+      </p:ext>
+    </p:extLst>
+  </p:cSld>
+  <p:clrMapOvr>
+    <a:masterClrMapping/>
+  </p:clrMapOvr>
+  <mc:AlternateContent xmlns:mc="http://schemas.openxmlformats.org/markup-compatibility/2006">
+    <mc:Choice xmlns:p159="http://schemas.microsoft.com/office/powerpoint/2015/09/main" Requires="p159">
+      <p:transition xmlns:p14="http://schemas.microsoft.com/office/powerpoint/2010/main" spd="slow" p14:dur="2000">
+        <p159:morph option="byObject"/>
+      </p:transition>
+    </mc:Choice>
+    <mc:Fallback>
+      <p:transition spd="slow">
+        <p:fade/>
+      </p:transition>
+    </mc:Fallback>
+  </mc:AlternateContent>
+  <p:timing>
+    <p:tnLst>
+      <p:par>
+        <p:cTn id="1" dur="indefinite" restart="never" nodeType="tmRoot">
+          <p:childTnLst>
+            <p:seq concurrent="1" nextAc="seek">
+              <p:cTn id="2" dur="indefinite" nodeType="mainSeq">
+                <p:childTnLst>
+                  <p:par>
+                    <p:cTn id="3" fill="hold">
+                      <p:stCondLst>
+                        <p:cond delay="indefinite"/>
+                      </p:stCondLst>
+                      <p:childTnLst>
+                        <p:par>
+                          <p:cTn id="4" fill="hold">
+                            <p:stCondLst>
+                              <p:cond delay="0"/>
+                            </p:stCondLst>
+                            <p:childTnLst>
+                              <p:par>
+                                <p:cTn id="5" presetID="1" presetClass="entr" presetSubtype="0" fill="hold" nodeType="clickEffect">
+                                  <p:stCondLst>
+                                    <p:cond delay="0"/>
+                                  </p:stCondLst>
+                                  <p:childTnLst>
+                                    <p:set>
+                                      <p:cBhvr>
+                                        <p:cTn id="6" dur="1" fill="hold">
+                                          <p:stCondLst>
+                                            <p:cond delay="0"/>
+                                          </p:stCondLst>
+                                        </p:cTn>
+                                        <p:tgtEl>
+                                          <p:spTgt spid="23"/>
+                                        </p:tgtEl>
+                                        <p:attrNameLst>
+                                          <p:attrName>style.visibility</p:attrName>
+                                        </p:attrNameLst>
+                                      </p:cBhvr>
+                                      <p:to>
+                                        <p:strVal val="visible"/>
+                                      </p:to>
+                                    </p:set>
+                                  </p:childTnLst>
+                                </p:cTn>
+                              </p:par>
+                            </p:childTnLst>
+                          </p:cTn>
+                        </p:par>
+                      </p:childTnLst>
+                    </p:cTn>
+                  </p:par>
+                  <p:par>
+                    <p:cTn id="7" fill="hold">
+                      <p:stCondLst>
+                        <p:cond delay="indefinite"/>
+                      </p:stCondLst>
+                      <p:childTnLst>
+                        <p:par>
+                          <p:cTn id="8" fill="hold">
+                            <p:stCondLst>
+                              <p:cond delay="0"/>
+                            </p:stCondLst>
+                            <p:childTnLst>
+                              <p:par>
+                                <p:cTn id="9" presetID="1" presetClass="entr" presetSubtype="0" fill="hold" nodeType="clickEffect">
+                                  <p:stCondLst>
+                                    <p:cond delay="0"/>
+                                  </p:stCondLst>
+                                  <p:childTnLst>
+                                    <p:set>
+                                      <p:cBhvr>
+                                        <p:cTn id="10" dur="1" fill="hold">
+                                          <p:stCondLst>
+                                            <p:cond delay="0"/>
+                                          </p:stCondLst>
+                                        </p:cTn>
+                                        <p:tgtEl>
+                                          <p:spTgt spid="24"/>
+                                        </p:tgtEl>
+                                        <p:attrNameLst>
+                                          <p:attrName>style.visibility</p:attrName>
+                                        </p:attrNameLst>
+                                      </p:cBhvr>
+                                      <p:to>
+                                        <p:strVal val="visible"/>
+                                      </p:to>
+                                    </p:set>
+                                  </p:childTnLst>
+                                </p:cTn>
+                              </p:par>
+                            </p:childTnLst>
+                          </p:cTn>
+                        </p:par>
+                      </p:childTnLst>
+                    </p:cTn>
+                  </p:par>
+                </p:childTnLst>
+              </p:cTn>
+              <p:prevCondLst>
+                <p:cond evt="onPrev" delay="0">
+                  <p:tgtEl>
+                    <p:sldTgt/>
+                  </p:tgtEl>
+                </p:cond>
+              </p:prevCondLst>
+              <p:nextCondLst>
+                <p:cond evt="onNext" delay="0">
+                  <p:tgtEl>
+                    <p:sldTgt/>
+                  </p:tgtEl>
+                </p:cond>
+              </p:nextCondLst>
+            </p:seq>
+          </p:childTnLst>
+        </p:cTn>
+      </p:par>
+    </p:tnLst>
+  </p:timing>
+</p:sld>
+</file>
+
+<file path=ppt/slides/slide42.xml><?xml version="1.0" encoding="utf-8"?>
 <p:sld xmlns:a="http://schemas.openxmlformats.org/drawingml/2006/main" xmlns:r="http://schemas.openxmlformats.org/officeDocument/2006/relationships" xmlns:p="http://schemas.openxmlformats.org/presentationml/2006/main">
   <p:cSld>
     <p:spTree>

--- a/clases/Cap04_Sistemas_Lineales/presentations/IMG04_TransformadaDCT.pptx
+++ b/clases/Cap04_Sistemas_Lineales/presentations/IMG04_TransformadaDCT.pptx
@@ -5,7 +5,7 @@
     <p:sldMasterId id="2147483648" r:id="rId1"/>
   </p:sldMasterIdLst>
   <p:notesMasterIdLst>
-    <p:notesMasterId r:id="rId44"/>
+    <p:notesMasterId r:id="rId45"/>
   </p:notesMasterIdLst>
   <p:sldIdLst>
     <p:sldId id="368" r:id="rId2"/>
@@ -48,8 +48,9 @@
     <p:sldId id="392" r:id="rId39"/>
     <p:sldId id="387" r:id="rId40"/>
     <p:sldId id="394" r:id="rId41"/>
-    <p:sldId id="395" r:id="rId42"/>
-    <p:sldId id="367" r:id="rId43"/>
+    <p:sldId id="397" r:id="rId42"/>
+    <p:sldId id="395" r:id="rId43"/>
+    <p:sldId id="367" r:id="rId44"/>
   </p:sldIdLst>
   <p:sldSz cx="12192000" cy="6858000"/>
   <p:notesSz cx="6858000" cy="9144000"/>
@@ -238,7 +239,7 @@
           <a:p>
             <a:fld id="{73374526-E489-9040-BC8D-0EF8BCD5C226}" type="datetimeFigureOut">
               <a:rPr lang="en-US" smtClean="0"/>
-              <a:t>10/15/24</a:t>
+              <a:t>10/9/25</a:t>
             </a:fld>
             <a:endParaRPr lang="en-US"/>
           </a:p>
@@ -748,7 +749,7 @@
           <a:p>
             <a:fld id="{30CE4D77-8EC7-0743-8304-7459B6842D56}" type="datetimeFigureOut">
               <a:rPr lang="en-US" smtClean="0"/>
-              <a:t>10/15/24</a:t>
+              <a:t>10/9/25</a:t>
             </a:fld>
             <a:endParaRPr lang="en-US"/>
           </a:p>
@@ -948,7 +949,7 @@
           <a:p>
             <a:fld id="{30CE4D77-8EC7-0743-8304-7459B6842D56}" type="datetimeFigureOut">
               <a:rPr lang="en-US" smtClean="0"/>
-              <a:t>10/15/24</a:t>
+              <a:t>10/9/25</a:t>
             </a:fld>
             <a:endParaRPr lang="en-US"/>
           </a:p>
@@ -1158,7 +1159,7 @@
           <a:p>
             <a:fld id="{30CE4D77-8EC7-0743-8304-7459B6842D56}" type="datetimeFigureOut">
               <a:rPr lang="en-US" smtClean="0"/>
-              <a:t>10/15/24</a:t>
+              <a:t>10/9/25</a:t>
             </a:fld>
             <a:endParaRPr lang="en-US"/>
           </a:p>
@@ -1358,7 +1359,7 @@
           <a:p>
             <a:fld id="{30CE4D77-8EC7-0743-8304-7459B6842D56}" type="datetimeFigureOut">
               <a:rPr lang="en-US" smtClean="0"/>
-              <a:t>10/15/24</a:t>
+              <a:t>10/9/25</a:t>
             </a:fld>
             <a:endParaRPr lang="en-US"/>
           </a:p>
@@ -1634,7 +1635,7 @@
           <a:p>
             <a:fld id="{30CE4D77-8EC7-0743-8304-7459B6842D56}" type="datetimeFigureOut">
               <a:rPr lang="en-US" smtClean="0"/>
-              <a:t>10/15/24</a:t>
+              <a:t>10/9/25</a:t>
             </a:fld>
             <a:endParaRPr lang="en-US"/>
           </a:p>
@@ -1902,7 +1903,7 @@
           <a:p>
             <a:fld id="{30CE4D77-8EC7-0743-8304-7459B6842D56}" type="datetimeFigureOut">
               <a:rPr lang="en-US" smtClean="0"/>
-              <a:t>10/15/24</a:t>
+              <a:t>10/9/25</a:t>
             </a:fld>
             <a:endParaRPr lang="en-US"/>
           </a:p>
@@ -2317,7 +2318,7 @@
           <a:p>
             <a:fld id="{30CE4D77-8EC7-0743-8304-7459B6842D56}" type="datetimeFigureOut">
               <a:rPr lang="en-US" smtClean="0"/>
-              <a:t>10/15/24</a:t>
+              <a:t>10/9/25</a:t>
             </a:fld>
             <a:endParaRPr lang="en-US"/>
           </a:p>
@@ -2459,7 +2460,7 @@
           <a:p>
             <a:fld id="{30CE4D77-8EC7-0743-8304-7459B6842D56}" type="datetimeFigureOut">
               <a:rPr lang="en-US" smtClean="0"/>
-              <a:t>10/15/24</a:t>
+              <a:t>10/9/25</a:t>
             </a:fld>
             <a:endParaRPr lang="en-US"/>
           </a:p>
@@ -2572,7 +2573,7 @@
           <a:p>
             <a:fld id="{30CE4D77-8EC7-0743-8304-7459B6842D56}" type="datetimeFigureOut">
               <a:rPr lang="en-US" smtClean="0"/>
-              <a:t>10/15/24</a:t>
+              <a:t>10/9/25</a:t>
             </a:fld>
             <a:endParaRPr lang="en-US"/>
           </a:p>
@@ -2885,7 +2886,7 @@
           <a:p>
             <a:fld id="{30CE4D77-8EC7-0743-8304-7459B6842D56}" type="datetimeFigureOut">
               <a:rPr lang="en-US" smtClean="0"/>
-              <a:t>10/15/24</a:t>
+              <a:t>10/9/25</a:t>
             </a:fld>
             <a:endParaRPr lang="en-US"/>
           </a:p>
@@ -3174,7 +3175,7 @@
           <a:p>
             <a:fld id="{30CE4D77-8EC7-0743-8304-7459B6842D56}" type="datetimeFigureOut">
               <a:rPr lang="en-US" smtClean="0"/>
-              <a:t>10/15/24</a:t>
+              <a:t>10/9/25</a:t>
             </a:fld>
             <a:endParaRPr lang="en-US"/>
           </a:p>
@@ -3417,7 +3418,7 @@
           <a:p>
             <a:fld id="{30CE4D77-8EC7-0743-8304-7459B6842D56}" type="datetimeFigureOut">
               <a:rPr lang="en-US" smtClean="0"/>
-              <a:t>10/15/24</a:t>
+              <a:t>10/9/25</a:t>
             </a:fld>
             <a:endParaRPr lang="en-US"/>
           </a:p>
@@ -28314,7 +28315,7 @@
               <a:rPr lang="en-US" dirty="0">
                 <a:latin typeface="+mn-lt"/>
               </a:rPr>
-              <a:t>5. Huffman encoding</a:t>
+              <a:t>5. Huffman encoding + Run Length Encoding</a:t>
             </a:r>
           </a:p>
         </p:txBody>
@@ -28607,82 +28608,6 @@
       </p:sp>
       <p:sp>
         <p:nvSpPr>
-          <p:cNvPr id="11" name="Right Arrow 10">
-            <a:extLst>
-              <a:ext uri="{FF2B5EF4-FFF2-40B4-BE49-F238E27FC236}">
-                <a16:creationId xmlns:a16="http://schemas.microsoft.com/office/drawing/2014/main" id="{2B1990ED-EB09-02EC-1FD3-C112903D3855}"/>
-              </a:ext>
-            </a:extLst>
-          </p:cNvPr>
-          <p:cNvSpPr/>
-          <p:nvPr/>
-        </p:nvSpPr>
-        <p:spPr>
-          <a:xfrm>
-            <a:off x="10499602" y="3263134"/>
-            <a:ext cx="390418" cy="331342"/>
-          </a:xfrm>
-          <a:prstGeom prst="rightArrow">
-            <a:avLst/>
-          </a:prstGeom>
-        </p:spPr>
-        <p:style>
-          <a:lnRef idx="2">
-            <a:schemeClr val="accent1">
-              <a:shade val="15000"/>
-            </a:schemeClr>
-          </a:lnRef>
-          <a:fillRef idx="1">
-            <a:schemeClr val="accent1"/>
-          </a:fillRef>
-          <a:effectRef idx="0">
-            <a:schemeClr val="accent1"/>
-          </a:effectRef>
-          <a:fontRef idx="minor">
-            <a:schemeClr val="lt1"/>
-          </a:fontRef>
-        </p:style>
-        <p:txBody>
-          <a:bodyPr rtlCol="0" anchor="ctr"/>
-          <a:lstStyle/>
-          <a:p>
-            <a:pPr algn="ctr"/>
-            <a:endParaRPr lang="en-CL"/>
-          </a:p>
-        </p:txBody>
-      </p:sp>
-      <p:pic>
-        <p:nvPicPr>
-          <p:cNvPr id="12" name="Picture 11" descr="A diagram of numbers and symbols&#10;&#10;Description automatically generated">
-            <a:extLst>
-              <a:ext uri="{FF2B5EF4-FFF2-40B4-BE49-F238E27FC236}">
-                <a16:creationId xmlns:a16="http://schemas.microsoft.com/office/drawing/2014/main" id="{F5580805-4DAE-7A1A-6F0A-8B27EDAF70D5}"/>
-              </a:ext>
-            </a:extLst>
-          </p:cNvPr>
-          <p:cNvPicPr>
-            <a:picLocks noChangeAspect="1"/>
-          </p:cNvPicPr>
-          <p:nvPr/>
-        </p:nvPicPr>
-        <p:blipFill>
-          <a:blip r:embed="rId3"/>
-          <a:stretch>
-            <a:fillRect/>
-          </a:stretch>
-        </p:blipFill>
-        <p:spPr>
-          <a:xfrm>
-            <a:off x="6247940" y="571500"/>
-            <a:ext cx="4178300" cy="5715000"/>
-          </a:xfrm>
-          <a:prstGeom prst="rect">
-            <a:avLst/>
-          </a:prstGeom>
-        </p:spPr>
-      </p:pic>
-      <p:sp>
-        <p:nvSpPr>
           <p:cNvPr id="14" name="TextBox 13">
             <a:extLst>
               <a:ext uri="{FF2B5EF4-FFF2-40B4-BE49-F238E27FC236}">
@@ -28734,6 +28659,401 @@
               <a:t> zig-zag</a:t>
             </a:r>
             <a:endParaRPr lang="en-CL" dirty="0"/>
+          </a:p>
+        </p:txBody>
+      </p:sp>
+      <p:sp>
+        <p:nvSpPr>
+          <p:cNvPr id="3" name="TextBox 2">
+            <a:extLst>
+              <a:ext uri="{FF2B5EF4-FFF2-40B4-BE49-F238E27FC236}">
+                <a16:creationId xmlns:a16="http://schemas.microsoft.com/office/drawing/2014/main" id="{CF9C5F21-525E-FC93-520C-78334D1A23AD}"/>
+              </a:ext>
+            </a:extLst>
+          </p:cNvPr>
+          <p:cNvSpPr txBox="1"/>
+          <p:nvPr/>
+        </p:nvSpPr>
+        <p:spPr>
+          <a:xfrm>
+            <a:off x="6331354" y="2172076"/>
+            <a:ext cx="5509548" cy="3970318"/>
+          </a:xfrm>
+          <a:prstGeom prst="rect">
+            <a:avLst/>
+          </a:prstGeom>
+          <a:noFill/>
+        </p:spPr>
+        <p:txBody>
+          <a:bodyPr wrap="square" rtlCol="0">
+            <a:spAutoFit/>
+          </a:bodyPr>
+          <a:lstStyle/>
+          <a:p>
+            <a:r>
+              <a:rPr lang="en-US" dirty="0"/>
+              <a:t>La </a:t>
+            </a:r>
+            <a:r>
+              <a:rPr lang="en-US" dirty="0" err="1"/>
+              <a:t>codificación</a:t>
+            </a:r>
+            <a:r>
+              <a:rPr lang="en-US" dirty="0"/>
+              <a:t> </a:t>
+            </a:r>
+            <a:r>
+              <a:rPr lang="en-US" dirty="0" err="1"/>
+              <a:t>por</a:t>
+            </a:r>
+            <a:r>
+              <a:rPr lang="en-US" dirty="0"/>
+              <a:t> </a:t>
+            </a:r>
+            <a:r>
+              <a:rPr lang="en-US" dirty="0" err="1"/>
+              <a:t>longitud</a:t>
+            </a:r>
+            <a:r>
+              <a:rPr lang="en-US" dirty="0"/>
+              <a:t> de </a:t>
+            </a:r>
+            <a:r>
+              <a:rPr lang="en-US" dirty="0" err="1"/>
+              <a:t>serie</a:t>
+            </a:r>
+            <a:r>
+              <a:rPr lang="en-US" dirty="0"/>
+              <a:t> (RLE) es </a:t>
+            </a:r>
+            <a:r>
+              <a:rPr lang="en-US" dirty="0" err="1"/>
+              <a:t>una</a:t>
+            </a:r>
+            <a:r>
+              <a:rPr lang="en-US" dirty="0"/>
+              <a:t> </a:t>
+            </a:r>
+            <a:r>
+              <a:rPr lang="en-US" dirty="0" err="1"/>
+              <a:t>técnica</a:t>
+            </a:r>
+            <a:r>
+              <a:rPr lang="en-US" dirty="0"/>
+              <a:t> de </a:t>
+            </a:r>
+            <a:r>
+              <a:rPr lang="en-US" dirty="0" err="1"/>
+              <a:t>compresión</a:t>
+            </a:r>
+            <a:r>
+              <a:rPr lang="en-US" dirty="0"/>
+              <a:t> de </a:t>
+            </a:r>
+            <a:r>
+              <a:rPr lang="en-US" dirty="0" err="1"/>
+              <a:t>datos</a:t>
+            </a:r>
+            <a:r>
+              <a:rPr lang="en-US" dirty="0"/>
+              <a:t> </a:t>
+            </a:r>
+            <a:r>
+              <a:rPr lang="en-US" dirty="0" err="1"/>
+              <a:t>sencilla</a:t>
+            </a:r>
+            <a:r>
+              <a:rPr lang="en-US" dirty="0"/>
+              <a:t> y sin </a:t>
+            </a:r>
+            <a:r>
+              <a:rPr lang="en-US" dirty="0" err="1"/>
+              <a:t>pérdidas</a:t>
+            </a:r>
+            <a:r>
+              <a:rPr lang="en-US" dirty="0"/>
+              <a:t> </a:t>
+            </a:r>
+            <a:r>
+              <a:rPr lang="en-US" dirty="0" err="1"/>
+              <a:t>que</a:t>
+            </a:r>
+            <a:r>
+              <a:rPr lang="en-US" dirty="0"/>
+              <a:t> reduce </a:t>
+            </a:r>
+            <a:r>
+              <a:rPr lang="en-US" dirty="0" err="1"/>
+              <a:t>el</a:t>
+            </a:r>
+            <a:r>
+              <a:rPr lang="en-US" dirty="0"/>
+              <a:t> </a:t>
+            </a:r>
+            <a:r>
+              <a:rPr lang="en-US" dirty="0" err="1"/>
+              <a:t>tamaño</a:t>
+            </a:r>
+            <a:r>
+              <a:rPr lang="en-US" dirty="0"/>
+              <a:t> de </a:t>
+            </a:r>
+            <a:r>
+              <a:rPr lang="en-US" dirty="0" err="1"/>
+              <a:t>los</a:t>
+            </a:r>
+            <a:r>
+              <a:rPr lang="en-US" dirty="0"/>
+              <a:t> </a:t>
+            </a:r>
+            <a:r>
+              <a:rPr lang="en-US" dirty="0" err="1"/>
+              <a:t>datos</a:t>
+            </a:r>
+            <a:r>
+              <a:rPr lang="en-US" dirty="0"/>
+              <a:t> </a:t>
+            </a:r>
+            <a:r>
+              <a:rPr lang="en-US" dirty="0" err="1"/>
+              <a:t>sustituyendo</a:t>
+            </a:r>
+            <a:r>
+              <a:rPr lang="en-US" dirty="0"/>
+              <a:t> las </a:t>
+            </a:r>
+            <a:r>
+              <a:rPr lang="en-US" dirty="0" err="1"/>
+              <a:t>apariciones</a:t>
+            </a:r>
+            <a:r>
+              <a:rPr lang="en-US" dirty="0"/>
+              <a:t> </a:t>
+            </a:r>
+            <a:r>
+              <a:rPr lang="en-US" dirty="0" err="1"/>
+              <a:t>consecutivas</a:t>
+            </a:r>
+            <a:r>
+              <a:rPr lang="en-US" dirty="0"/>
+              <a:t> del </a:t>
+            </a:r>
+            <a:r>
+              <a:rPr lang="en-US" dirty="0" err="1"/>
+              <a:t>mismo</a:t>
+            </a:r>
+            <a:r>
+              <a:rPr lang="en-US" dirty="0"/>
+              <a:t> valor de </a:t>
+            </a:r>
+            <a:r>
+              <a:rPr lang="en-US" dirty="0" err="1"/>
+              <a:t>datos</a:t>
+            </a:r>
+            <a:r>
+              <a:rPr lang="en-US" dirty="0"/>
+              <a:t> </a:t>
+            </a:r>
+            <a:r>
+              <a:rPr lang="en-US" dirty="0" err="1"/>
+              <a:t>por</a:t>
+            </a:r>
+            <a:r>
+              <a:rPr lang="en-US" dirty="0"/>
+              <a:t> un </a:t>
+            </a:r>
+            <a:r>
+              <a:rPr lang="en-US" dirty="0" err="1"/>
+              <a:t>único</a:t>
+            </a:r>
+            <a:r>
+              <a:rPr lang="en-US" dirty="0"/>
+              <a:t> valor y </a:t>
+            </a:r>
+            <a:r>
+              <a:rPr lang="en-US" dirty="0" err="1"/>
+              <a:t>su</a:t>
+            </a:r>
+            <a:r>
+              <a:rPr lang="en-US" dirty="0"/>
+              <a:t> </a:t>
+            </a:r>
+            <a:r>
+              <a:rPr lang="en-US" dirty="0" err="1"/>
+              <a:t>recuento</a:t>
+            </a:r>
+            <a:r>
+              <a:rPr lang="en-US" dirty="0"/>
+              <a:t>. Por </a:t>
+            </a:r>
+            <a:r>
+              <a:rPr lang="en-US" dirty="0" err="1"/>
+              <a:t>ejemplo</a:t>
+            </a:r>
+            <a:r>
+              <a:rPr lang="en-US" dirty="0"/>
+              <a:t>, la </a:t>
+            </a:r>
+            <a:r>
+              <a:rPr lang="en-US" dirty="0" err="1"/>
+              <a:t>secuencia</a:t>
+            </a:r>
+            <a:r>
+              <a:rPr lang="en-US" dirty="0"/>
+              <a:t> «AAAAAAAAAA» se </a:t>
+            </a:r>
+            <a:r>
+              <a:rPr lang="en-US" dirty="0" err="1"/>
+              <a:t>codificaría</a:t>
+            </a:r>
+            <a:r>
+              <a:rPr lang="en-US" dirty="0"/>
+              <a:t> </a:t>
+            </a:r>
+            <a:r>
+              <a:rPr lang="en-US" dirty="0" err="1"/>
+              <a:t>como</a:t>
+            </a:r>
+            <a:r>
+              <a:rPr lang="en-US" dirty="0"/>
+              <a:t> «10A», lo </a:t>
+            </a:r>
+            <a:r>
+              <a:rPr lang="en-US" dirty="0" err="1"/>
+              <a:t>que</a:t>
+            </a:r>
+            <a:r>
+              <a:rPr lang="en-US" dirty="0"/>
+              <a:t> la </a:t>
+            </a:r>
+            <a:r>
+              <a:rPr lang="en-US" dirty="0" err="1"/>
+              <a:t>hace</a:t>
+            </a:r>
+            <a:r>
+              <a:rPr lang="en-US" dirty="0"/>
+              <a:t> </a:t>
+            </a:r>
+            <a:r>
+              <a:rPr lang="en-US" dirty="0" err="1"/>
+              <a:t>eficaz</a:t>
+            </a:r>
+            <a:r>
+              <a:rPr lang="en-US" dirty="0"/>
+              <a:t> para </a:t>
+            </a:r>
+            <a:r>
+              <a:rPr lang="en-US" dirty="0" err="1"/>
+              <a:t>archivos</a:t>
+            </a:r>
+            <a:r>
+              <a:rPr lang="en-US" dirty="0"/>
+              <a:t> con </a:t>
+            </a:r>
+            <a:r>
+              <a:rPr lang="en-US" dirty="0" err="1"/>
+              <a:t>grandes</a:t>
+            </a:r>
+            <a:r>
+              <a:rPr lang="en-US" dirty="0"/>
+              <a:t> </a:t>
+            </a:r>
+            <a:r>
+              <a:rPr lang="en-US" dirty="0" err="1"/>
+              <a:t>áreas</a:t>
+            </a:r>
+            <a:r>
+              <a:rPr lang="en-US" dirty="0"/>
+              <a:t> de color </a:t>
+            </a:r>
+            <a:r>
+              <a:rPr lang="en-US" dirty="0" err="1"/>
+              <a:t>uniforme</a:t>
+            </a:r>
+            <a:r>
+              <a:rPr lang="en-US" dirty="0"/>
+              <a:t> o </a:t>
+            </a:r>
+            <a:r>
+              <a:rPr lang="en-US" dirty="0" err="1"/>
+              <a:t>caracteres</a:t>
+            </a:r>
+            <a:r>
+              <a:rPr lang="en-US" dirty="0"/>
+              <a:t> </a:t>
+            </a:r>
+            <a:r>
+              <a:rPr lang="en-US" dirty="0" err="1"/>
+              <a:t>repetidos</a:t>
+            </a:r>
+            <a:r>
+              <a:rPr lang="en-US" dirty="0"/>
+              <a:t>, </a:t>
+            </a:r>
+            <a:r>
+              <a:rPr lang="en-US" dirty="0" err="1"/>
+              <a:t>como</a:t>
+            </a:r>
+            <a:r>
+              <a:rPr lang="en-US" dirty="0"/>
+              <a:t> </a:t>
+            </a:r>
+            <a:r>
+              <a:rPr lang="en-US" dirty="0" err="1"/>
+              <a:t>archivos</a:t>
+            </a:r>
+            <a:r>
+              <a:rPr lang="en-US" dirty="0"/>
+              <a:t> de imagen </a:t>
+            </a:r>
+            <a:r>
+              <a:rPr lang="en-US" dirty="0" err="1"/>
+              <a:t>básicos</a:t>
+            </a:r>
+            <a:r>
+              <a:rPr lang="en-US" dirty="0"/>
+              <a:t> o </a:t>
+            </a:r>
+            <a:r>
+              <a:rPr lang="en-US" dirty="0" err="1"/>
+              <a:t>documentos</a:t>
+            </a:r>
+            <a:r>
+              <a:rPr lang="en-US" dirty="0"/>
+              <a:t>.  </a:t>
+            </a:r>
+          </a:p>
+          <a:p>
+            <a:endParaRPr lang="en-US" dirty="0"/>
+          </a:p>
+          <a:p>
+            <a:r>
+              <a:rPr lang="en-US" dirty="0" err="1"/>
+              <a:t>Ejemplo</a:t>
+            </a:r>
+            <a:r>
+              <a:rPr lang="en-US" dirty="0"/>
+              <a:t>: </a:t>
+            </a:r>
+          </a:p>
+          <a:p>
+            <a:endParaRPr lang="en-US" dirty="0"/>
+          </a:p>
+          <a:p>
+            <a:r>
+              <a:rPr lang="en-US" dirty="0"/>
+              <a:t>Data Original  	:  AAABBBBBCCDAAA</a:t>
+            </a:r>
+          </a:p>
+          <a:p>
+            <a:r>
+              <a:rPr lang="en-US" dirty="0" err="1"/>
+              <a:t>Codificación</a:t>
+            </a:r>
+            <a:r>
+              <a:rPr lang="en-US" dirty="0"/>
+              <a:t> RLE	: 3A5B2C1D3A</a:t>
+            </a:r>
           </a:p>
         </p:txBody>
       </p:sp>
@@ -28893,7 +29213,7 @@
                             </p:stCondLst>
                             <p:childTnLst>
                               <p:par>
-                                <p:cTn id="16" presetID="1" presetClass="entr" presetSubtype="0" fill="hold" nodeType="clickEffect">
+                                <p:cTn id="16" presetID="1" presetClass="entr" presetSubtype="0" fill="hold" grpId="0" nodeType="clickEffect">
                                   <p:stCondLst>
                                     <p:cond delay="0"/>
                                   </p:stCondLst>
@@ -28901,6 +29221,653 @@
                                     <p:set>
                                       <p:cBhvr>
                                         <p:cTn id="17" dur="1" fill="hold">
+                                          <p:stCondLst>
+                                            <p:cond delay="0"/>
+                                          </p:stCondLst>
+                                        </p:cTn>
+                                        <p:tgtEl>
+                                          <p:spTgt spid="3"/>
+                                        </p:tgtEl>
+                                        <p:attrNameLst>
+                                          <p:attrName>style.visibility</p:attrName>
+                                        </p:attrNameLst>
+                                      </p:cBhvr>
+                                      <p:to>
+                                        <p:strVal val="visible"/>
+                                      </p:to>
+                                    </p:set>
+                                  </p:childTnLst>
+                                </p:cTn>
+                              </p:par>
+                            </p:childTnLst>
+                          </p:cTn>
+                        </p:par>
+                      </p:childTnLst>
+                    </p:cTn>
+                  </p:par>
+                </p:childTnLst>
+              </p:cTn>
+              <p:prevCondLst>
+                <p:cond evt="onPrev" delay="0">
+                  <p:tgtEl>
+                    <p:sldTgt/>
+                  </p:tgtEl>
+                </p:cond>
+              </p:prevCondLst>
+              <p:nextCondLst>
+                <p:cond evt="onNext" delay="0">
+                  <p:tgtEl>
+                    <p:sldTgt/>
+                  </p:tgtEl>
+                </p:cond>
+              </p:nextCondLst>
+            </p:seq>
+          </p:childTnLst>
+        </p:cTn>
+      </p:par>
+    </p:tnLst>
+    <p:bldLst>
+      <p:bldP spid="7" grpId="1" animBg="1"/>
+      <p:bldP spid="14" grpId="0"/>
+      <p:bldP spid="3" grpId="0"/>
+    </p:bldLst>
+  </p:timing>
+</p:sld>
+</file>
+
+<file path=ppt/slides/slide41.xml><?xml version="1.0" encoding="utf-8"?>
+<p:sld xmlns:a="http://schemas.openxmlformats.org/drawingml/2006/main" xmlns:r="http://schemas.openxmlformats.org/officeDocument/2006/relationships" xmlns:p="http://schemas.openxmlformats.org/presentationml/2006/main">
+  <p:cSld>
+    <p:spTree>
+      <p:nvGrpSpPr>
+        <p:cNvPr id="1" name="">
+          <a:extLst>
+            <a:ext uri="{FF2B5EF4-FFF2-40B4-BE49-F238E27FC236}">
+              <a16:creationId xmlns:a16="http://schemas.microsoft.com/office/drawing/2014/main" id="{4376319D-9C4E-15BC-22DD-A65043E9A7A8}"/>
+            </a:ext>
+          </a:extLst>
+        </p:cNvPr>
+        <p:cNvGrpSpPr/>
+        <p:nvPr/>
+      </p:nvGrpSpPr>
+      <p:grpSpPr>
+        <a:xfrm>
+          <a:off x="0" y="0"/>
+          <a:ext cx="0" cy="0"/>
+          <a:chOff x="0" y="0"/>
+          <a:chExt cx="0" cy="0"/>
+        </a:xfrm>
+      </p:grpSpPr>
+      <p:pic>
+        <p:nvPicPr>
+          <p:cNvPr id="6" name="Picture 5" descr="A number with numbers and digits&#10;&#10;Description automatically generated with medium confidence">
+            <a:extLst>
+              <a:ext uri="{FF2B5EF4-FFF2-40B4-BE49-F238E27FC236}">
+                <a16:creationId xmlns:a16="http://schemas.microsoft.com/office/drawing/2014/main" id="{8ACF453E-2D70-FE37-6977-C1D8659EFE36}"/>
+              </a:ext>
+            </a:extLst>
+          </p:cNvPr>
+          <p:cNvPicPr>
+            <a:picLocks noChangeAspect="1"/>
+          </p:cNvPicPr>
+          <p:nvPr/>
+        </p:nvPicPr>
+        <p:blipFill>
+          <a:blip r:embed="rId2"/>
+          <a:stretch>
+            <a:fillRect/>
+          </a:stretch>
+        </p:blipFill>
+        <p:spPr>
+          <a:xfrm>
+            <a:off x="653344" y="2172076"/>
+            <a:ext cx="5181600" cy="2844800"/>
+          </a:xfrm>
+          <a:prstGeom prst="rect">
+            <a:avLst/>
+          </a:prstGeom>
+        </p:spPr>
+      </p:pic>
+      <p:sp>
+        <p:nvSpPr>
+          <p:cNvPr id="2" name="Title 1">
+            <a:extLst>
+              <a:ext uri="{FF2B5EF4-FFF2-40B4-BE49-F238E27FC236}">
+                <a16:creationId xmlns:a16="http://schemas.microsoft.com/office/drawing/2014/main" id="{F547ED2B-C797-5A10-721B-719AA65AC5B9}"/>
+              </a:ext>
+            </a:extLst>
+          </p:cNvPr>
+          <p:cNvSpPr>
+            <a:spLocks noGrp="1"/>
+          </p:cNvSpPr>
+          <p:nvPr>
+            <p:ph type="title"/>
+          </p:nvPr>
+        </p:nvSpPr>
+        <p:spPr/>
+        <p:txBody>
+          <a:bodyPr/>
+          <a:lstStyle/>
+          <a:p>
+            <a:r>
+              <a:rPr lang="en-US" dirty="0">
+                <a:latin typeface="+mn-lt"/>
+              </a:rPr>
+              <a:t>5. Huffman encoding</a:t>
+            </a:r>
+          </a:p>
+        </p:txBody>
+      </p:sp>
+      <p:sp>
+        <p:nvSpPr>
+          <p:cNvPr id="7" name="Freeform 6">
+            <a:extLst>
+              <a:ext uri="{FF2B5EF4-FFF2-40B4-BE49-F238E27FC236}">
+                <a16:creationId xmlns:a16="http://schemas.microsoft.com/office/drawing/2014/main" id="{9D2D01B3-03C1-63F2-1C84-B5EC3C5C0D95}"/>
+              </a:ext>
+            </a:extLst>
+          </p:cNvPr>
+          <p:cNvSpPr/>
+          <p:nvPr/>
+        </p:nvSpPr>
+        <p:spPr>
+          <a:xfrm>
+            <a:off x="1830733" y="2382982"/>
+            <a:ext cx="3711085" cy="2452254"/>
+          </a:xfrm>
+          <a:custGeom>
+            <a:avLst/>
+            <a:gdLst>
+              <a:gd name="connsiteX0" fmla="*/ 42531 w 6943061"/>
+              <a:gd name="connsiteY0" fmla="*/ 10633 h 2509284"/>
+              <a:gd name="connsiteX1" fmla="*/ 946298 w 6943061"/>
+              <a:gd name="connsiteY1" fmla="*/ 10633 h 2509284"/>
+              <a:gd name="connsiteX2" fmla="*/ 0 w 6943061"/>
+              <a:gd name="connsiteY2" fmla="*/ 361507 h 2509284"/>
+              <a:gd name="connsiteX3" fmla="*/ 21266 w 6943061"/>
+              <a:gd name="connsiteY3" fmla="*/ 733647 h 2509284"/>
+              <a:gd name="connsiteX4" fmla="*/ 1924493 w 6943061"/>
+              <a:gd name="connsiteY4" fmla="*/ 31898 h 2509284"/>
+              <a:gd name="connsiteX5" fmla="*/ 2966484 w 6943061"/>
+              <a:gd name="connsiteY5" fmla="*/ 10633 h 2509284"/>
+              <a:gd name="connsiteX6" fmla="*/ 21266 w 6943061"/>
+              <a:gd name="connsiteY6" fmla="*/ 1148317 h 2509284"/>
+              <a:gd name="connsiteX7" fmla="*/ 31898 w 6943061"/>
+              <a:gd name="connsiteY7" fmla="*/ 1477926 h 2509284"/>
+              <a:gd name="connsiteX8" fmla="*/ 3944680 w 6943061"/>
+              <a:gd name="connsiteY8" fmla="*/ 0 h 2509284"/>
+              <a:gd name="connsiteX9" fmla="*/ 4922875 w 6943061"/>
+              <a:gd name="connsiteY9" fmla="*/ 0 h 2509284"/>
+              <a:gd name="connsiteX10" fmla="*/ 21266 w 6943061"/>
+              <a:gd name="connsiteY10" fmla="*/ 1839433 h 2509284"/>
+              <a:gd name="connsiteX11" fmla="*/ 42531 w 6943061"/>
+              <a:gd name="connsiteY11" fmla="*/ 2158410 h 2509284"/>
+              <a:gd name="connsiteX12" fmla="*/ 5954233 w 6943061"/>
+              <a:gd name="connsiteY12" fmla="*/ 31898 h 2509284"/>
+              <a:gd name="connsiteX13" fmla="*/ 6868633 w 6943061"/>
+              <a:gd name="connsiteY13" fmla="*/ 21265 h 2509284"/>
+              <a:gd name="connsiteX14" fmla="*/ 10633 w 6943061"/>
+              <a:gd name="connsiteY14" fmla="*/ 2488019 h 2509284"/>
+              <a:gd name="connsiteX15" fmla="*/ 1052624 w 6943061"/>
+              <a:gd name="connsiteY15" fmla="*/ 2477386 h 2509284"/>
+              <a:gd name="connsiteX16" fmla="*/ 6921796 w 6943061"/>
+              <a:gd name="connsiteY16" fmla="*/ 361507 h 2509284"/>
+              <a:gd name="connsiteX17" fmla="*/ 6943061 w 6943061"/>
+              <a:gd name="connsiteY17" fmla="*/ 712382 h 2509284"/>
+              <a:gd name="connsiteX18" fmla="*/ 2030819 w 6943061"/>
+              <a:gd name="connsiteY18" fmla="*/ 2477386 h 2509284"/>
+              <a:gd name="connsiteX19" fmla="*/ 3009014 w 6943061"/>
+              <a:gd name="connsiteY19" fmla="*/ 2488019 h 2509284"/>
+              <a:gd name="connsiteX20" fmla="*/ 6921796 w 6943061"/>
+              <a:gd name="connsiteY20" fmla="*/ 1105786 h 2509284"/>
+              <a:gd name="connsiteX21" fmla="*/ 6943061 w 6943061"/>
+              <a:gd name="connsiteY21" fmla="*/ 1477926 h 2509284"/>
+              <a:gd name="connsiteX22" fmla="*/ 4029740 w 6943061"/>
+              <a:gd name="connsiteY22" fmla="*/ 2477386 h 2509284"/>
+              <a:gd name="connsiteX23" fmla="*/ 4976038 w 6943061"/>
+              <a:gd name="connsiteY23" fmla="*/ 2509284 h 2509284"/>
+              <a:gd name="connsiteX24" fmla="*/ 6900531 w 6943061"/>
+              <a:gd name="connsiteY24" fmla="*/ 1786270 h 2509284"/>
+              <a:gd name="connsiteX25" fmla="*/ 6921796 w 6943061"/>
+              <a:gd name="connsiteY25" fmla="*/ 2126512 h 2509284"/>
+              <a:gd name="connsiteX26" fmla="*/ 5954233 w 6943061"/>
+              <a:gd name="connsiteY26" fmla="*/ 2477386 h 2509284"/>
+              <a:gd name="connsiteX27" fmla="*/ 6943061 w 6943061"/>
+              <a:gd name="connsiteY27" fmla="*/ 2477386 h 2509284"/>
+            </a:gdLst>
+            <a:ahLst/>
+            <a:cxnLst>
+              <a:cxn ang="0">
+                <a:pos x="connsiteX0" y="connsiteY0"/>
+              </a:cxn>
+              <a:cxn ang="0">
+                <a:pos x="connsiteX1" y="connsiteY1"/>
+              </a:cxn>
+              <a:cxn ang="0">
+                <a:pos x="connsiteX2" y="connsiteY2"/>
+              </a:cxn>
+              <a:cxn ang="0">
+                <a:pos x="connsiteX3" y="connsiteY3"/>
+              </a:cxn>
+              <a:cxn ang="0">
+                <a:pos x="connsiteX4" y="connsiteY4"/>
+              </a:cxn>
+              <a:cxn ang="0">
+                <a:pos x="connsiteX5" y="connsiteY5"/>
+              </a:cxn>
+              <a:cxn ang="0">
+                <a:pos x="connsiteX6" y="connsiteY6"/>
+              </a:cxn>
+              <a:cxn ang="0">
+                <a:pos x="connsiteX7" y="connsiteY7"/>
+              </a:cxn>
+              <a:cxn ang="0">
+                <a:pos x="connsiteX8" y="connsiteY8"/>
+              </a:cxn>
+              <a:cxn ang="0">
+                <a:pos x="connsiteX9" y="connsiteY9"/>
+              </a:cxn>
+              <a:cxn ang="0">
+                <a:pos x="connsiteX10" y="connsiteY10"/>
+              </a:cxn>
+              <a:cxn ang="0">
+                <a:pos x="connsiteX11" y="connsiteY11"/>
+              </a:cxn>
+              <a:cxn ang="0">
+                <a:pos x="connsiteX12" y="connsiteY12"/>
+              </a:cxn>
+              <a:cxn ang="0">
+                <a:pos x="connsiteX13" y="connsiteY13"/>
+              </a:cxn>
+              <a:cxn ang="0">
+                <a:pos x="connsiteX14" y="connsiteY14"/>
+              </a:cxn>
+              <a:cxn ang="0">
+                <a:pos x="connsiteX15" y="connsiteY15"/>
+              </a:cxn>
+              <a:cxn ang="0">
+                <a:pos x="connsiteX16" y="connsiteY16"/>
+              </a:cxn>
+              <a:cxn ang="0">
+                <a:pos x="connsiteX17" y="connsiteY17"/>
+              </a:cxn>
+              <a:cxn ang="0">
+                <a:pos x="connsiteX18" y="connsiteY18"/>
+              </a:cxn>
+              <a:cxn ang="0">
+                <a:pos x="connsiteX19" y="connsiteY19"/>
+              </a:cxn>
+              <a:cxn ang="0">
+                <a:pos x="connsiteX20" y="connsiteY20"/>
+              </a:cxn>
+              <a:cxn ang="0">
+                <a:pos x="connsiteX21" y="connsiteY21"/>
+              </a:cxn>
+              <a:cxn ang="0">
+                <a:pos x="connsiteX22" y="connsiteY22"/>
+              </a:cxn>
+              <a:cxn ang="0">
+                <a:pos x="connsiteX23" y="connsiteY23"/>
+              </a:cxn>
+              <a:cxn ang="0">
+                <a:pos x="connsiteX24" y="connsiteY24"/>
+              </a:cxn>
+              <a:cxn ang="0">
+                <a:pos x="connsiteX25" y="connsiteY25"/>
+              </a:cxn>
+              <a:cxn ang="0">
+                <a:pos x="connsiteX26" y="connsiteY26"/>
+              </a:cxn>
+              <a:cxn ang="0">
+                <a:pos x="connsiteX27" y="connsiteY27"/>
+              </a:cxn>
+            </a:cxnLst>
+            <a:rect l="l" t="t" r="r" b="b"/>
+            <a:pathLst>
+              <a:path w="6943061" h="2509284">
+                <a:moveTo>
+                  <a:pt x="42531" y="10633"/>
+                </a:moveTo>
+                <a:lnTo>
+                  <a:pt x="946298" y="10633"/>
+                </a:lnTo>
+                <a:lnTo>
+                  <a:pt x="0" y="361507"/>
+                </a:lnTo>
+                <a:lnTo>
+                  <a:pt x="21266" y="733647"/>
+                </a:lnTo>
+                <a:lnTo>
+                  <a:pt x="1924493" y="31898"/>
+                </a:lnTo>
+                <a:lnTo>
+                  <a:pt x="2966484" y="10633"/>
+                </a:lnTo>
+                <a:lnTo>
+                  <a:pt x="21266" y="1148317"/>
+                </a:lnTo>
+                <a:lnTo>
+                  <a:pt x="31898" y="1477926"/>
+                </a:lnTo>
+                <a:lnTo>
+                  <a:pt x="3944680" y="0"/>
+                </a:lnTo>
+                <a:lnTo>
+                  <a:pt x="4922875" y="0"/>
+                </a:lnTo>
+                <a:lnTo>
+                  <a:pt x="21266" y="1839433"/>
+                </a:lnTo>
+                <a:lnTo>
+                  <a:pt x="42531" y="2158410"/>
+                </a:lnTo>
+                <a:lnTo>
+                  <a:pt x="5954233" y="31898"/>
+                </a:lnTo>
+                <a:lnTo>
+                  <a:pt x="6868633" y="21265"/>
+                </a:lnTo>
+                <a:lnTo>
+                  <a:pt x="10633" y="2488019"/>
+                </a:lnTo>
+                <a:lnTo>
+                  <a:pt x="1052624" y="2477386"/>
+                </a:lnTo>
+                <a:lnTo>
+                  <a:pt x="6921796" y="361507"/>
+                </a:lnTo>
+                <a:lnTo>
+                  <a:pt x="6943061" y="712382"/>
+                </a:lnTo>
+                <a:lnTo>
+                  <a:pt x="2030819" y="2477386"/>
+                </a:lnTo>
+                <a:lnTo>
+                  <a:pt x="3009014" y="2488019"/>
+                </a:lnTo>
+                <a:lnTo>
+                  <a:pt x="6921796" y="1105786"/>
+                </a:lnTo>
+                <a:lnTo>
+                  <a:pt x="6943061" y="1477926"/>
+                </a:lnTo>
+                <a:lnTo>
+                  <a:pt x="4029740" y="2477386"/>
+                </a:lnTo>
+                <a:lnTo>
+                  <a:pt x="4976038" y="2509284"/>
+                </a:lnTo>
+                <a:lnTo>
+                  <a:pt x="6900531" y="1786270"/>
+                </a:lnTo>
+                <a:lnTo>
+                  <a:pt x="6921796" y="2126512"/>
+                </a:lnTo>
+                <a:lnTo>
+                  <a:pt x="5954233" y="2477386"/>
+                </a:lnTo>
+                <a:lnTo>
+                  <a:pt x="6943061" y="2477386"/>
+                </a:lnTo>
+              </a:path>
+            </a:pathLst>
+          </a:custGeom>
+          <a:noFill/>
+          <a:ln w="25400">
+            <a:solidFill>
+              <a:srgbClr val="FF0000"/>
+            </a:solidFill>
+          </a:ln>
+        </p:spPr>
+        <p:style>
+          <a:lnRef idx="2">
+            <a:schemeClr val="accent1">
+              <a:shade val="50000"/>
+            </a:schemeClr>
+          </a:lnRef>
+          <a:fillRef idx="1">
+            <a:schemeClr val="accent1"/>
+          </a:fillRef>
+          <a:effectRef idx="0">
+            <a:schemeClr val="accent1"/>
+          </a:effectRef>
+          <a:fontRef idx="minor">
+            <a:schemeClr val="lt1"/>
+          </a:fontRef>
+        </p:style>
+        <p:txBody>
+          <a:bodyPr rtlCol="0" anchor="ctr"/>
+          <a:lstStyle/>
+          <a:p>
+            <a:pPr algn="ctr"/>
+            <a:endParaRPr lang="en-US"/>
+          </a:p>
+        </p:txBody>
+      </p:sp>
+      <p:sp>
+        <p:nvSpPr>
+          <p:cNvPr id="11" name="Right Arrow 10">
+            <a:extLst>
+              <a:ext uri="{FF2B5EF4-FFF2-40B4-BE49-F238E27FC236}">
+                <a16:creationId xmlns:a16="http://schemas.microsoft.com/office/drawing/2014/main" id="{842C4C23-328F-78C1-BACE-6011C55161EF}"/>
+              </a:ext>
+            </a:extLst>
+          </p:cNvPr>
+          <p:cNvSpPr/>
+          <p:nvPr/>
+        </p:nvSpPr>
+        <p:spPr>
+          <a:xfrm>
+            <a:off x="10499602" y="3263134"/>
+            <a:ext cx="390418" cy="331342"/>
+          </a:xfrm>
+          <a:prstGeom prst="rightArrow">
+            <a:avLst/>
+          </a:prstGeom>
+        </p:spPr>
+        <p:style>
+          <a:lnRef idx="2">
+            <a:schemeClr val="accent1">
+              <a:shade val="15000"/>
+            </a:schemeClr>
+          </a:lnRef>
+          <a:fillRef idx="1">
+            <a:schemeClr val="accent1"/>
+          </a:fillRef>
+          <a:effectRef idx="0">
+            <a:schemeClr val="accent1"/>
+          </a:effectRef>
+          <a:fontRef idx="minor">
+            <a:schemeClr val="lt1"/>
+          </a:fontRef>
+        </p:style>
+        <p:txBody>
+          <a:bodyPr rtlCol="0" anchor="ctr"/>
+          <a:lstStyle/>
+          <a:p>
+            <a:pPr algn="ctr"/>
+            <a:endParaRPr lang="en-CL"/>
+          </a:p>
+        </p:txBody>
+      </p:sp>
+      <p:pic>
+        <p:nvPicPr>
+          <p:cNvPr id="12" name="Picture 11" descr="A diagram of numbers and symbols&#10;&#10;Description automatically generated">
+            <a:extLst>
+              <a:ext uri="{FF2B5EF4-FFF2-40B4-BE49-F238E27FC236}">
+                <a16:creationId xmlns:a16="http://schemas.microsoft.com/office/drawing/2014/main" id="{16C149A8-527B-68D0-5D17-2D2C33213F4F}"/>
+              </a:ext>
+            </a:extLst>
+          </p:cNvPr>
+          <p:cNvPicPr>
+            <a:picLocks noChangeAspect="1"/>
+          </p:cNvPicPr>
+          <p:nvPr/>
+        </p:nvPicPr>
+        <p:blipFill>
+          <a:blip r:embed="rId3"/>
+          <a:stretch>
+            <a:fillRect/>
+          </a:stretch>
+        </p:blipFill>
+        <p:spPr>
+          <a:xfrm>
+            <a:off x="6247940" y="571500"/>
+            <a:ext cx="4178300" cy="5715000"/>
+          </a:xfrm>
+          <a:prstGeom prst="rect">
+            <a:avLst/>
+          </a:prstGeom>
+        </p:spPr>
+      </p:pic>
+      <p:sp>
+        <p:nvSpPr>
+          <p:cNvPr id="14" name="TextBox 13">
+            <a:extLst>
+              <a:ext uri="{FF2B5EF4-FFF2-40B4-BE49-F238E27FC236}">
+                <a16:creationId xmlns:a16="http://schemas.microsoft.com/office/drawing/2014/main" id="{1E6256C4-CFB2-B16D-AB38-673A7D448E91}"/>
+              </a:ext>
+            </a:extLst>
+          </p:cNvPr>
+          <p:cNvSpPr txBox="1"/>
+          <p:nvPr/>
+        </p:nvSpPr>
+        <p:spPr>
+          <a:xfrm>
+            <a:off x="2272380" y="5128932"/>
+            <a:ext cx="2549002" cy="369332"/>
+          </a:xfrm>
+          <a:prstGeom prst="rect">
+            <a:avLst/>
+          </a:prstGeom>
+          <a:noFill/>
+        </p:spPr>
+        <p:txBody>
+          <a:bodyPr wrap="square">
+            <a:spAutoFit/>
+          </a:bodyPr>
+          <a:lstStyle/>
+          <a:p>
+            <a:r>
+              <a:rPr lang="en-US" dirty="0" err="1">
+                <a:latin typeface="+mn-lt"/>
+              </a:rPr>
+              <a:t>Vectorización</a:t>
+            </a:r>
+            <a:r>
+              <a:rPr lang="en-US" dirty="0">
+                <a:latin typeface="+mn-lt"/>
+              </a:rPr>
+              <a:t> </a:t>
+            </a:r>
+            <a:r>
+              <a:rPr lang="en-US" dirty="0" err="1">
+                <a:latin typeface="+mn-lt"/>
+              </a:rPr>
+              <a:t>en</a:t>
+            </a:r>
+            <a:r>
+              <a:rPr lang="en-US" dirty="0">
+                <a:latin typeface="+mn-lt"/>
+              </a:rPr>
+              <a:t> zig-zag</a:t>
+            </a:r>
+            <a:endParaRPr lang="en-CL" dirty="0"/>
+          </a:p>
+        </p:txBody>
+      </p:sp>
+    </p:spTree>
+    <p:extLst>
+      <p:ext uri="{BB962C8B-B14F-4D97-AF65-F5344CB8AC3E}">
+        <p14:creationId xmlns:p14="http://schemas.microsoft.com/office/powerpoint/2010/main" val="2373344616"/>
+      </p:ext>
+    </p:extLst>
+  </p:cSld>
+  <p:clrMapOvr>
+    <a:masterClrMapping/>
+  </p:clrMapOvr>
+  <p:timing>
+    <p:tnLst>
+      <p:par>
+        <p:cTn id="1" dur="indefinite" restart="never" nodeType="tmRoot">
+          <p:childTnLst>
+            <p:seq concurrent="1" nextAc="seek">
+              <p:cTn id="2" dur="indefinite" nodeType="mainSeq">
+                <p:childTnLst>
+                  <p:par>
+                    <p:cTn id="3" fill="hold">
+                      <p:stCondLst>
+                        <p:cond delay="indefinite"/>
+                      </p:stCondLst>
+                      <p:childTnLst>
+                        <p:par>
+                          <p:cTn id="4" fill="hold">
+                            <p:stCondLst>
+                              <p:cond delay="0"/>
+                            </p:stCondLst>
+                            <p:childTnLst>
+                              <p:par>
+                                <p:cTn id="5" presetID="22" presetClass="entr" presetSubtype="8" fill="hold" grpId="0" nodeType="clickEffect">
+                                  <p:stCondLst>
+                                    <p:cond delay="0"/>
+                                  </p:stCondLst>
+                                  <p:childTnLst>
+                                    <p:set>
+                                      <p:cBhvr>
+                                        <p:cTn id="6" dur="1" fill="hold">
+                                          <p:stCondLst>
+                                            <p:cond delay="0"/>
+                                          </p:stCondLst>
+                                        </p:cTn>
+                                        <p:tgtEl>
+                                          <p:spTgt spid="7"/>
+                                        </p:tgtEl>
+                                        <p:attrNameLst>
+                                          <p:attrName>style.visibility</p:attrName>
+                                        </p:attrNameLst>
+                                      </p:cBhvr>
+                                      <p:to>
+                                        <p:strVal val="visible"/>
+                                      </p:to>
+                                    </p:set>
+                                    <p:animEffect transition="in" filter="wipe(left)">
+                                      <p:cBhvr>
+                                        <p:cTn id="7" dur="500"/>
+                                        <p:tgtEl>
+                                          <p:spTgt spid="7"/>
+                                        </p:tgtEl>
+                                      </p:cBhvr>
+                                    </p:animEffect>
+                                  </p:childTnLst>
+                                </p:cTn>
+                              </p:par>
+                            </p:childTnLst>
+                          </p:cTn>
+                        </p:par>
+                      </p:childTnLst>
+                    </p:cTn>
+                  </p:par>
+                  <p:par>
+                    <p:cTn id="8" fill="hold">
+                      <p:stCondLst>
+                        <p:cond delay="indefinite"/>
+                      </p:stCondLst>
+                      <p:childTnLst>
+                        <p:par>
+                          <p:cTn id="9" fill="hold">
+                            <p:stCondLst>
+                              <p:cond delay="0"/>
+                            </p:stCondLst>
+                            <p:childTnLst>
+                              <p:par>
+                                <p:cTn id="10" presetID="1" presetClass="entr" presetSubtype="0" fill="hold" nodeType="clickEffect">
+                                  <p:stCondLst>
+                                    <p:cond delay="0"/>
+                                  </p:stCondLst>
+                                  <p:childTnLst>
+                                    <p:set>
+                                      <p:cBhvr>
+                                        <p:cTn id="11" dur="1" fill="hold">
                                           <p:stCondLst>
                                             <p:cond delay="0"/>
                                           </p:stCondLst>
@@ -28926,26 +29893,26 @@
                     </p:cTn>
                   </p:par>
                   <p:par>
-                    <p:cTn id="18" fill="hold">
+                    <p:cTn id="12" fill="hold">
                       <p:stCondLst>
                         <p:cond delay="indefinite"/>
                       </p:stCondLst>
                       <p:childTnLst>
                         <p:par>
-                          <p:cTn id="19" fill="hold">
+                          <p:cTn id="13" fill="hold">
                             <p:stCondLst>
                               <p:cond delay="0"/>
                             </p:stCondLst>
                             <p:childTnLst>
                               <p:par>
-                                <p:cTn id="20" presetID="1" presetClass="entr" presetSubtype="0" fill="hold" grpId="0" nodeType="clickEffect">
+                                <p:cTn id="14" presetID="1" presetClass="entr" presetSubtype="0" fill="hold" grpId="0" nodeType="clickEffect">
                                   <p:stCondLst>
                                     <p:cond delay="0"/>
                                   </p:stCondLst>
                                   <p:childTnLst>
                                     <p:set>
                                       <p:cBhvr>
-                                        <p:cTn id="21" dur="1" fill="hold">
+                                        <p:cTn id="15" dur="1" fill="hold">
                                           <p:stCondLst>
                                             <p:cond delay="0"/>
                                           </p:stCondLst>
@@ -28992,15 +29959,14 @@
       </p:par>
     </p:tnLst>
     <p:bldLst>
-      <p:bldP spid="7" grpId="1" animBg="1"/>
+      <p:bldP spid="7" grpId="0" animBg="1"/>
       <p:bldP spid="11" grpId="0" animBg="1"/>
-      <p:bldP spid="14" grpId="0"/>
     </p:bldLst>
   </p:timing>
 </p:sld>
 </file>
 
-<file path=ppt/slides/slide41.xml><?xml version="1.0" encoding="utf-8"?>
+<file path=ppt/slides/slide42.xml><?xml version="1.0" encoding="utf-8"?>
 <p:sld xmlns:a="http://schemas.openxmlformats.org/drawingml/2006/main" xmlns:r="http://schemas.openxmlformats.org/officeDocument/2006/relationships" xmlns:p="http://schemas.openxmlformats.org/presentationml/2006/main">
   <p:cSld>
     <p:spTree>
@@ -29144,14 +30110,14 @@
           <p:nvPr>
             <p:extLst>
               <p:ext uri="{D42A27DB-BD31-4B8C-83A1-F6EECF244321}">
-                <p14:modId xmlns:p14="http://schemas.microsoft.com/office/powerpoint/2010/main" val="2511650716"/>
+                <p14:modId xmlns:p14="http://schemas.microsoft.com/office/powerpoint/2010/main" val="4073756909"/>
               </p:ext>
             </p:extLst>
           </p:nvPr>
         </p:nvGraphicFramePr>
         <p:xfrm>
-          <a:off x="6314290" y="1262236"/>
-          <a:ext cx="3489813" cy="5120640"/>
+          <a:off x="6314290" y="1490836"/>
+          <a:ext cx="3489813" cy="5364480"/>
         </p:xfrm>
         <a:graphic>
           <a:graphicData uri="http://schemas.openxmlformats.org/drawingml/2006/table">
@@ -29263,12 +30229,76 @@
                     <a:p>
                       <a:pPr algn="ctr"/>
                       <a:r>
-                        <a:rPr lang="en-CL" sz="1600" kern="100">
+                        <a:rPr lang="en-CL" sz="1600" kern="100" dirty="0">
+                          <a:effectLst/>
+                          <a:latin typeface="Aptos" panose="020B0004020202020204" pitchFamily="34" charset="0"/>
+                          <a:ea typeface="Aptos" panose="020B0004020202020204" pitchFamily="34" charset="0"/>
+                          <a:cs typeface="Times New Roman" panose="02020603050405020304" pitchFamily="18" charset="0"/>
+                        </a:rPr>
+                        <a:t>-</a:t>
+                      </a:r>
+                    </a:p>
+                  </a:txBody>
+                  <a:tcPr marL="68580" marR="68580" marT="0" marB="0"/>
+                </a:tc>
+                <a:tc>
+                  <a:txBody>
+                    <a:bodyPr/>
+                    <a:lstStyle/>
+                    <a:p>
+                      <a:pPr algn="ctr"/>
+                      <a:r>
+                        <a:rPr lang="en-CL" sz="1600" kern="100" dirty="0">
+                          <a:effectLst/>
+                          <a:latin typeface="Aptos" panose="020B0004020202020204" pitchFamily="34" charset="0"/>
+                          <a:ea typeface="Aptos" panose="020B0004020202020204" pitchFamily="34" charset="0"/>
+                          <a:cs typeface="Times New Roman" panose="02020603050405020304" pitchFamily="18" charset="0"/>
+                        </a:rPr>
+                        <a:t>3</a:t>
+                      </a:r>
+                    </a:p>
+                  </a:txBody>
+                  <a:tcPr marL="68580" marR="68580" marT="0" marB="0"/>
+                </a:tc>
+                <a:tc>
+                  <a:txBody>
+                    <a:bodyPr/>
+                    <a:lstStyle/>
+                    <a:p>
+                      <a:pPr algn="ctr"/>
+                      <a:r>
+                        <a:rPr lang="en-CL" sz="1600" kern="100" dirty="0">
+                          <a:effectLst/>
+                          <a:latin typeface="Aptos" panose="020B0004020202020204" pitchFamily="34" charset="0"/>
+                          <a:ea typeface="Aptos" panose="020B0004020202020204" pitchFamily="34" charset="0"/>
+                          <a:cs typeface="Times New Roman" panose="02020603050405020304" pitchFamily="18" charset="0"/>
+                        </a:rPr>
+                        <a:t>-26</a:t>
+                      </a:r>
+                    </a:p>
+                  </a:txBody>
+                  <a:tcPr marL="68580" marR="68580" marT="0" marB="0"/>
+                </a:tc>
+                <a:extLst>
+                  <a:ext uri="{0D108BD9-81ED-4DB2-BD59-A6C34878D82A}">
+                    <a16:rowId xmlns:a16="http://schemas.microsoft.com/office/drawing/2014/main" val="1978538851"/>
+                  </a:ext>
+                </a:extLst>
+              </a:tr>
+              <a:tr h="0">
+                <a:tc>
+                  <a:txBody>
+                    <a:bodyPr/>
+                    <a:lstStyle/>
+                    <a:p>
+                      <a:pPr algn="ctr"/>
+                      <a:r>
+                        <a:rPr lang="en-CL" sz="1600" kern="100" dirty="0">
                           <a:effectLst/>
                         </a:rPr>
                         <a:t>0</a:t>
                       </a:r>
-                      <a:endParaRPr lang="en-CL" sz="1600" kern="100">
+                      <a:endParaRPr lang="en-CL" sz="1600" kern="100" dirty="0">
                         <a:effectLst/>
                         <a:latin typeface="Aptos" panose="020B0004020202020204" pitchFamily="34" charset="0"/>
                         <a:ea typeface="Aptos" panose="020B0004020202020204" pitchFamily="34" charset="0"/>
@@ -29285,12 +30315,12 @@
                     <a:p>
                       <a:pPr algn="ctr"/>
                       <a:r>
-                        <a:rPr lang="en-CL" sz="1600" kern="100">
+                        <a:rPr lang="en-CL" sz="1600" kern="100" dirty="0">
                           <a:effectLst/>
                         </a:rPr>
                         <a:t> 2</a:t>
                       </a:r>
-                      <a:endParaRPr lang="en-CL" sz="1600" kern="100">
+                      <a:endParaRPr lang="en-CL" sz="1600" kern="100" dirty="0">
                         <a:effectLst/>
                         <a:latin typeface="Aptos" panose="020B0004020202020204" pitchFamily="34" charset="0"/>
                         <a:ea typeface="Aptos" panose="020B0004020202020204" pitchFamily="34" charset="0"/>
@@ -30183,12 +31213,12 @@
                     <a:p>
                       <a:pPr algn="ctr"/>
                       <a:r>
-                        <a:rPr lang="en-CL" sz="1600" kern="100">
+                        <a:rPr lang="en-CL" sz="1600" kern="100" dirty="0">
                           <a:effectLst/>
                         </a:rPr>
                         <a:t>  2</a:t>
                       </a:r>
-                      <a:endParaRPr lang="en-CL" sz="1600" kern="100">
+                      <a:endParaRPr lang="en-CL" sz="1600" kern="100" dirty="0">
                         <a:effectLst/>
                         <a:latin typeface="Aptos" panose="020B0004020202020204" pitchFamily="34" charset="0"/>
                         <a:ea typeface="Aptos" panose="020B0004020202020204" pitchFamily="34" charset="0"/>
@@ -30650,17 +31680,14 @@
                     <a:p>
                       <a:pPr algn="ctr"/>
                       <a:r>
-                        <a:rPr lang="en-CL" sz="1600" kern="100">
+                        <a:rPr lang="en-CL" sz="1600" kern="100" dirty="0">
                           <a:effectLst/>
+                          <a:latin typeface="Aptos" panose="020B0004020202020204" pitchFamily="34" charset="0"/>
+                          <a:ea typeface="Aptos" panose="020B0004020202020204" pitchFamily="34" charset="0"/>
+                          <a:cs typeface="Times New Roman" panose="02020603050405020304" pitchFamily="18" charset="0"/>
                         </a:rPr>
-                        <a:t>0</a:t>
+                        <a:t>38</a:t>
                       </a:r>
-                      <a:endParaRPr lang="en-CL" sz="1600" kern="100">
-                        <a:effectLst/>
-                        <a:latin typeface="Aptos" panose="020B0004020202020204" pitchFamily="34" charset="0"/>
-                        <a:ea typeface="Aptos" panose="020B0004020202020204" pitchFamily="34" charset="0"/>
-                        <a:cs typeface="Times New Roman" panose="02020603050405020304" pitchFamily="18" charset="0"/>
-                      </a:endParaRPr>
                     </a:p>
                   </a:txBody>
                   <a:tcPr marL="68580" marR="68580" marT="0" marB="0"/>
@@ -30672,12 +31699,12 @@
                     <a:p>
                       <a:pPr algn="ctr"/>
                       <a:r>
-                        <a:rPr lang="en-CL" sz="1600" kern="100">
+                        <a:rPr lang="en-CL" sz="1600" kern="100" dirty="0">
                           <a:effectLst/>
                         </a:rPr>
                         <a:t> 0</a:t>
                       </a:r>
-                      <a:endParaRPr lang="en-CL" sz="1600" kern="100">
+                      <a:endParaRPr lang="en-CL" sz="1600" kern="100" dirty="0">
                         <a:effectLst/>
                         <a:latin typeface="Aptos" panose="020B0004020202020204" pitchFamily="34" charset="0"/>
                         <a:ea typeface="Aptos" panose="020B0004020202020204" pitchFamily="34" charset="0"/>
@@ -30763,13 +31790,15 @@
               </a:ext>
             </a:extLst>
           </p:cNvPr>
-          <p:cNvCxnSpPr/>
+          <p:cNvCxnSpPr>
+            <a:cxnSpLocks/>
+          </p:cNvCxnSpPr>
           <p:nvPr/>
         </p:nvCxnSpPr>
         <p:spPr>
           <a:xfrm>
             <a:off x="6816436" y="637303"/>
-            <a:ext cx="0" cy="540000"/>
+            <a:ext cx="0" cy="784042"/>
           </a:xfrm>
           <a:prstGeom prst="straightConnector1">
             <a:avLst/>
@@ -30837,13 +31866,15 @@
               </a:ext>
             </a:extLst>
           </p:cNvPr>
-          <p:cNvCxnSpPr/>
+          <p:cNvCxnSpPr>
+            <a:cxnSpLocks/>
+          </p:cNvCxnSpPr>
           <p:nvPr/>
         </p:nvCxnSpPr>
         <p:spPr>
           <a:xfrm>
             <a:off x="7952509" y="1002813"/>
-            <a:ext cx="0" cy="216000"/>
+            <a:ext cx="0" cy="418532"/>
           </a:xfrm>
           <a:prstGeom prst="straightConnector1">
             <a:avLst/>
@@ -30882,9 +31913,9 @@
         <p:grpSpPr>
           <a:xfrm>
             <a:off x="1948333" y="3387435"/>
-            <a:ext cx="5075922" cy="2566989"/>
+            <a:ext cx="5075922" cy="3040137"/>
             <a:chOff x="1948333" y="3387435"/>
-            <a:chExt cx="5075922" cy="2566989"/>
+            <a:chExt cx="5075922" cy="3040137"/>
           </a:xfrm>
         </p:grpSpPr>
         <p:sp>
@@ -30901,7 +31932,7 @@
           </p:nvSpPr>
           <p:spPr>
             <a:xfrm>
-              <a:off x="6622473" y="5583382"/>
+              <a:off x="6622473" y="6056530"/>
               <a:ext cx="401782" cy="371042"/>
             </a:xfrm>
             <a:prstGeom prst="ellipse">
@@ -31039,9 +32070,9 @@
         <p:grpSpPr>
           <a:xfrm>
             <a:off x="2854049" y="3089555"/>
-            <a:ext cx="6580901" cy="2629341"/>
+            <a:ext cx="6580901" cy="3097174"/>
             <a:chOff x="2854049" y="3089555"/>
-            <a:chExt cx="6580901" cy="2629341"/>
+            <a:chExt cx="6580901" cy="3097174"/>
           </a:xfrm>
         </p:grpSpPr>
         <p:sp>
@@ -31058,7 +32089,7 @@
           </p:nvSpPr>
           <p:spPr>
             <a:xfrm>
-              <a:off x="9033168" y="5347854"/>
+              <a:off x="9033168" y="5815687"/>
               <a:ext cx="401782" cy="371042"/>
             </a:xfrm>
             <a:prstGeom prst="ellipse">
@@ -31149,6 +32180,82 @@
           </p:txBody>
         </p:sp>
       </p:grpSp>
+      <p:sp>
+        <p:nvSpPr>
+          <p:cNvPr id="4" name="TextBox 3">
+            <a:extLst>
+              <a:ext uri="{FF2B5EF4-FFF2-40B4-BE49-F238E27FC236}">
+                <a16:creationId xmlns:a16="http://schemas.microsoft.com/office/drawing/2014/main" id="{3C48555A-EEC7-5C9B-06BE-219C63221B92}"/>
+              </a:ext>
+            </a:extLst>
+          </p:cNvPr>
+          <p:cNvSpPr txBox="1"/>
+          <p:nvPr/>
+        </p:nvSpPr>
+        <p:spPr>
+          <a:xfrm>
+            <a:off x="8828818" y="981447"/>
+            <a:ext cx="1708609" cy="369332"/>
+          </a:xfrm>
+          <a:prstGeom prst="rect">
+            <a:avLst/>
+          </a:prstGeom>
+          <a:noFill/>
+        </p:spPr>
+        <p:txBody>
+          <a:bodyPr wrap="none" rtlCol="0">
+            <a:spAutoFit/>
+          </a:bodyPr>
+          <a:lstStyle/>
+          <a:p>
+            <a:r>
+              <a:rPr lang="en-CL" dirty="0"/>
+              <a:t>Número original</a:t>
+            </a:r>
+          </a:p>
+        </p:txBody>
+      </p:sp>
+      <p:cxnSp>
+        <p:nvCxnSpPr>
+          <p:cNvPr id="5" name="Straight Arrow Connector 4">
+            <a:extLst>
+              <a:ext uri="{FF2B5EF4-FFF2-40B4-BE49-F238E27FC236}">
+                <a16:creationId xmlns:a16="http://schemas.microsoft.com/office/drawing/2014/main" id="{D0C210BF-109C-AE3A-6551-E47B89BFF511}"/>
+              </a:ext>
+            </a:extLst>
+          </p:cNvPr>
+          <p:cNvCxnSpPr>
+            <a:cxnSpLocks/>
+          </p:cNvCxnSpPr>
+          <p:nvPr/>
+        </p:nvCxnSpPr>
+        <p:spPr>
+          <a:xfrm>
+            <a:off x="9133618" y="1286606"/>
+            <a:ext cx="0" cy="134739"/>
+          </a:xfrm>
+          <a:prstGeom prst="straightConnector1">
+            <a:avLst/>
+          </a:prstGeom>
+          <a:ln>
+            <a:tailEnd type="triangle"/>
+          </a:ln>
+        </p:spPr>
+        <p:style>
+          <a:lnRef idx="1">
+            <a:schemeClr val="accent1"/>
+          </a:lnRef>
+          <a:fillRef idx="0">
+            <a:schemeClr val="accent1"/>
+          </a:fillRef>
+          <a:effectRef idx="0">
+            <a:schemeClr val="accent1"/>
+          </a:effectRef>
+          <a:fontRef idx="minor">
+            <a:schemeClr val="tx1"/>
+          </a:fontRef>
+        </p:style>
+      </p:cxnSp>
     </p:spTree>
     <p:extLst>
       <p:ext uri="{BB962C8B-B14F-4D97-AF65-F5344CB8AC3E}">
@@ -31159,13 +32266,13 @@
   <p:clrMapOvr>
     <a:masterClrMapping/>
   </p:clrMapOvr>
-  <mc:AlternateContent xmlns:mc="http://schemas.openxmlformats.org/markup-compatibility/2006">
-    <mc:Choice xmlns:p159="http://schemas.microsoft.com/office/powerpoint/2015/09/main" Requires="p159">
+  <mc:AlternateContent xmlns:mc="http://schemas.openxmlformats.org/markup-compatibility/2006" xmlns:p159="http://schemas.microsoft.com/office/powerpoint/2015/09/main">
+    <mc:Choice Requires="p159">
       <p:transition xmlns:p14="http://schemas.microsoft.com/office/powerpoint/2010/main" spd="slow" p14:dur="2000">
         <p159:morph option="byObject"/>
       </p:transition>
     </mc:Choice>
-    <mc:Fallback>
+    <mc:Fallback xmlns="">
       <p:transition spd="slow">
         <p:fade/>
       </p:transition>
@@ -31294,7 +32401,7 @@
 </p:sld>
 </file>
 
-<file path=ppt/slides/slide42.xml><?xml version="1.0" encoding="utf-8"?>
+<file path=ppt/slides/slide43.xml><?xml version="1.0" encoding="utf-8"?>
 <p:sld xmlns:a="http://schemas.openxmlformats.org/drawingml/2006/main" xmlns:r="http://schemas.openxmlformats.org/officeDocument/2006/relationships" xmlns:p="http://schemas.openxmlformats.org/presentationml/2006/main">
   <p:cSld>
     <p:spTree>
